--- a/你愛永不變.pptx
+++ b/你愛永不變.pptx
@@ -10,8 +10,17 @@
     <p:sldId id="285" r:id="rId4"/>
     <p:sldId id="281" r:id="rId5"/>
     <p:sldId id="283" r:id="rId6"/>
-    <p:sldId id="279" r:id="rId7"/>
-    <p:sldId id="280" r:id="rId8"/>
+    <p:sldId id="289" r:id="rId7"/>
+    <p:sldId id="279" r:id="rId8"/>
+    <p:sldId id="280" r:id="rId9"/>
+    <p:sldId id="286" r:id="rId10"/>
+    <p:sldId id="290" r:id="rId11"/>
+    <p:sldId id="287" r:id="rId12"/>
+    <p:sldId id="295" r:id="rId13"/>
+    <p:sldId id="292" r:id="rId14"/>
+    <p:sldId id="296" r:id="rId15"/>
+    <p:sldId id="293" r:id="rId16"/>
+    <p:sldId id="297" r:id="rId17"/>
   </p:sldIdLst>
   <p:sldSz cx="9144000" cy="5143500" type="screen16x9"/>
   <p:notesSz cx="6858000" cy="9144000"/>
@@ -295,7 +304,7 @@
             <a:fld id="{BC4F40AC-92D7-480D-97D1-79286808B11F}" type="datetimeFigureOut">
               <a:rPr lang="zh-TW" altLang="en-US" smtClean="0"/>
               <a:pPr/>
-              <a:t>2019/10/19</a:t>
+              <a:t>2020/2/25</a:t>
             </a:fld>
             <a:endParaRPr lang="zh-TW" altLang="en-US"/>
           </a:p>
@@ -462,7 +471,7 @@
             <a:fld id="{BC4F40AC-92D7-480D-97D1-79286808B11F}" type="datetimeFigureOut">
               <a:rPr lang="zh-TW" altLang="en-US" smtClean="0"/>
               <a:pPr/>
-              <a:t>2019/10/19</a:t>
+              <a:t>2020/2/25</a:t>
             </a:fld>
             <a:endParaRPr lang="zh-TW" altLang="en-US"/>
           </a:p>
@@ -639,7 +648,7 @@
             <a:fld id="{BC4F40AC-92D7-480D-97D1-79286808B11F}" type="datetimeFigureOut">
               <a:rPr lang="zh-TW" altLang="en-US" smtClean="0"/>
               <a:pPr/>
-              <a:t>2019/10/19</a:t>
+              <a:t>2020/2/25</a:t>
             </a:fld>
             <a:endParaRPr lang="zh-TW" altLang="en-US"/>
           </a:p>
@@ -806,7 +815,7 @@
             <a:fld id="{BC4F40AC-92D7-480D-97D1-79286808B11F}" type="datetimeFigureOut">
               <a:rPr lang="zh-TW" altLang="en-US" smtClean="0"/>
               <a:pPr/>
-              <a:t>2019/10/19</a:t>
+              <a:t>2020/2/25</a:t>
             </a:fld>
             <a:endParaRPr lang="zh-TW" altLang="en-US"/>
           </a:p>
@@ -1049,7 +1058,7 @@
             <a:fld id="{BC4F40AC-92D7-480D-97D1-79286808B11F}" type="datetimeFigureOut">
               <a:rPr lang="zh-TW" altLang="en-US" smtClean="0"/>
               <a:pPr/>
-              <a:t>2019/10/19</a:t>
+              <a:t>2020/2/25</a:t>
             </a:fld>
             <a:endParaRPr lang="zh-TW" altLang="en-US"/>
           </a:p>
@@ -1334,7 +1343,7 @@
             <a:fld id="{BC4F40AC-92D7-480D-97D1-79286808B11F}" type="datetimeFigureOut">
               <a:rPr lang="zh-TW" altLang="en-US" smtClean="0"/>
               <a:pPr/>
-              <a:t>2019/10/19</a:t>
+              <a:t>2020/2/25</a:t>
             </a:fld>
             <a:endParaRPr lang="zh-TW" altLang="en-US"/>
           </a:p>
@@ -1753,7 +1762,7 @@
             <a:fld id="{BC4F40AC-92D7-480D-97D1-79286808B11F}" type="datetimeFigureOut">
               <a:rPr lang="zh-TW" altLang="en-US" smtClean="0"/>
               <a:pPr/>
-              <a:t>2019/10/19</a:t>
+              <a:t>2020/2/25</a:t>
             </a:fld>
             <a:endParaRPr lang="zh-TW" altLang="en-US"/>
           </a:p>
@@ -1868,7 +1877,7 @@
             <a:fld id="{BC4F40AC-92D7-480D-97D1-79286808B11F}" type="datetimeFigureOut">
               <a:rPr lang="zh-TW" altLang="en-US" smtClean="0"/>
               <a:pPr/>
-              <a:t>2019/10/19</a:t>
+              <a:t>2020/2/25</a:t>
             </a:fld>
             <a:endParaRPr lang="zh-TW" altLang="en-US"/>
           </a:p>
@@ -1960,7 +1969,7 @@
             <a:fld id="{BC4F40AC-92D7-480D-97D1-79286808B11F}" type="datetimeFigureOut">
               <a:rPr lang="zh-TW" altLang="en-US" smtClean="0"/>
               <a:pPr/>
-              <a:t>2019/10/19</a:t>
+              <a:t>2020/2/25</a:t>
             </a:fld>
             <a:endParaRPr lang="zh-TW" altLang="en-US"/>
           </a:p>
@@ -2234,7 +2243,7 @@
             <a:fld id="{BC4F40AC-92D7-480D-97D1-79286808B11F}" type="datetimeFigureOut">
               <a:rPr lang="zh-TW" altLang="en-US" smtClean="0"/>
               <a:pPr/>
-              <a:t>2019/10/19</a:t>
+              <a:t>2020/2/25</a:t>
             </a:fld>
             <a:endParaRPr lang="zh-TW" altLang="en-US"/>
           </a:p>
@@ -2488,7 +2497,7 @@
             <a:fld id="{BC4F40AC-92D7-480D-97D1-79286808B11F}" type="datetimeFigureOut">
               <a:rPr lang="zh-TW" altLang="en-US" smtClean="0"/>
               <a:pPr/>
-              <a:t>2019/10/19</a:t>
+              <a:t>2020/2/25</a:t>
             </a:fld>
             <a:endParaRPr lang="zh-TW" altLang="en-US"/>
           </a:p>
@@ -2703,7 +2712,7 @@
             <a:fld id="{BC4F40AC-92D7-480D-97D1-79286808B11F}" type="datetimeFigureOut">
               <a:rPr lang="zh-TW" altLang="en-US" smtClean="0"/>
               <a:pPr/>
-              <a:t>2019/10/19</a:t>
+              <a:t>2020/2/25</a:t>
             </a:fld>
             <a:endParaRPr lang="zh-TW" altLang="en-US"/>
           </a:p>
@@ -3278,7 +3287,7 @@
     </p:spTree>
     <p:extLst>
       <p:ext uri="{BB962C8B-B14F-4D97-AF65-F5344CB8AC3E}">
-        <p14:creationId xmlns:p14="http://schemas.microsoft.com/office/powerpoint/2010/main" val="3761862256"/>
+        <p14:creationId xmlns:p14="http://schemas.microsoft.com/office/powerpoint/2010/main" xmlns="" val="3761862256"/>
       </p:ext>
     </p:extLst>
   </p:cSld>
@@ -3292,6 +3301,1268 @@
       </p:par>
     </p:tnLst>
   </p:timing>
+</p:sld>
+</file>
+
+<file path=ppt/slides/slide10.xml><?xml version="1.0" encoding="utf-8"?>
+<p:sld xmlns:a="http://schemas.openxmlformats.org/drawingml/2006/main" xmlns:r="http://schemas.openxmlformats.org/officeDocument/2006/relationships" xmlns:p="http://schemas.openxmlformats.org/presentationml/2006/main">
+  <p:cSld>
+    <p:spTree>
+      <p:nvGrpSpPr>
+        <p:cNvPr id="1" name=""/>
+        <p:cNvGrpSpPr/>
+        <p:nvPr/>
+      </p:nvGrpSpPr>
+      <p:grpSpPr>
+        <a:xfrm>
+          <a:off x="0" y="0"/>
+          <a:ext cx="0" cy="0"/>
+          <a:chOff x="0" y="0"/>
+          <a:chExt cx="0" cy="0"/>
+        </a:xfrm>
+      </p:grpSpPr>
+      <p:sp>
+        <p:nvSpPr>
+          <p:cNvPr id="2" name="標題 1"/>
+          <p:cNvSpPr>
+            <a:spLocks noGrp="1"/>
+          </p:cNvSpPr>
+          <p:nvPr>
+            <p:ph type="title"/>
+          </p:nvPr>
+        </p:nvSpPr>
+        <p:spPr/>
+        <p:txBody>
+          <a:bodyPr/>
+          <a:lstStyle/>
+          <a:p>
+            <a:r>
+              <a:rPr lang="zh-TW" altLang="en-US" b="1" dirty="0">
+                <a:solidFill>
+                  <a:srgbClr val="660033"/>
+                </a:solidFill>
+                <a:latin typeface="微軟正黑體" pitchFamily="34" charset="-120"/>
+                <a:ea typeface="微軟正黑體" pitchFamily="34" charset="-120"/>
+              </a:rPr>
+              <a:t>每一天我需要你</a:t>
+            </a:r>
+          </a:p>
+        </p:txBody>
+      </p:sp>
+      <p:sp>
+        <p:nvSpPr>
+          <p:cNvPr id="3" name="內容版面配置區 2"/>
+          <p:cNvSpPr>
+            <a:spLocks noGrp="1"/>
+          </p:cNvSpPr>
+          <p:nvPr>
+            <p:ph idx="1"/>
+          </p:nvPr>
+        </p:nvSpPr>
+        <p:spPr>
+          <a:xfrm>
+            <a:off x="0" y="1200151"/>
+            <a:ext cx="9144000" cy="3394472"/>
+          </a:xfrm>
+        </p:spPr>
+        <p:txBody>
+          <a:bodyPr>
+            <a:noAutofit/>
+          </a:bodyPr>
+          <a:lstStyle/>
+          <a:p>
+            <a:pPr algn="ctr">
+              <a:buNone/>
+            </a:pPr>
+            <a:r>
+              <a:rPr lang="zh-TW" altLang="en-US" sz="5400" b="1" dirty="0">
+                <a:solidFill>
+                  <a:srgbClr val="660033"/>
+                </a:solidFill>
+                <a:latin typeface="微軟正黑體" pitchFamily="34" charset="-120"/>
+                <a:ea typeface="微軟正黑體" pitchFamily="34" charset="-120"/>
+              </a:rPr>
+              <a:t>讓我坦然無懼來到施恩座</a:t>
+            </a:r>
+            <a:r>
+              <a:rPr lang="zh-TW" altLang="en-US" sz="5400" b="1" dirty="0" smtClean="0">
+                <a:solidFill>
+                  <a:srgbClr val="660033"/>
+                </a:solidFill>
+                <a:latin typeface="微軟正黑體" pitchFamily="34" charset="-120"/>
+                <a:ea typeface="微軟正黑體" pitchFamily="34" charset="-120"/>
+              </a:rPr>
+              <a:t>前</a:t>
+            </a:r>
+            <a:endParaRPr lang="en-US" altLang="zh-TW" sz="5400" b="1" dirty="0" smtClean="0">
+              <a:solidFill>
+                <a:srgbClr val="660033"/>
+              </a:solidFill>
+              <a:latin typeface="微軟正黑體" pitchFamily="34" charset="-120"/>
+              <a:ea typeface="微軟正黑體" pitchFamily="34" charset="-120"/>
+            </a:endParaRPr>
+          </a:p>
+          <a:p>
+            <a:pPr algn="ctr">
+              <a:buNone/>
+            </a:pPr>
+            <a:r>
+              <a:rPr lang="zh-TW" altLang="en-US" sz="5400" b="1" dirty="0" smtClean="0">
+                <a:solidFill>
+                  <a:srgbClr val="660033"/>
+                </a:solidFill>
+                <a:latin typeface="微軟正黑體" pitchFamily="34" charset="-120"/>
+                <a:ea typeface="微軟正黑體" pitchFamily="34" charset="-120"/>
+              </a:rPr>
+              <a:t>用</a:t>
+            </a:r>
+            <a:r>
+              <a:rPr lang="zh-TW" altLang="en-US" sz="5400" b="1" dirty="0">
+                <a:solidFill>
+                  <a:srgbClr val="660033"/>
+                </a:solidFill>
+                <a:latin typeface="微軟正黑體" pitchFamily="34" charset="-120"/>
+                <a:ea typeface="微軟正黑體" pitchFamily="34" charset="-120"/>
+              </a:rPr>
+              <a:t>心靈誠實尋求</a:t>
+            </a:r>
+            <a:r>
+              <a:rPr lang="zh-TW" altLang="en-US" sz="5400" b="1" dirty="0" smtClean="0">
+                <a:solidFill>
+                  <a:srgbClr val="660033"/>
+                </a:solidFill>
+                <a:latin typeface="微軟正黑體" pitchFamily="34" charset="-120"/>
+                <a:ea typeface="微軟正黑體" pitchFamily="34" charset="-120"/>
+              </a:rPr>
+              <a:t>你</a:t>
+            </a:r>
+            <a:endParaRPr lang="en-US" altLang="zh-TW" sz="5400" b="1" dirty="0">
+              <a:solidFill>
+                <a:srgbClr val="660033"/>
+              </a:solidFill>
+              <a:latin typeface="微軟正黑體" pitchFamily="34" charset="-120"/>
+              <a:ea typeface="微軟正黑體" pitchFamily="34" charset="-120"/>
+            </a:endParaRPr>
+          </a:p>
+          <a:p>
+            <a:pPr algn="ctr">
+              <a:buNone/>
+            </a:pPr>
+            <a:r>
+              <a:rPr lang="zh-TW" altLang="en-US" sz="5400" b="1" dirty="0" smtClean="0">
+                <a:solidFill>
+                  <a:srgbClr val="660033"/>
+                </a:solidFill>
+                <a:latin typeface="微軟正黑體" pitchFamily="34" charset="-120"/>
+                <a:ea typeface="微軟正黑體" pitchFamily="34" charset="-120"/>
+              </a:rPr>
+              <a:t>親愛的</a:t>
+            </a:r>
+            <a:r>
+              <a:rPr lang="zh-TW" altLang="en-US" sz="5400" b="1" dirty="0">
+                <a:solidFill>
+                  <a:srgbClr val="660033"/>
+                </a:solidFill>
+                <a:latin typeface="微軟正黑體" pitchFamily="34" charset="-120"/>
+                <a:ea typeface="微軟正黑體" pitchFamily="34" charset="-120"/>
+              </a:rPr>
+              <a:t>天父我何等地需要</a:t>
+            </a:r>
+            <a:r>
+              <a:rPr lang="zh-TW" altLang="en-US" sz="5400" b="1" dirty="0" smtClean="0">
+                <a:solidFill>
+                  <a:srgbClr val="660033"/>
+                </a:solidFill>
+                <a:latin typeface="微軟正黑體" pitchFamily="34" charset="-120"/>
+                <a:ea typeface="微軟正黑體" pitchFamily="34" charset="-120"/>
+              </a:rPr>
+              <a:t>你</a:t>
+            </a:r>
+            <a:endParaRPr lang="en-US" altLang="zh-TW" sz="5400" b="1" dirty="0" smtClean="0">
+              <a:solidFill>
+                <a:srgbClr val="660033"/>
+              </a:solidFill>
+              <a:latin typeface="微軟正黑體" pitchFamily="34" charset="-120"/>
+              <a:ea typeface="微軟正黑體" pitchFamily="34" charset="-120"/>
+            </a:endParaRPr>
+          </a:p>
+          <a:p>
+            <a:pPr algn="ctr">
+              <a:buNone/>
+            </a:pPr>
+            <a:r>
+              <a:rPr lang="zh-TW" altLang="en-US" sz="5400" b="1" dirty="0" smtClean="0">
+                <a:solidFill>
+                  <a:srgbClr val="660033"/>
+                </a:solidFill>
+                <a:latin typeface="微軟正黑體" pitchFamily="34" charset="-120"/>
+                <a:ea typeface="微軟正黑體" pitchFamily="34" charset="-120"/>
+              </a:rPr>
+              <a:t>需要</a:t>
+            </a:r>
+            <a:r>
+              <a:rPr lang="zh-TW" altLang="en-US" sz="5400" b="1" dirty="0">
+                <a:solidFill>
+                  <a:srgbClr val="660033"/>
+                </a:solidFill>
+                <a:latin typeface="微軟正黑體" pitchFamily="34" charset="-120"/>
+                <a:ea typeface="微軟正黑體" pitchFamily="34" charset="-120"/>
+              </a:rPr>
+              <a:t>更多你的同</a:t>
+            </a:r>
+            <a:r>
+              <a:rPr lang="zh-TW" altLang="en-US" sz="5400" b="1" dirty="0" smtClean="0">
+                <a:solidFill>
+                  <a:srgbClr val="660033"/>
+                </a:solidFill>
+                <a:latin typeface="微軟正黑體" pitchFamily="34" charset="-120"/>
+                <a:ea typeface="微軟正黑體" pitchFamily="34" charset="-120"/>
+              </a:rPr>
+              <a:t>在  在</a:t>
+            </a:r>
+            <a:r>
+              <a:rPr lang="zh-TW" altLang="en-US" sz="5400" b="1" dirty="0">
+                <a:solidFill>
+                  <a:srgbClr val="660033"/>
+                </a:solidFill>
+                <a:latin typeface="微軟正黑體" pitchFamily="34" charset="-120"/>
+                <a:ea typeface="微軟正黑體" pitchFamily="34" charset="-120"/>
+              </a:rPr>
+              <a:t>我</a:t>
+            </a:r>
+            <a:r>
+              <a:rPr lang="zh-TW" altLang="en-US" sz="5400" b="1" dirty="0" smtClean="0">
+                <a:solidFill>
+                  <a:srgbClr val="660033"/>
+                </a:solidFill>
+                <a:latin typeface="微軟正黑體" pitchFamily="34" charset="-120"/>
+                <a:ea typeface="微軟正黑體" pitchFamily="34" charset="-120"/>
+              </a:rPr>
+              <a:t>生命</a:t>
+            </a:r>
+            <a:endParaRPr lang="zh-TW" altLang="en-US" sz="5400" b="1" dirty="0">
+              <a:solidFill>
+                <a:srgbClr val="660033"/>
+              </a:solidFill>
+              <a:latin typeface="微軟正黑體" pitchFamily="34" charset="-120"/>
+              <a:ea typeface="微軟正黑體" pitchFamily="34" charset="-120"/>
+            </a:endParaRPr>
+          </a:p>
+        </p:txBody>
+      </p:sp>
+    </p:spTree>
+  </p:cSld>
+  <p:clrMapOvr>
+    <a:masterClrMapping/>
+  </p:clrMapOvr>
+</p:sld>
+</file>
+
+<file path=ppt/slides/slide11.xml><?xml version="1.0" encoding="utf-8"?>
+<p:sld xmlns:a="http://schemas.openxmlformats.org/drawingml/2006/main" xmlns:r="http://schemas.openxmlformats.org/officeDocument/2006/relationships" xmlns:p="http://schemas.openxmlformats.org/presentationml/2006/main">
+  <p:cSld>
+    <p:spTree>
+      <p:nvGrpSpPr>
+        <p:cNvPr id="1" name=""/>
+        <p:cNvGrpSpPr/>
+        <p:nvPr/>
+      </p:nvGrpSpPr>
+      <p:grpSpPr>
+        <a:xfrm>
+          <a:off x="0" y="0"/>
+          <a:ext cx="0" cy="0"/>
+          <a:chOff x="0" y="0"/>
+          <a:chExt cx="0" cy="0"/>
+        </a:xfrm>
+      </p:grpSpPr>
+      <p:sp>
+        <p:nvSpPr>
+          <p:cNvPr id="2" name="標題 1"/>
+          <p:cNvSpPr>
+            <a:spLocks noGrp="1"/>
+          </p:cNvSpPr>
+          <p:nvPr>
+            <p:ph type="title"/>
+          </p:nvPr>
+        </p:nvSpPr>
+        <p:spPr/>
+        <p:txBody>
+          <a:bodyPr/>
+          <a:lstStyle/>
+          <a:p>
+            <a:r>
+              <a:rPr lang="zh-TW" altLang="en-US" b="1" dirty="0">
+                <a:solidFill>
+                  <a:srgbClr val="660033"/>
+                </a:solidFill>
+                <a:latin typeface="微軟正黑體" pitchFamily="34" charset="-120"/>
+                <a:ea typeface="微軟正黑體" pitchFamily="34" charset="-120"/>
+              </a:rPr>
+              <a:t>每一天我需要你</a:t>
+            </a:r>
+          </a:p>
+        </p:txBody>
+      </p:sp>
+      <p:sp>
+        <p:nvSpPr>
+          <p:cNvPr id="3" name="內容版面配置區 2"/>
+          <p:cNvSpPr>
+            <a:spLocks noGrp="1"/>
+          </p:cNvSpPr>
+          <p:nvPr>
+            <p:ph idx="1"/>
+          </p:nvPr>
+        </p:nvSpPr>
+        <p:spPr>
+          <a:xfrm>
+            <a:off x="0" y="1200151"/>
+            <a:ext cx="9144000" cy="3394472"/>
+          </a:xfrm>
+        </p:spPr>
+        <p:txBody>
+          <a:bodyPr>
+            <a:noAutofit/>
+          </a:bodyPr>
+          <a:lstStyle/>
+          <a:p>
+            <a:pPr algn="ctr">
+              <a:buNone/>
+            </a:pPr>
+            <a:r>
+              <a:rPr lang="zh-TW" altLang="en-US" sz="5400" b="1" dirty="0">
+                <a:solidFill>
+                  <a:srgbClr val="660033"/>
+                </a:solidFill>
+                <a:latin typeface="微軟正黑體" pitchFamily="34" charset="-120"/>
+                <a:ea typeface="微軟正黑體" pitchFamily="34" charset="-120"/>
+              </a:rPr>
+              <a:t>每一天   我需要你</a:t>
+            </a:r>
+            <a:endParaRPr lang="en-US" altLang="zh-TW" sz="5400" b="1" dirty="0">
+              <a:solidFill>
+                <a:srgbClr val="660033"/>
+              </a:solidFill>
+              <a:latin typeface="微軟正黑體" pitchFamily="34" charset="-120"/>
+              <a:ea typeface="微軟正黑體" pitchFamily="34" charset="-120"/>
+            </a:endParaRPr>
+          </a:p>
+          <a:p>
+            <a:pPr algn="ctr">
+              <a:buNone/>
+            </a:pPr>
+            <a:r>
+              <a:rPr lang="zh-TW" altLang="en-US" sz="5400" b="1" dirty="0">
+                <a:solidFill>
+                  <a:srgbClr val="660033"/>
+                </a:solidFill>
+                <a:latin typeface="微軟正黑體" pitchFamily="34" charset="-120"/>
+                <a:ea typeface="微軟正黑體" pitchFamily="34" charset="-120"/>
+              </a:rPr>
+              <a:t>你話語如甘霖</a:t>
+            </a:r>
+            <a:endParaRPr lang="en-US" altLang="zh-TW" sz="5400" b="1" dirty="0">
+              <a:solidFill>
+                <a:srgbClr val="660033"/>
+              </a:solidFill>
+              <a:latin typeface="微軟正黑體" pitchFamily="34" charset="-120"/>
+              <a:ea typeface="微軟正黑體" pitchFamily="34" charset="-120"/>
+            </a:endParaRPr>
+          </a:p>
+          <a:p>
+            <a:pPr algn="ctr">
+              <a:buNone/>
+            </a:pPr>
+            <a:r>
+              <a:rPr lang="zh-TW" altLang="en-US" sz="5400" b="1" dirty="0">
+                <a:solidFill>
+                  <a:srgbClr val="660033"/>
+                </a:solidFill>
+                <a:latin typeface="微軟正黑體" pitchFamily="34" charset="-120"/>
+                <a:ea typeface="微軟正黑體" pitchFamily="34" charset="-120"/>
+              </a:rPr>
+              <a:t>每時刻</a:t>
+            </a:r>
+            <a:endParaRPr lang="en-US" altLang="zh-TW" sz="5400" b="1" dirty="0">
+              <a:solidFill>
+                <a:srgbClr val="660033"/>
+              </a:solidFill>
+              <a:latin typeface="微軟正黑體" pitchFamily="34" charset="-120"/>
+              <a:ea typeface="微軟正黑體" pitchFamily="34" charset="-120"/>
+            </a:endParaRPr>
+          </a:p>
+          <a:p>
+            <a:pPr algn="ctr">
+              <a:buNone/>
+            </a:pPr>
+            <a:r>
+              <a:rPr lang="zh-TW" altLang="en-US" sz="5400" b="1" dirty="0">
+                <a:solidFill>
+                  <a:srgbClr val="660033"/>
+                </a:solidFill>
+                <a:latin typeface="微軟正黑體" pitchFamily="34" charset="-120"/>
+                <a:ea typeface="微軟正黑體" pitchFamily="34" charset="-120"/>
+              </a:rPr>
+              <a:t>我需要你聖靈如雨降臨</a:t>
+            </a:r>
+          </a:p>
+        </p:txBody>
+      </p:sp>
+    </p:spTree>
+  </p:cSld>
+  <p:clrMapOvr>
+    <a:masterClrMapping/>
+  </p:clrMapOvr>
+</p:sld>
+</file>
+
+<file path=ppt/slides/slide12.xml><?xml version="1.0" encoding="utf-8"?>
+<p:sld xmlns:a="http://schemas.openxmlformats.org/drawingml/2006/main" xmlns:r="http://schemas.openxmlformats.org/officeDocument/2006/relationships" xmlns:p="http://schemas.openxmlformats.org/presentationml/2006/main">
+  <p:cSld>
+    <p:spTree>
+      <p:nvGrpSpPr>
+        <p:cNvPr id="1" name=""/>
+        <p:cNvGrpSpPr/>
+        <p:nvPr/>
+      </p:nvGrpSpPr>
+      <p:grpSpPr>
+        <a:xfrm>
+          <a:off x="0" y="0"/>
+          <a:ext cx="0" cy="0"/>
+          <a:chOff x="0" y="0"/>
+          <a:chExt cx="0" cy="0"/>
+        </a:xfrm>
+      </p:grpSpPr>
+      <p:sp>
+        <p:nvSpPr>
+          <p:cNvPr id="2" name="標題 1"/>
+          <p:cNvSpPr>
+            <a:spLocks noGrp="1"/>
+          </p:cNvSpPr>
+          <p:nvPr>
+            <p:ph type="title"/>
+          </p:nvPr>
+        </p:nvSpPr>
+        <p:spPr/>
+        <p:txBody>
+          <a:bodyPr/>
+          <a:lstStyle/>
+          <a:p>
+            <a:r>
+              <a:rPr lang="zh-TW" altLang="en-US" b="1" dirty="0">
+                <a:solidFill>
+                  <a:srgbClr val="660033"/>
+                </a:solidFill>
+                <a:latin typeface="微軟正黑體" pitchFamily="34" charset="-120"/>
+                <a:ea typeface="微軟正黑體" pitchFamily="34" charset="-120"/>
+              </a:rPr>
+              <a:t>每一天我需要你</a:t>
+            </a:r>
+          </a:p>
+        </p:txBody>
+      </p:sp>
+      <p:sp>
+        <p:nvSpPr>
+          <p:cNvPr id="3" name="內容版面配置區 2"/>
+          <p:cNvSpPr>
+            <a:spLocks noGrp="1"/>
+          </p:cNvSpPr>
+          <p:nvPr>
+            <p:ph idx="1"/>
+          </p:nvPr>
+        </p:nvSpPr>
+        <p:spPr>
+          <a:xfrm>
+            <a:off x="0" y="1000114"/>
+            <a:ext cx="9144000" cy="3594509"/>
+          </a:xfrm>
+        </p:spPr>
+        <p:txBody>
+          <a:bodyPr>
+            <a:noAutofit/>
+          </a:bodyPr>
+          <a:lstStyle/>
+          <a:p>
+            <a:pPr algn="ctr">
+              <a:buNone/>
+            </a:pPr>
+            <a:r>
+              <a:rPr lang="zh-TW" altLang="en-US" sz="4400" b="1" dirty="0">
+                <a:solidFill>
+                  <a:srgbClr val="660033"/>
+                </a:solidFill>
+                <a:latin typeface="微軟正黑體" pitchFamily="34" charset="-120"/>
+                <a:ea typeface="微軟正黑體" pitchFamily="34" charset="-120"/>
+              </a:rPr>
+              <a:t>這是我的禱告  願我生命單單</a:t>
+            </a:r>
+            <a:endParaRPr lang="en-US" altLang="zh-TW" sz="4400" b="1" dirty="0">
+              <a:solidFill>
+                <a:srgbClr val="660033"/>
+              </a:solidFill>
+              <a:latin typeface="微軟正黑體" pitchFamily="34" charset="-120"/>
+              <a:ea typeface="微軟正黑體" pitchFamily="34" charset="-120"/>
+            </a:endParaRPr>
+          </a:p>
+          <a:p>
+            <a:pPr algn="ctr">
+              <a:buNone/>
+            </a:pPr>
+            <a:r>
+              <a:rPr lang="zh-TW" altLang="en-US" sz="4400" b="1" dirty="0">
+                <a:solidFill>
+                  <a:srgbClr val="660033"/>
+                </a:solidFill>
+                <a:latin typeface="微軟正黑體" pitchFamily="34" charset="-120"/>
+                <a:ea typeface="微軟正黑體" pitchFamily="34" charset="-120"/>
+              </a:rPr>
+              <a:t>歸榮耀給你耶穌</a:t>
+            </a:r>
+            <a:endParaRPr lang="en-US" altLang="zh-TW" sz="4400" b="1" dirty="0">
+              <a:solidFill>
+                <a:srgbClr val="660033"/>
+              </a:solidFill>
+              <a:latin typeface="微軟正黑體" pitchFamily="34" charset="-120"/>
+              <a:ea typeface="微軟正黑體" pitchFamily="34" charset="-120"/>
+            </a:endParaRPr>
+          </a:p>
+          <a:p>
+            <a:pPr algn="ctr">
+              <a:buNone/>
+            </a:pPr>
+            <a:r>
+              <a:rPr lang="zh-TW" altLang="en-US" sz="4400" b="1" dirty="0">
+                <a:solidFill>
+                  <a:srgbClr val="660033"/>
+                </a:solidFill>
+                <a:latin typeface="微軟正黑體" pitchFamily="34" charset="-120"/>
+                <a:ea typeface="微軟正黑體" pitchFamily="34" charset="-120"/>
+              </a:rPr>
+              <a:t>這是我的呼求</a:t>
+            </a:r>
+            <a:endParaRPr lang="en-US" altLang="zh-TW" sz="4400" b="1" dirty="0">
+              <a:solidFill>
+                <a:srgbClr val="660033"/>
+              </a:solidFill>
+              <a:latin typeface="微軟正黑體" pitchFamily="34" charset="-120"/>
+              <a:ea typeface="微軟正黑體" pitchFamily="34" charset="-120"/>
+            </a:endParaRPr>
+          </a:p>
+          <a:p>
+            <a:pPr algn="ctr">
+              <a:buNone/>
+            </a:pPr>
+            <a:r>
+              <a:rPr lang="zh-TW" altLang="en-US" sz="4400" b="1" dirty="0">
+                <a:solidFill>
+                  <a:srgbClr val="660033"/>
+                </a:solidFill>
+                <a:latin typeface="微軟正黑體" pitchFamily="34" charset="-120"/>
+                <a:ea typeface="微軟正黑體" pitchFamily="34" charset="-120"/>
+              </a:rPr>
+              <a:t>每天都更愛你</a:t>
+            </a:r>
+            <a:endParaRPr lang="en-US" altLang="zh-TW" sz="4400" b="1" dirty="0">
+              <a:solidFill>
+                <a:srgbClr val="660033"/>
+              </a:solidFill>
+              <a:latin typeface="微軟正黑體" pitchFamily="34" charset="-120"/>
+              <a:ea typeface="微軟正黑體" pitchFamily="34" charset="-120"/>
+            </a:endParaRPr>
+          </a:p>
+          <a:p>
+            <a:pPr algn="ctr">
+              <a:buNone/>
+            </a:pPr>
+            <a:r>
+              <a:rPr lang="zh-TW" altLang="en-US" sz="4400" b="1" dirty="0">
+                <a:solidFill>
+                  <a:srgbClr val="660033"/>
+                </a:solidFill>
+                <a:latin typeface="微軟正黑體" pitchFamily="34" charset="-120"/>
+                <a:ea typeface="微軟正黑體" pitchFamily="34" charset="-120"/>
+              </a:rPr>
+              <a:t>永不失去起初愛你的心</a:t>
+            </a:r>
+          </a:p>
+        </p:txBody>
+      </p:sp>
+    </p:spTree>
+  </p:cSld>
+  <p:clrMapOvr>
+    <a:masterClrMapping/>
+  </p:clrMapOvr>
+</p:sld>
+</file>
+
+<file path=ppt/slides/slide13.xml><?xml version="1.0" encoding="utf-8"?>
+<p:sld xmlns:a="http://schemas.openxmlformats.org/drawingml/2006/main" xmlns:r="http://schemas.openxmlformats.org/officeDocument/2006/relationships" xmlns:p="http://schemas.openxmlformats.org/presentationml/2006/main">
+  <p:cSld>
+    <p:spTree>
+      <p:nvGrpSpPr>
+        <p:cNvPr id="1" name=""/>
+        <p:cNvGrpSpPr/>
+        <p:nvPr/>
+      </p:nvGrpSpPr>
+      <p:grpSpPr>
+        <a:xfrm>
+          <a:off x="0" y="0"/>
+          <a:ext cx="0" cy="0"/>
+          <a:chOff x="0" y="0"/>
+          <a:chExt cx="0" cy="0"/>
+        </a:xfrm>
+      </p:grpSpPr>
+      <p:sp>
+        <p:nvSpPr>
+          <p:cNvPr id="2" name="標題 1"/>
+          <p:cNvSpPr>
+            <a:spLocks noGrp="1"/>
+          </p:cNvSpPr>
+          <p:nvPr>
+            <p:ph type="title"/>
+          </p:nvPr>
+        </p:nvSpPr>
+        <p:spPr/>
+        <p:txBody>
+          <a:bodyPr/>
+          <a:lstStyle/>
+          <a:p>
+            <a:r>
+              <a:rPr lang="zh-TW" altLang="en-US" b="1" dirty="0">
+                <a:solidFill>
+                  <a:srgbClr val="660033"/>
+                </a:solidFill>
+                <a:latin typeface="微軟正黑體" pitchFamily="34" charset="-120"/>
+                <a:ea typeface="微軟正黑體" pitchFamily="34" charset="-120"/>
+              </a:rPr>
+              <a:t>每一天我需要你</a:t>
+            </a:r>
+          </a:p>
+        </p:txBody>
+      </p:sp>
+      <p:sp>
+        <p:nvSpPr>
+          <p:cNvPr id="3" name="內容版面配置區 2"/>
+          <p:cNvSpPr>
+            <a:spLocks noGrp="1"/>
+          </p:cNvSpPr>
+          <p:nvPr>
+            <p:ph idx="1"/>
+          </p:nvPr>
+        </p:nvSpPr>
+        <p:spPr>
+          <a:xfrm>
+            <a:off x="0" y="1200151"/>
+            <a:ext cx="9144000" cy="3394472"/>
+          </a:xfrm>
+        </p:spPr>
+        <p:txBody>
+          <a:bodyPr>
+            <a:noAutofit/>
+          </a:bodyPr>
+          <a:lstStyle/>
+          <a:p>
+            <a:pPr algn="ctr">
+              <a:buNone/>
+            </a:pPr>
+            <a:r>
+              <a:rPr lang="zh-TW" altLang="en-US" sz="5400" b="1" dirty="0">
+                <a:solidFill>
+                  <a:srgbClr val="660033"/>
+                </a:solidFill>
+                <a:latin typeface="微軟正黑體" pitchFamily="34" charset="-120"/>
+                <a:ea typeface="微軟正黑體" pitchFamily="34" charset="-120"/>
+              </a:rPr>
+              <a:t>每一天   我需要你</a:t>
+            </a:r>
+            <a:endParaRPr lang="en-US" altLang="zh-TW" sz="5400" b="1" dirty="0">
+              <a:solidFill>
+                <a:srgbClr val="660033"/>
+              </a:solidFill>
+              <a:latin typeface="微軟正黑體" pitchFamily="34" charset="-120"/>
+              <a:ea typeface="微軟正黑體" pitchFamily="34" charset="-120"/>
+            </a:endParaRPr>
+          </a:p>
+          <a:p>
+            <a:pPr algn="ctr">
+              <a:buNone/>
+            </a:pPr>
+            <a:r>
+              <a:rPr lang="zh-TW" altLang="en-US" sz="5400" b="1" dirty="0">
+                <a:solidFill>
+                  <a:srgbClr val="660033"/>
+                </a:solidFill>
+                <a:latin typeface="微軟正黑體" pitchFamily="34" charset="-120"/>
+                <a:ea typeface="微軟正黑體" pitchFamily="34" charset="-120"/>
+              </a:rPr>
+              <a:t>你話語如甘霖</a:t>
+            </a:r>
+            <a:endParaRPr lang="en-US" altLang="zh-TW" sz="5400" b="1" dirty="0">
+              <a:solidFill>
+                <a:srgbClr val="660033"/>
+              </a:solidFill>
+              <a:latin typeface="微軟正黑體" pitchFamily="34" charset="-120"/>
+              <a:ea typeface="微軟正黑體" pitchFamily="34" charset="-120"/>
+            </a:endParaRPr>
+          </a:p>
+          <a:p>
+            <a:pPr algn="ctr">
+              <a:buNone/>
+            </a:pPr>
+            <a:r>
+              <a:rPr lang="zh-TW" altLang="en-US" sz="5400" b="1" dirty="0">
+                <a:solidFill>
+                  <a:srgbClr val="660033"/>
+                </a:solidFill>
+                <a:latin typeface="微軟正黑體" pitchFamily="34" charset="-120"/>
+                <a:ea typeface="微軟正黑體" pitchFamily="34" charset="-120"/>
+              </a:rPr>
+              <a:t>每時刻</a:t>
+            </a:r>
+            <a:endParaRPr lang="en-US" altLang="zh-TW" sz="5400" b="1" dirty="0">
+              <a:solidFill>
+                <a:srgbClr val="660033"/>
+              </a:solidFill>
+              <a:latin typeface="微軟正黑體" pitchFamily="34" charset="-120"/>
+              <a:ea typeface="微軟正黑體" pitchFamily="34" charset="-120"/>
+            </a:endParaRPr>
+          </a:p>
+          <a:p>
+            <a:pPr algn="ctr">
+              <a:buNone/>
+            </a:pPr>
+            <a:r>
+              <a:rPr lang="zh-TW" altLang="en-US" sz="5400" b="1" dirty="0">
+                <a:solidFill>
+                  <a:srgbClr val="660033"/>
+                </a:solidFill>
+                <a:latin typeface="微軟正黑體" pitchFamily="34" charset="-120"/>
+                <a:ea typeface="微軟正黑體" pitchFamily="34" charset="-120"/>
+              </a:rPr>
+              <a:t>我需要你聖靈如雨降臨</a:t>
+            </a:r>
+          </a:p>
+        </p:txBody>
+      </p:sp>
+    </p:spTree>
+  </p:cSld>
+  <p:clrMapOvr>
+    <a:masterClrMapping/>
+  </p:clrMapOvr>
+</p:sld>
+</file>
+
+<file path=ppt/slides/slide14.xml><?xml version="1.0" encoding="utf-8"?>
+<p:sld xmlns:a="http://schemas.openxmlformats.org/drawingml/2006/main" xmlns:r="http://schemas.openxmlformats.org/officeDocument/2006/relationships" xmlns:p="http://schemas.openxmlformats.org/presentationml/2006/main">
+  <p:cSld>
+    <p:spTree>
+      <p:nvGrpSpPr>
+        <p:cNvPr id="1" name=""/>
+        <p:cNvGrpSpPr/>
+        <p:nvPr/>
+      </p:nvGrpSpPr>
+      <p:grpSpPr>
+        <a:xfrm>
+          <a:off x="0" y="0"/>
+          <a:ext cx="0" cy="0"/>
+          <a:chOff x="0" y="0"/>
+          <a:chExt cx="0" cy="0"/>
+        </a:xfrm>
+      </p:grpSpPr>
+      <p:sp>
+        <p:nvSpPr>
+          <p:cNvPr id="2" name="標題 1"/>
+          <p:cNvSpPr>
+            <a:spLocks noGrp="1"/>
+          </p:cNvSpPr>
+          <p:nvPr>
+            <p:ph type="title"/>
+          </p:nvPr>
+        </p:nvSpPr>
+        <p:spPr/>
+        <p:txBody>
+          <a:bodyPr/>
+          <a:lstStyle/>
+          <a:p>
+            <a:r>
+              <a:rPr lang="zh-TW" altLang="en-US" b="1" dirty="0">
+                <a:solidFill>
+                  <a:srgbClr val="660033"/>
+                </a:solidFill>
+                <a:latin typeface="微軟正黑體" pitchFamily="34" charset="-120"/>
+                <a:ea typeface="微軟正黑體" pitchFamily="34" charset="-120"/>
+              </a:rPr>
+              <a:t>每一天我需要你</a:t>
+            </a:r>
+          </a:p>
+        </p:txBody>
+      </p:sp>
+      <p:sp>
+        <p:nvSpPr>
+          <p:cNvPr id="3" name="內容版面配置區 2"/>
+          <p:cNvSpPr>
+            <a:spLocks noGrp="1"/>
+          </p:cNvSpPr>
+          <p:nvPr>
+            <p:ph idx="1"/>
+          </p:nvPr>
+        </p:nvSpPr>
+        <p:spPr>
+          <a:xfrm>
+            <a:off x="0" y="1200151"/>
+            <a:ext cx="9144000" cy="3394472"/>
+          </a:xfrm>
+        </p:spPr>
+        <p:txBody>
+          <a:bodyPr>
+            <a:noAutofit/>
+          </a:bodyPr>
+          <a:lstStyle/>
+          <a:p>
+            <a:pPr algn="ctr">
+              <a:buNone/>
+            </a:pPr>
+            <a:r>
+              <a:rPr lang="zh-TW" altLang="en-US" sz="5400" b="1" dirty="0">
+                <a:solidFill>
+                  <a:srgbClr val="660033"/>
+                </a:solidFill>
+                <a:latin typeface="微軟正黑體" pitchFamily="34" charset="-120"/>
+                <a:ea typeface="微軟正黑體" pitchFamily="34" charset="-120"/>
+              </a:rPr>
+              <a:t>每一天   我需要你</a:t>
+            </a:r>
+            <a:endParaRPr lang="en-US" altLang="zh-TW" sz="5400" b="1" dirty="0">
+              <a:solidFill>
+                <a:srgbClr val="660033"/>
+              </a:solidFill>
+              <a:latin typeface="微軟正黑體" pitchFamily="34" charset="-120"/>
+              <a:ea typeface="微軟正黑體" pitchFamily="34" charset="-120"/>
+            </a:endParaRPr>
+          </a:p>
+          <a:p>
+            <a:pPr algn="ctr">
+              <a:buNone/>
+            </a:pPr>
+            <a:r>
+              <a:rPr lang="zh-TW" altLang="en-US" sz="5400" b="1" dirty="0">
+                <a:solidFill>
+                  <a:srgbClr val="660033"/>
+                </a:solidFill>
+                <a:latin typeface="微軟正黑體" pitchFamily="34" charset="-120"/>
+                <a:ea typeface="微軟正黑體" pitchFamily="34" charset="-120"/>
+              </a:rPr>
+              <a:t>你話語如甘霖</a:t>
+            </a:r>
+            <a:endParaRPr lang="en-US" altLang="zh-TW" sz="5400" b="1" dirty="0">
+              <a:solidFill>
+                <a:srgbClr val="660033"/>
+              </a:solidFill>
+              <a:latin typeface="微軟正黑體" pitchFamily="34" charset="-120"/>
+              <a:ea typeface="微軟正黑體" pitchFamily="34" charset="-120"/>
+            </a:endParaRPr>
+          </a:p>
+          <a:p>
+            <a:pPr algn="ctr">
+              <a:buNone/>
+            </a:pPr>
+            <a:r>
+              <a:rPr lang="zh-TW" altLang="en-US" sz="5400" b="1" dirty="0">
+                <a:solidFill>
+                  <a:srgbClr val="660033"/>
+                </a:solidFill>
+                <a:latin typeface="微軟正黑體" pitchFamily="34" charset="-120"/>
+                <a:ea typeface="微軟正黑體" pitchFamily="34" charset="-120"/>
+              </a:rPr>
+              <a:t>每時刻</a:t>
+            </a:r>
+            <a:endParaRPr lang="en-US" altLang="zh-TW" sz="5400" b="1" dirty="0">
+              <a:solidFill>
+                <a:srgbClr val="660033"/>
+              </a:solidFill>
+              <a:latin typeface="微軟正黑體" pitchFamily="34" charset="-120"/>
+              <a:ea typeface="微軟正黑體" pitchFamily="34" charset="-120"/>
+            </a:endParaRPr>
+          </a:p>
+          <a:p>
+            <a:pPr algn="ctr">
+              <a:buNone/>
+            </a:pPr>
+            <a:r>
+              <a:rPr lang="zh-TW" altLang="en-US" sz="5400" b="1" dirty="0">
+                <a:solidFill>
+                  <a:srgbClr val="660033"/>
+                </a:solidFill>
+                <a:latin typeface="微軟正黑體" pitchFamily="34" charset="-120"/>
+                <a:ea typeface="微軟正黑體" pitchFamily="34" charset="-120"/>
+              </a:rPr>
+              <a:t>我需要你聖靈如雨降臨</a:t>
+            </a:r>
+          </a:p>
+        </p:txBody>
+      </p:sp>
+    </p:spTree>
+  </p:cSld>
+  <p:clrMapOvr>
+    <a:masterClrMapping/>
+  </p:clrMapOvr>
+</p:sld>
+</file>
+
+<file path=ppt/slides/slide15.xml><?xml version="1.0" encoding="utf-8"?>
+<p:sld xmlns:a="http://schemas.openxmlformats.org/drawingml/2006/main" xmlns:r="http://schemas.openxmlformats.org/officeDocument/2006/relationships" xmlns:p="http://schemas.openxmlformats.org/presentationml/2006/main">
+  <p:cSld>
+    <p:spTree>
+      <p:nvGrpSpPr>
+        <p:cNvPr id="1" name=""/>
+        <p:cNvGrpSpPr/>
+        <p:nvPr/>
+      </p:nvGrpSpPr>
+      <p:grpSpPr>
+        <a:xfrm>
+          <a:off x="0" y="0"/>
+          <a:ext cx="0" cy="0"/>
+          <a:chOff x="0" y="0"/>
+          <a:chExt cx="0" cy="0"/>
+        </a:xfrm>
+      </p:grpSpPr>
+      <p:sp>
+        <p:nvSpPr>
+          <p:cNvPr id="2" name="標題 1"/>
+          <p:cNvSpPr>
+            <a:spLocks noGrp="1"/>
+          </p:cNvSpPr>
+          <p:nvPr>
+            <p:ph type="title"/>
+          </p:nvPr>
+        </p:nvSpPr>
+        <p:spPr/>
+        <p:txBody>
+          <a:bodyPr/>
+          <a:lstStyle/>
+          <a:p>
+            <a:r>
+              <a:rPr lang="zh-TW" altLang="en-US" b="1" dirty="0">
+                <a:solidFill>
+                  <a:srgbClr val="660033"/>
+                </a:solidFill>
+                <a:latin typeface="微軟正黑體" pitchFamily="34" charset="-120"/>
+                <a:ea typeface="微軟正黑體" pitchFamily="34" charset="-120"/>
+              </a:rPr>
+              <a:t>每一天我需要你</a:t>
+            </a:r>
+          </a:p>
+        </p:txBody>
+      </p:sp>
+      <p:sp>
+        <p:nvSpPr>
+          <p:cNvPr id="3" name="內容版面配置區 2"/>
+          <p:cNvSpPr>
+            <a:spLocks noGrp="1"/>
+          </p:cNvSpPr>
+          <p:nvPr>
+            <p:ph idx="1"/>
+          </p:nvPr>
+        </p:nvSpPr>
+        <p:spPr>
+          <a:xfrm>
+            <a:off x="0" y="1000114"/>
+            <a:ext cx="9144000" cy="3594509"/>
+          </a:xfrm>
+        </p:spPr>
+        <p:txBody>
+          <a:bodyPr>
+            <a:noAutofit/>
+          </a:bodyPr>
+          <a:lstStyle/>
+          <a:p>
+            <a:pPr algn="ctr">
+              <a:buNone/>
+            </a:pPr>
+            <a:r>
+              <a:rPr lang="zh-TW" altLang="en-US" sz="4400" b="1" dirty="0">
+                <a:solidFill>
+                  <a:srgbClr val="660033"/>
+                </a:solidFill>
+                <a:latin typeface="微軟正黑體" pitchFamily="34" charset="-120"/>
+                <a:ea typeface="微軟正黑體" pitchFamily="34" charset="-120"/>
+              </a:rPr>
+              <a:t>這是我的禱告  願我生命單單</a:t>
+            </a:r>
+            <a:endParaRPr lang="en-US" altLang="zh-TW" sz="4400" b="1" dirty="0">
+              <a:solidFill>
+                <a:srgbClr val="660033"/>
+              </a:solidFill>
+              <a:latin typeface="微軟正黑體" pitchFamily="34" charset="-120"/>
+              <a:ea typeface="微軟正黑體" pitchFamily="34" charset="-120"/>
+            </a:endParaRPr>
+          </a:p>
+          <a:p>
+            <a:pPr algn="ctr">
+              <a:buNone/>
+            </a:pPr>
+            <a:r>
+              <a:rPr lang="zh-TW" altLang="en-US" sz="4400" b="1" dirty="0">
+                <a:solidFill>
+                  <a:srgbClr val="660033"/>
+                </a:solidFill>
+                <a:latin typeface="微軟正黑體" pitchFamily="34" charset="-120"/>
+                <a:ea typeface="微軟正黑體" pitchFamily="34" charset="-120"/>
+              </a:rPr>
+              <a:t>歸榮耀給你耶穌</a:t>
+            </a:r>
+            <a:endParaRPr lang="en-US" altLang="zh-TW" sz="4400" b="1" dirty="0">
+              <a:solidFill>
+                <a:srgbClr val="660033"/>
+              </a:solidFill>
+              <a:latin typeface="微軟正黑體" pitchFamily="34" charset="-120"/>
+              <a:ea typeface="微軟正黑體" pitchFamily="34" charset="-120"/>
+            </a:endParaRPr>
+          </a:p>
+          <a:p>
+            <a:pPr algn="ctr">
+              <a:buNone/>
+            </a:pPr>
+            <a:r>
+              <a:rPr lang="zh-TW" altLang="en-US" sz="4400" b="1" dirty="0">
+                <a:solidFill>
+                  <a:srgbClr val="660033"/>
+                </a:solidFill>
+                <a:latin typeface="微軟正黑體" pitchFamily="34" charset="-120"/>
+                <a:ea typeface="微軟正黑體" pitchFamily="34" charset="-120"/>
+              </a:rPr>
+              <a:t>這是我的呼求</a:t>
+            </a:r>
+            <a:endParaRPr lang="en-US" altLang="zh-TW" sz="4400" b="1" dirty="0">
+              <a:solidFill>
+                <a:srgbClr val="660033"/>
+              </a:solidFill>
+              <a:latin typeface="微軟正黑體" pitchFamily="34" charset="-120"/>
+              <a:ea typeface="微軟正黑體" pitchFamily="34" charset="-120"/>
+            </a:endParaRPr>
+          </a:p>
+          <a:p>
+            <a:pPr algn="ctr">
+              <a:buNone/>
+            </a:pPr>
+            <a:r>
+              <a:rPr lang="zh-TW" altLang="en-US" sz="4400" b="1" dirty="0">
+                <a:solidFill>
+                  <a:srgbClr val="660033"/>
+                </a:solidFill>
+                <a:latin typeface="微軟正黑體" pitchFamily="34" charset="-120"/>
+                <a:ea typeface="微軟正黑體" pitchFamily="34" charset="-120"/>
+              </a:rPr>
+              <a:t>每天都更愛你</a:t>
+            </a:r>
+            <a:endParaRPr lang="en-US" altLang="zh-TW" sz="4400" b="1" dirty="0">
+              <a:solidFill>
+                <a:srgbClr val="660033"/>
+              </a:solidFill>
+              <a:latin typeface="微軟正黑體" pitchFamily="34" charset="-120"/>
+              <a:ea typeface="微軟正黑體" pitchFamily="34" charset="-120"/>
+            </a:endParaRPr>
+          </a:p>
+          <a:p>
+            <a:pPr algn="ctr">
+              <a:buNone/>
+            </a:pPr>
+            <a:r>
+              <a:rPr lang="zh-TW" altLang="en-US" sz="4400" b="1" dirty="0">
+                <a:solidFill>
+                  <a:srgbClr val="660033"/>
+                </a:solidFill>
+                <a:latin typeface="微軟正黑體" pitchFamily="34" charset="-120"/>
+                <a:ea typeface="微軟正黑體" pitchFamily="34" charset="-120"/>
+              </a:rPr>
+              <a:t>永不失去起初愛你的心</a:t>
+            </a:r>
+          </a:p>
+        </p:txBody>
+      </p:sp>
+    </p:spTree>
+  </p:cSld>
+  <p:clrMapOvr>
+    <a:masterClrMapping/>
+  </p:clrMapOvr>
+</p:sld>
+</file>
+
+<file path=ppt/slides/slide16.xml><?xml version="1.0" encoding="utf-8"?>
+<p:sld xmlns:a="http://schemas.openxmlformats.org/drawingml/2006/main" xmlns:r="http://schemas.openxmlformats.org/officeDocument/2006/relationships" xmlns:p="http://schemas.openxmlformats.org/presentationml/2006/main">
+  <p:cSld>
+    <p:spTree>
+      <p:nvGrpSpPr>
+        <p:cNvPr id="1" name=""/>
+        <p:cNvGrpSpPr/>
+        <p:nvPr/>
+      </p:nvGrpSpPr>
+      <p:grpSpPr>
+        <a:xfrm>
+          <a:off x="0" y="0"/>
+          <a:ext cx="0" cy="0"/>
+          <a:chOff x="0" y="0"/>
+          <a:chExt cx="0" cy="0"/>
+        </a:xfrm>
+      </p:grpSpPr>
+      <p:sp>
+        <p:nvSpPr>
+          <p:cNvPr id="2" name="標題 1"/>
+          <p:cNvSpPr>
+            <a:spLocks noGrp="1"/>
+          </p:cNvSpPr>
+          <p:nvPr>
+            <p:ph type="title"/>
+          </p:nvPr>
+        </p:nvSpPr>
+        <p:spPr/>
+        <p:txBody>
+          <a:bodyPr/>
+          <a:lstStyle/>
+          <a:p>
+            <a:r>
+              <a:rPr lang="zh-TW" altLang="en-US" b="1" dirty="0">
+                <a:solidFill>
+                  <a:srgbClr val="660033"/>
+                </a:solidFill>
+                <a:latin typeface="微軟正黑體" pitchFamily="34" charset="-120"/>
+                <a:ea typeface="微軟正黑體" pitchFamily="34" charset="-120"/>
+              </a:rPr>
+              <a:t>每一天我需要你</a:t>
+            </a:r>
+          </a:p>
+        </p:txBody>
+      </p:sp>
+      <p:sp>
+        <p:nvSpPr>
+          <p:cNvPr id="3" name="內容版面配置區 2"/>
+          <p:cNvSpPr>
+            <a:spLocks noGrp="1"/>
+          </p:cNvSpPr>
+          <p:nvPr>
+            <p:ph idx="1"/>
+          </p:nvPr>
+        </p:nvSpPr>
+        <p:spPr>
+          <a:xfrm>
+            <a:off x="0" y="1000114"/>
+            <a:ext cx="9144000" cy="3594509"/>
+          </a:xfrm>
+        </p:spPr>
+        <p:txBody>
+          <a:bodyPr>
+            <a:noAutofit/>
+          </a:bodyPr>
+          <a:lstStyle/>
+          <a:p>
+            <a:pPr algn="ctr">
+              <a:buNone/>
+            </a:pPr>
+            <a:r>
+              <a:rPr lang="zh-TW" altLang="en-US" sz="4400" b="1" dirty="0">
+                <a:solidFill>
+                  <a:srgbClr val="660033"/>
+                </a:solidFill>
+                <a:latin typeface="微軟正黑體" pitchFamily="34" charset="-120"/>
+                <a:ea typeface="微軟正黑體" pitchFamily="34" charset="-120"/>
+              </a:rPr>
+              <a:t>這是我的禱告  願我生命單單</a:t>
+            </a:r>
+            <a:endParaRPr lang="en-US" altLang="zh-TW" sz="4400" b="1" dirty="0">
+              <a:solidFill>
+                <a:srgbClr val="660033"/>
+              </a:solidFill>
+              <a:latin typeface="微軟正黑體" pitchFamily="34" charset="-120"/>
+              <a:ea typeface="微軟正黑體" pitchFamily="34" charset="-120"/>
+            </a:endParaRPr>
+          </a:p>
+          <a:p>
+            <a:pPr algn="ctr">
+              <a:buNone/>
+            </a:pPr>
+            <a:r>
+              <a:rPr lang="zh-TW" altLang="en-US" sz="4400" b="1" dirty="0">
+                <a:solidFill>
+                  <a:srgbClr val="660033"/>
+                </a:solidFill>
+                <a:latin typeface="微軟正黑體" pitchFamily="34" charset="-120"/>
+                <a:ea typeface="微軟正黑體" pitchFamily="34" charset="-120"/>
+              </a:rPr>
+              <a:t>歸榮耀給你耶穌</a:t>
+            </a:r>
+            <a:endParaRPr lang="en-US" altLang="zh-TW" sz="4400" b="1" dirty="0">
+              <a:solidFill>
+                <a:srgbClr val="660033"/>
+              </a:solidFill>
+              <a:latin typeface="微軟正黑體" pitchFamily="34" charset="-120"/>
+              <a:ea typeface="微軟正黑體" pitchFamily="34" charset="-120"/>
+            </a:endParaRPr>
+          </a:p>
+          <a:p>
+            <a:pPr algn="ctr">
+              <a:buNone/>
+            </a:pPr>
+            <a:r>
+              <a:rPr lang="zh-TW" altLang="en-US" sz="4400" b="1" dirty="0">
+                <a:solidFill>
+                  <a:srgbClr val="660033"/>
+                </a:solidFill>
+                <a:latin typeface="微軟正黑體" pitchFamily="34" charset="-120"/>
+                <a:ea typeface="微軟正黑體" pitchFamily="34" charset="-120"/>
+              </a:rPr>
+              <a:t>這是我的呼求</a:t>
+            </a:r>
+            <a:endParaRPr lang="en-US" altLang="zh-TW" sz="4400" b="1" dirty="0">
+              <a:solidFill>
+                <a:srgbClr val="660033"/>
+              </a:solidFill>
+              <a:latin typeface="微軟正黑體" pitchFamily="34" charset="-120"/>
+              <a:ea typeface="微軟正黑體" pitchFamily="34" charset="-120"/>
+            </a:endParaRPr>
+          </a:p>
+          <a:p>
+            <a:pPr algn="ctr">
+              <a:buNone/>
+            </a:pPr>
+            <a:r>
+              <a:rPr lang="zh-TW" altLang="en-US" sz="4400" b="1" dirty="0">
+                <a:solidFill>
+                  <a:srgbClr val="660033"/>
+                </a:solidFill>
+                <a:latin typeface="微軟正黑體" pitchFamily="34" charset="-120"/>
+                <a:ea typeface="微軟正黑體" pitchFamily="34" charset="-120"/>
+              </a:rPr>
+              <a:t>每天都更愛你</a:t>
+            </a:r>
+            <a:endParaRPr lang="en-US" altLang="zh-TW" sz="4400" b="1" dirty="0">
+              <a:solidFill>
+                <a:srgbClr val="660033"/>
+              </a:solidFill>
+              <a:latin typeface="微軟正黑體" pitchFamily="34" charset="-120"/>
+              <a:ea typeface="微軟正黑體" pitchFamily="34" charset="-120"/>
+            </a:endParaRPr>
+          </a:p>
+          <a:p>
+            <a:pPr algn="ctr">
+              <a:buNone/>
+            </a:pPr>
+            <a:r>
+              <a:rPr lang="zh-TW" altLang="en-US" sz="4400" b="1" dirty="0">
+                <a:solidFill>
+                  <a:srgbClr val="660033"/>
+                </a:solidFill>
+                <a:latin typeface="微軟正黑體" pitchFamily="34" charset="-120"/>
+                <a:ea typeface="微軟正黑體" pitchFamily="34" charset="-120"/>
+              </a:rPr>
+              <a:t>永不失去起初愛你的心</a:t>
+            </a:r>
+          </a:p>
+        </p:txBody>
+      </p:sp>
+    </p:spTree>
+  </p:cSld>
+  <p:clrMapOvr>
+    <a:masterClrMapping/>
+  </p:clrMapOvr>
 </p:sld>
 </file>
 
@@ -3516,7 +4787,7 @@
     </p:spTree>
     <p:extLst>
       <p:ext uri="{BB962C8B-B14F-4D97-AF65-F5344CB8AC3E}">
-        <p14:creationId xmlns:p14="http://schemas.microsoft.com/office/powerpoint/2010/main" val="1138313289"/>
+        <p14:creationId xmlns:p14="http://schemas.microsoft.com/office/powerpoint/2010/main" xmlns="" val="1138313289"/>
       </p:ext>
     </p:extLst>
   </p:cSld>
@@ -3815,7 +5086,7 @@
     </p:spTree>
     <p:extLst>
       <p:ext uri="{BB962C8B-B14F-4D97-AF65-F5344CB8AC3E}">
-        <p14:creationId xmlns:p14="http://schemas.microsoft.com/office/powerpoint/2010/main" val="3132727330"/>
+        <p14:creationId xmlns:p14="http://schemas.microsoft.com/office/powerpoint/2010/main" xmlns="" val="3132727330"/>
       </p:ext>
     </p:extLst>
   </p:cSld>
@@ -4114,7 +5385,7 @@
     </p:spTree>
     <p:extLst>
       <p:ext uri="{BB962C8B-B14F-4D97-AF65-F5344CB8AC3E}">
-        <p14:creationId xmlns:p14="http://schemas.microsoft.com/office/powerpoint/2010/main" val="3634830768"/>
+        <p14:creationId xmlns:p14="http://schemas.microsoft.com/office/powerpoint/2010/main" xmlns="" val="3634830768"/>
       </p:ext>
     </p:extLst>
   </p:cSld>
@@ -4352,7 +5623,7 @@
     </p:spTree>
     <p:extLst>
       <p:ext uri="{BB962C8B-B14F-4D97-AF65-F5344CB8AC3E}">
-        <p14:creationId xmlns:p14="http://schemas.microsoft.com/office/powerpoint/2010/main" val="19504707"/>
+        <p14:creationId xmlns:p14="http://schemas.microsoft.com/office/powerpoint/2010/main" xmlns="" val="19504707"/>
       </p:ext>
     </p:extLst>
   </p:cSld>
@@ -4564,7 +5835,7 @@
                 <a:latin typeface="微軟正黑體" pitchFamily="34" charset="-120"/>
                 <a:ea typeface="微軟正黑體" pitchFamily="34" charset="-120"/>
               </a:rPr>
-              <a:t>或傷心或氣</a:t>
+              <a:t>或天旋或地</a:t>
             </a:r>
             <a:r>
               <a:rPr lang="zh-TW" altLang="en-US" sz="4800" b="1" dirty="0" smtClean="0">
@@ -4574,7 +5845,7 @@
                 <a:latin typeface="微軟正黑體" pitchFamily="34" charset="-120"/>
                 <a:ea typeface="微軟正黑體" pitchFamily="34" charset="-120"/>
               </a:rPr>
-              <a:t>餒</a:t>
+              <a:t>轉</a:t>
             </a:r>
             <a:r>
               <a:rPr lang="en-US" altLang="zh-TW" sz="4800" b="1" dirty="0" smtClean="0">
@@ -4594,7 +5865,7 @@
                 <a:latin typeface="微軟正黑體" pitchFamily="34" charset="-120"/>
                 <a:ea typeface="微軟正黑體" pitchFamily="34" charset="-120"/>
               </a:rPr>
-              <a:t>或</a:t>
+              <a:t>經</a:t>
             </a:r>
             <a:r>
               <a:rPr lang="zh-TW" altLang="en-US" sz="4800" b="1" dirty="0">
@@ -4604,7 +5875,7 @@
                 <a:latin typeface="微軟正黑體" pitchFamily="34" charset="-120"/>
                 <a:ea typeface="微軟正黑體" pitchFamily="34" charset="-120"/>
               </a:rPr>
-              <a:t>生離或死別</a:t>
+              <a:t>滄海歷桑田</a:t>
             </a:r>
             <a:endParaRPr lang="en-US" altLang="zh-TW" sz="4800" b="1" dirty="0">
               <a:solidFill>
@@ -4626,7 +5897,7 @@
                 <a:latin typeface="微軟正黑體" pitchFamily="34" charset="-120"/>
                 <a:ea typeface="微軟正黑體" pitchFamily="34" charset="-120"/>
               </a:rPr>
-              <a:t>願剛強壯膽永遠不後退</a:t>
+              <a:t>都不能叫我與你愛隔絕</a:t>
             </a:r>
             <a:endParaRPr lang="vi-VN" sz="4800" b="1" dirty="0">
               <a:solidFill>
@@ -4651,7 +5922,7 @@
     </p:spTree>
     <p:extLst>
       <p:ext uri="{BB962C8B-B14F-4D97-AF65-F5344CB8AC3E}">
-        <p14:creationId xmlns:p14="http://schemas.microsoft.com/office/powerpoint/2010/main" val="2830321773"/>
+        <p14:creationId xmlns:p14="http://schemas.microsoft.com/office/powerpoint/2010/main" xmlns="" val="705494551"/>
       </p:ext>
     </p:extLst>
   </p:cSld>
@@ -4863,7 +6134,7 @@
                 <a:latin typeface="微軟正黑體" pitchFamily="34" charset="-120"/>
                 <a:ea typeface="微軟正黑體" pitchFamily="34" charset="-120"/>
               </a:rPr>
-              <a:t>或天旋或地</a:t>
+              <a:t>或傷心或氣</a:t>
             </a:r>
             <a:r>
               <a:rPr lang="zh-TW" altLang="en-US" sz="4800" b="1" dirty="0" smtClean="0">
@@ -4873,7 +6144,7 @@
                 <a:latin typeface="微軟正黑體" pitchFamily="34" charset="-120"/>
                 <a:ea typeface="微軟正黑體" pitchFamily="34" charset="-120"/>
               </a:rPr>
-              <a:t>轉</a:t>
+              <a:t>餒</a:t>
             </a:r>
             <a:r>
               <a:rPr lang="en-US" altLang="zh-TW" sz="4800" b="1" dirty="0" smtClean="0">
@@ -4893,7 +6164,7 @@
                 <a:latin typeface="微軟正黑體" pitchFamily="34" charset="-120"/>
                 <a:ea typeface="微軟正黑體" pitchFamily="34" charset="-120"/>
               </a:rPr>
-              <a:t>經</a:t>
+              <a:t>或</a:t>
             </a:r>
             <a:r>
               <a:rPr lang="zh-TW" altLang="en-US" sz="4800" b="1" dirty="0">
@@ -4903,7 +6174,7 @@
                 <a:latin typeface="微軟正黑體" pitchFamily="34" charset="-120"/>
                 <a:ea typeface="微軟正黑體" pitchFamily="34" charset="-120"/>
               </a:rPr>
-              <a:t>滄海歷桑田</a:t>
+              <a:t>生離或死別</a:t>
             </a:r>
             <a:endParaRPr lang="en-US" altLang="zh-TW" sz="4800" b="1" dirty="0">
               <a:solidFill>
@@ -4925,7 +6196,7 @@
                 <a:latin typeface="微軟正黑體" pitchFamily="34" charset="-120"/>
                 <a:ea typeface="微軟正黑體" pitchFamily="34" charset="-120"/>
               </a:rPr>
-              <a:t>都不能叫我與你愛隔絕</a:t>
+              <a:t>願剛強壯膽永遠不後退</a:t>
             </a:r>
             <a:endParaRPr lang="vi-VN" sz="4800" b="1" dirty="0">
               <a:solidFill>
@@ -4950,7 +6221,7 @@
     </p:spTree>
     <p:extLst>
       <p:ext uri="{BB962C8B-B14F-4D97-AF65-F5344CB8AC3E}">
-        <p14:creationId xmlns:p14="http://schemas.microsoft.com/office/powerpoint/2010/main" val="705494551"/>
+        <p14:creationId xmlns:p14="http://schemas.microsoft.com/office/powerpoint/2010/main" xmlns="" val="2830321773"/>
       </p:ext>
     </p:extLst>
   </p:cSld>
@@ -4964,6 +6235,559 @@
       </p:par>
     </p:tnLst>
   </p:timing>
+</p:sld>
+</file>
+
+<file path=ppt/slides/slide8.xml><?xml version="1.0" encoding="utf-8"?>
+<p:sld xmlns:a="http://schemas.openxmlformats.org/drawingml/2006/main" xmlns:r="http://schemas.openxmlformats.org/officeDocument/2006/relationships" xmlns:p="http://schemas.openxmlformats.org/presentationml/2006/main">
+  <p:cSld>
+    <p:spTree>
+      <p:nvGrpSpPr>
+        <p:cNvPr id="1" name=""/>
+        <p:cNvGrpSpPr/>
+        <p:nvPr/>
+      </p:nvGrpSpPr>
+      <p:grpSpPr>
+        <a:xfrm>
+          <a:off x="0" y="0"/>
+          <a:ext cx="0" cy="0"/>
+          <a:chOff x="0" y="0"/>
+          <a:chExt cx="0" cy="0"/>
+        </a:xfrm>
+      </p:grpSpPr>
+      <p:sp>
+        <p:nvSpPr>
+          <p:cNvPr id="2" name="Title 1"/>
+          <p:cNvSpPr>
+            <a:spLocks noGrp="1"/>
+          </p:cNvSpPr>
+          <p:nvPr>
+            <p:ph type="title"/>
+          </p:nvPr>
+        </p:nvSpPr>
+        <p:spPr>
+          <a:xfrm>
+            <a:off x="0" y="267494"/>
+            <a:ext cx="9144000" cy="696521"/>
+          </a:xfrm>
+        </p:spPr>
+        <p:txBody>
+          <a:bodyPr>
+            <a:noAutofit/>
+          </a:bodyPr>
+          <a:lstStyle/>
+          <a:p>
+            <a:r>
+              <a:rPr lang="zh-CN" altLang="en-US" sz="4000" b="1" dirty="0" smtClean="0">
+                <a:solidFill>
+                  <a:srgbClr val="002060"/>
+                </a:solidFill>
+                <a:latin typeface="微軟正黑體" pitchFamily="34" charset="-120"/>
+                <a:ea typeface="微軟正黑體" pitchFamily="34" charset="-120"/>
+              </a:rPr>
+              <a:t>你</a:t>
+            </a:r>
+            <a:r>
+              <a:rPr lang="zh-CN" altLang="en-US" sz="4000" b="1" dirty="0">
+                <a:solidFill>
+                  <a:srgbClr val="002060"/>
+                </a:solidFill>
+                <a:latin typeface="微軟正黑體" pitchFamily="34" charset="-120"/>
+                <a:ea typeface="微軟正黑體" pitchFamily="34" charset="-120"/>
+              </a:rPr>
+              <a:t>愛永不變</a:t>
+            </a:r>
+            <a:endParaRPr lang="vi-VN" sz="4000" b="1" dirty="0">
+              <a:solidFill>
+                <a:srgbClr val="002060"/>
+              </a:solidFill>
+              <a:ea typeface="微軟正黑體" pitchFamily="34" charset="-120"/>
+            </a:endParaRPr>
+          </a:p>
+        </p:txBody>
+      </p:sp>
+      <p:sp>
+        <p:nvSpPr>
+          <p:cNvPr id="3" name="Content Placeholder 2"/>
+          <p:cNvSpPr>
+            <a:spLocks noGrp="1"/>
+          </p:cNvSpPr>
+          <p:nvPr>
+            <p:ph idx="1"/>
+          </p:nvPr>
+        </p:nvSpPr>
+        <p:spPr>
+          <a:xfrm>
+            <a:off x="0" y="964395"/>
+            <a:ext cx="9144000" cy="3547325"/>
+          </a:xfrm>
+        </p:spPr>
+        <p:txBody>
+          <a:bodyPr anchor="t">
+            <a:noAutofit/>
+          </a:bodyPr>
+          <a:lstStyle/>
+          <a:p>
+            <a:pPr marL="0" indent="0" algn="ctr">
+              <a:buNone/>
+            </a:pPr>
+            <a:r>
+              <a:rPr lang="zh-TW" altLang="en-US" sz="4800" b="1" dirty="0">
+                <a:solidFill>
+                  <a:srgbClr val="002060"/>
+                </a:solidFill>
+                <a:latin typeface="微軟正黑體" pitchFamily="34" charset="-120"/>
+                <a:ea typeface="微軟正黑體" pitchFamily="34" charset="-120"/>
+              </a:rPr>
+              <a:t>哦 你愛永不</a:t>
+            </a:r>
+            <a:r>
+              <a:rPr lang="zh-TW" altLang="en-US" sz="4800" b="1" dirty="0" smtClean="0">
+                <a:solidFill>
+                  <a:srgbClr val="002060"/>
+                </a:solidFill>
+                <a:latin typeface="微軟正黑體" pitchFamily="34" charset="-120"/>
+                <a:ea typeface="微軟正黑體" pitchFamily="34" charset="-120"/>
+              </a:rPr>
+              <a:t>變</a:t>
+            </a:r>
+            <a:r>
+              <a:rPr lang="en-US" altLang="zh-TW" sz="4800" b="1" dirty="0" smtClean="0">
+                <a:solidFill>
+                  <a:srgbClr val="002060"/>
+                </a:solidFill>
+                <a:latin typeface="微軟正黑體" pitchFamily="34" charset="-120"/>
+                <a:ea typeface="微軟正黑體" pitchFamily="34" charset="-120"/>
+              </a:rPr>
+              <a:t>  </a:t>
+            </a:r>
+            <a:r>
+              <a:rPr lang="zh-TW" altLang="en-US" sz="4800" b="1" dirty="0" smtClean="0">
+                <a:solidFill>
+                  <a:srgbClr val="002060"/>
+                </a:solidFill>
+                <a:latin typeface="微軟正黑體" pitchFamily="34" charset="-120"/>
+                <a:ea typeface="微軟正黑體" pitchFamily="34" charset="-120"/>
+              </a:rPr>
+              <a:t>從</a:t>
+            </a:r>
+            <a:r>
+              <a:rPr lang="zh-TW" altLang="en-US" sz="4800" b="1" dirty="0">
+                <a:solidFill>
+                  <a:srgbClr val="002060"/>
+                </a:solidFill>
+                <a:latin typeface="微軟正黑體" pitchFamily="34" charset="-120"/>
+                <a:ea typeface="微軟正黑體" pitchFamily="34" charset="-120"/>
+              </a:rPr>
+              <a:t>今直到永遠</a:t>
+            </a:r>
+            <a:endParaRPr lang="en-US" altLang="zh-TW" sz="4800" b="1" dirty="0">
+              <a:solidFill>
+                <a:srgbClr val="002060"/>
+              </a:solidFill>
+              <a:latin typeface="微軟正黑體" pitchFamily="34" charset="-120"/>
+              <a:ea typeface="微軟正黑體" pitchFamily="34" charset="-120"/>
+            </a:endParaRPr>
+          </a:p>
+          <a:p>
+            <a:pPr marL="0" indent="0" algn="ctr">
+              <a:buNone/>
+            </a:pPr>
+            <a:r>
+              <a:rPr lang="zh-TW" altLang="en-US" sz="4800" b="1" dirty="0">
+                <a:solidFill>
+                  <a:srgbClr val="002060"/>
+                </a:solidFill>
+                <a:latin typeface="微軟正黑體" pitchFamily="34" charset="-120"/>
+                <a:ea typeface="微軟正黑體" pitchFamily="34" charset="-120"/>
+              </a:rPr>
+              <a:t>深深澆灌我心</a:t>
+            </a:r>
+            <a:r>
+              <a:rPr lang="zh-TW" altLang="en-US" sz="4800" b="1" dirty="0" smtClean="0">
+                <a:solidFill>
+                  <a:srgbClr val="002060"/>
+                </a:solidFill>
+                <a:latin typeface="微軟正黑體" pitchFamily="34" charset="-120"/>
+                <a:ea typeface="微軟正黑體" pitchFamily="34" charset="-120"/>
+              </a:rPr>
+              <a:t>田</a:t>
+            </a:r>
+            <a:endParaRPr lang="en-US" altLang="zh-TW" sz="4800" b="1" dirty="0" smtClean="0">
+              <a:solidFill>
+                <a:srgbClr val="002060"/>
+              </a:solidFill>
+              <a:latin typeface="微軟正黑體" pitchFamily="34" charset="-120"/>
+              <a:ea typeface="微軟正黑體" pitchFamily="34" charset="-120"/>
+            </a:endParaRPr>
+          </a:p>
+          <a:p>
+            <a:pPr marL="0" indent="0" algn="ctr">
+              <a:buNone/>
+            </a:pPr>
+            <a:r>
+              <a:rPr lang="zh-TW" altLang="en-US" sz="4800" b="1" dirty="0">
+                <a:solidFill>
+                  <a:srgbClr val="002060"/>
+                </a:solidFill>
+                <a:latin typeface="微軟正黑體" pitchFamily="34" charset="-120"/>
+                <a:ea typeface="微軟正黑體" pitchFamily="34" charset="-120"/>
+              </a:rPr>
+              <a:t>或天旋或地</a:t>
+            </a:r>
+            <a:r>
+              <a:rPr lang="zh-TW" altLang="en-US" sz="4800" b="1" dirty="0" smtClean="0">
+                <a:solidFill>
+                  <a:srgbClr val="002060"/>
+                </a:solidFill>
+                <a:latin typeface="微軟正黑體" pitchFamily="34" charset="-120"/>
+                <a:ea typeface="微軟正黑體" pitchFamily="34" charset="-120"/>
+              </a:rPr>
+              <a:t>轉</a:t>
+            </a:r>
+            <a:r>
+              <a:rPr lang="en-US" altLang="zh-TW" sz="4800" b="1" dirty="0" smtClean="0">
+                <a:solidFill>
+                  <a:srgbClr val="002060"/>
+                </a:solidFill>
+                <a:latin typeface="微軟正黑體" pitchFamily="34" charset="-120"/>
+                <a:ea typeface="微軟正黑體" pitchFamily="34" charset="-120"/>
+              </a:rPr>
+              <a:t>  </a:t>
+            </a:r>
+            <a:r>
+              <a:rPr lang="zh-TW" altLang="en-US" sz="4800" b="1" dirty="0" smtClean="0">
+                <a:solidFill>
+                  <a:srgbClr val="002060"/>
+                </a:solidFill>
+                <a:latin typeface="微軟正黑體" pitchFamily="34" charset="-120"/>
+                <a:ea typeface="微軟正黑體" pitchFamily="34" charset="-120"/>
+              </a:rPr>
+              <a:t>經</a:t>
+            </a:r>
+            <a:r>
+              <a:rPr lang="zh-TW" altLang="en-US" sz="4800" b="1" dirty="0">
+                <a:solidFill>
+                  <a:srgbClr val="002060"/>
+                </a:solidFill>
+                <a:latin typeface="微軟正黑體" pitchFamily="34" charset="-120"/>
+                <a:ea typeface="微軟正黑體" pitchFamily="34" charset="-120"/>
+              </a:rPr>
+              <a:t>滄海歷桑田</a:t>
+            </a:r>
+            <a:endParaRPr lang="en-US" altLang="zh-TW" sz="4800" b="1" dirty="0">
+              <a:solidFill>
+                <a:srgbClr val="002060"/>
+              </a:solidFill>
+              <a:latin typeface="微軟正黑體" pitchFamily="34" charset="-120"/>
+              <a:ea typeface="微軟正黑體" pitchFamily="34" charset="-120"/>
+            </a:endParaRPr>
+          </a:p>
+          <a:p>
+            <a:pPr marL="0" indent="0" algn="ctr">
+              <a:buNone/>
+            </a:pPr>
+            <a:r>
+              <a:rPr lang="zh-TW" altLang="en-US" sz="4800" b="1" dirty="0">
+                <a:solidFill>
+                  <a:srgbClr val="002060"/>
+                </a:solidFill>
+                <a:latin typeface="微軟正黑體" pitchFamily="34" charset="-120"/>
+                <a:ea typeface="微軟正黑體" pitchFamily="34" charset="-120"/>
+              </a:rPr>
+              <a:t>都不能叫我與你愛隔絕</a:t>
+            </a:r>
+            <a:endParaRPr lang="vi-VN" sz="4800" b="1" dirty="0">
+              <a:solidFill>
+                <a:srgbClr val="002060"/>
+              </a:solidFill>
+              <a:ea typeface="微軟正黑體" pitchFamily="34" charset="-120"/>
+            </a:endParaRPr>
+          </a:p>
+          <a:p>
+            <a:pPr marL="0" indent="0" algn="ctr">
+              <a:buNone/>
+            </a:pPr>
+            <a:endParaRPr lang="vi-VN" sz="4800" b="1" dirty="0">
+              <a:solidFill>
+                <a:srgbClr val="002060"/>
+              </a:solidFill>
+              <a:ea typeface="微軟正黑體" pitchFamily="34" charset="-120"/>
+            </a:endParaRPr>
+          </a:p>
+        </p:txBody>
+      </p:sp>
+    </p:spTree>
+    <p:extLst>
+      <p:ext uri="{BB962C8B-B14F-4D97-AF65-F5344CB8AC3E}">
+        <p14:creationId xmlns:p14="http://schemas.microsoft.com/office/powerpoint/2010/main" xmlns="" val="705494551"/>
+      </p:ext>
+    </p:extLst>
+  </p:cSld>
+  <p:clrMapOvr>
+    <a:masterClrMapping/>
+  </p:clrMapOvr>
+  <p:timing>
+    <p:tnLst>
+      <p:par>
+        <p:cTn id="1" dur="indefinite" restart="never" nodeType="tmRoot"/>
+      </p:par>
+    </p:tnLst>
+  </p:timing>
+</p:sld>
+</file>
+
+<file path=ppt/slides/slide9.xml><?xml version="1.0" encoding="utf-8"?>
+<p:sld xmlns:a="http://schemas.openxmlformats.org/drawingml/2006/main" xmlns:r="http://schemas.openxmlformats.org/officeDocument/2006/relationships" xmlns:p="http://schemas.openxmlformats.org/presentationml/2006/main">
+  <p:cSld>
+    <p:spTree>
+      <p:nvGrpSpPr>
+        <p:cNvPr id="1" name=""/>
+        <p:cNvGrpSpPr/>
+        <p:nvPr/>
+      </p:nvGrpSpPr>
+      <p:grpSpPr>
+        <a:xfrm>
+          <a:off x="0" y="0"/>
+          <a:ext cx="0" cy="0"/>
+          <a:chOff x="0" y="0"/>
+          <a:chExt cx="0" cy="0"/>
+        </a:xfrm>
+      </p:grpSpPr>
+      <p:sp>
+        <p:nvSpPr>
+          <p:cNvPr id="2" name="標題 1"/>
+          <p:cNvSpPr>
+            <a:spLocks noGrp="1"/>
+          </p:cNvSpPr>
+          <p:nvPr>
+            <p:ph type="title"/>
+          </p:nvPr>
+        </p:nvSpPr>
+        <p:spPr/>
+        <p:txBody>
+          <a:bodyPr/>
+          <a:lstStyle/>
+          <a:p>
+            <a:r>
+              <a:rPr lang="zh-TW" altLang="en-US" b="1" dirty="0">
+                <a:solidFill>
+                  <a:srgbClr val="660033"/>
+                </a:solidFill>
+                <a:latin typeface="微軟正黑體" pitchFamily="34" charset="-120"/>
+                <a:ea typeface="微軟正黑體" pitchFamily="34" charset="-120"/>
+              </a:rPr>
+              <a:t>每一天我需要你</a:t>
+            </a:r>
+          </a:p>
+        </p:txBody>
+      </p:sp>
+      <p:sp>
+        <p:nvSpPr>
+          <p:cNvPr id="3" name="內容版面配置區 2"/>
+          <p:cNvSpPr>
+            <a:spLocks noGrp="1"/>
+          </p:cNvSpPr>
+          <p:nvPr>
+            <p:ph idx="1"/>
+          </p:nvPr>
+        </p:nvSpPr>
+        <p:spPr>
+          <a:xfrm>
+            <a:off x="0" y="1200151"/>
+            <a:ext cx="9144000" cy="3394472"/>
+          </a:xfrm>
+        </p:spPr>
+        <p:txBody>
+          <a:bodyPr>
+            <a:noAutofit/>
+          </a:bodyPr>
+          <a:lstStyle/>
+          <a:p>
+            <a:pPr algn="ctr">
+              <a:buNone/>
+            </a:pPr>
+            <a:r>
+              <a:rPr lang="zh-TW" altLang="en-US" sz="5400" b="1" dirty="0">
+                <a:solidFill>
+                  <a:srgbClr val="660033"/>
+                </a:solidFill>
+                <a:latin typeface="微軟正黑體" pitchFamily="34" charset="-120"/>
+                <a:ea typeface="微軟正黑體" pitchFamily="34" charset="-120"/>
+              </a:rPr>
+              <a:t>讓我坦然無懼來到施恩座</a:t>
+            </a:r>
+            <a:r>
+              <a:rPr lang="zh-TW" altLang="en-US" sz="5400" b="1" dirty="0" smtClean="0">
+                <a:solidFill>
+                  <a:srgbClr val="660033"/>
+                </a:solidFill>
+                <a:latin typeface="微軟正黑體" pitchFamily="34" charset="-120"/>
+                <a:ea typeface="微軟正黑體" pitchFamily="34" charset="-120"/>
+              </a:rPr>
+              <a:t>前</a:t>
+            </a:r>
+            <a:endParaRPr lang="en-US" altLang="zh-TW" sz="5400" b="1" dirty="0" smtClean="0">
+              <a:solidFill>
+                <a:srgbClr val="660033"/>
+              </a:solidFill>
+              <a:latin typeface="微軟正黑體" pitchFamily="34" charset="-120"/>
+              <a:ea typeface="微軟正黑體" pitchFamily="34" charset="-120"/>
+            </a:endParaRPr>
+          </a:p>
+          <a:p>
+            <a:pPr algn="ctr">
+              <a:buNone/>
+            </a:pPr>
+            <a:r>
+              <a:rPr lang="zh-TW" altLang="en-US" sz="5400" b="1" dirty="0" smtClean="0">
+                <a:solidFill>
+                  <a:srgbClr val="660033"/>
+                </a:solidFill>
+                <a:latin typeface="微軟正黑體" pitchFamily="34" charset="-120"/>
+                <a:ea typeface="微軟正黑體" pitchFamily="34" charset="-120"/>
+              </a:rPr>
+              <a:t>用</a:t>
+            </a:r>
+            <a:r>
+              <a:rPr lang="zh-TW" altLang="en-US" sz="5400" b="1" dirty="0">
+                <a:solidFill>
+                  <a:srgbClr val="660033"/>
+                </a:solidFill>
+                <a:latin typeface="微軟正黑體" pitchFamily="34" charset="-120"/>
+                <a:ea typeface="微軟正黑體" pitchFamily="34" charset="-120"/>
+              </a:rPr>
+              <a:t>心靈誠實尋求</a:t>
+            </a:r>
+            <a:r>
+              <a:rPr lang="zh-TW" altLang="en-US" sz="5400" b="1" dirty="0" smtClean="0">
+                <a:solidFill>
+                  <a:srgbClr val="660033"/>
+                </a:solidFill>
+                <a:latin typeface="微軟正黑體" pitchFamily="34" charset="-120"/>
+                <a:ea typeface="微軟正黑體" pitchFamily="34" charset="-120"/>
+              </a:rPr>
+              <a:t>你</a:t>
+            </a:r>
+            <a:endParaRPr lang="en-US" altLang="zh-TW" sz="5400" b="1" dirty="0">
+              <a:solidFill>
+                <a:srgbClr val="660033"/>
+              </a:solidFill>
+              <a:latin typeface="微軟正黑體" pitchFamily="34" charset="-120"/>
+              <a:ea typeface="微軟正黑體" pitchFamily="34" charset="-120"/>
+            </a:endParaRPr>
+          </a:p>
+          <a:p>
+            <a:pPr algn="ctr">
+              <a:buNone/>
+            </a:pPr>
+            <a:r>
+              <a:rPr lang="zh-TW" altLang="en-US" sz="5400" b="1" dirty="0" smtClean="0">
+                <a:solidFill>
+                  <a:srgbClr val="660033"/>
+                </a:solidFill>
+                <a:latin typeface="微軟正黑體" pitchFamily="34" charset="-120"/>
+                <a:ea typeface="微軟正黑體" pitchFamily="34" charset="-120"/>
+              </a:rPr>
+              <a:t>親愛的</a:t>
+            </a:r>
+            <a:r>
+              <a:rPr lang="zh-TW" altLang="en-US" sz="5400" b="1" dirty="0">
+                <a:solidFill>
+                  <a:srgbClr val="660033"/>
+                </a:solidFill>
+                <a:latin typeface="微軟正黑體" pitchFamily="34" charset="-120"/>
+                <a:ea typeface="微軟正黑體" pitchFamily="34" charset="-120"/>
+              </a:rPr>
+              <a:t>天父我何等地需要</a:t>
+            </a:r>
+            <a:r>
+              <a:rPr lang="zh-TW" altLang="en-US" sz="5400" b="1" dirty="0" smtClean="0">
+                <a:solidFill>
+                  <a:srgbClr val="660033"/>
+                </a:solidFill>
+                <a:latin typeface="微軟正黑體" pitchFamily="34" charset="-120"/>
+                <a:ea typeface="微軟正黑體" pitchFamily="34" charset="-120"/>
+              </a:rPr>
+              <a:t>你</a:t>
+            </a:r>
+            <a:endParaRPr lang="en-US" altLang="zh-TW" sz="5400" b="1" dirty="0" smtClean="0">
+              <a:solidFill>
+                <a:srgbClr val="660033"/>
+              </a:solidFill>
+              <a:latin typeface="微軟正黑體" pitchFamily="34" charset="-120"/>
+              <a:ea typeface="微軟正黑體" pitchFamily="34" charset="-120"/>
+            </a:endParaRPr>
+          </a:p>
+          <a:p>
+            <a:pPr algn="ctr">
+              <a:buNone/>
+            </a:pPr>
+            <a:r>
+              <a:rPr lang="zh-TW" altLang="en-US" sz="5400" b="1" dirty="0" smtClean="0">
+                <a:solidFill>
+                  <a:srgbClr val="660033"/>
+                </a:solidFill>
+                <a:latin typeface="微軟正黑體" pitchFamily="34" charset="-120"/>
+                <a:ea typeface="微軟正黑體" pitchFamily="34" charset="-120"/>
+              </a:rPr>
+              <a:t>需要</a:t>
+            </a:r>
+            <a:r>
+              <a:rPr lang="zh-TW" altLang="en-US" sz="5400" b="1" dirty="0">
+                <a:solidFill>
+                  <a:srgbClr val="660033"/>
+                </a:solidFill>
+                <a:latin typeface="微軟正黑體" pitchFamily="34" charset="-120"/>
+                <a:ea typeface="微軟正黑體" pitchFamily="34" charset="-120"/>
+              </a:rPr>
+              <a:t>更多你的同</a:t>
+            </a:r>
+            <a:r>
+              <a:rPr lang="zh-TW" altLang="en-US" sz="5400" b="1" dirty="0" smtClean="0">
+                <a:solidFill>
+                  <a:srgbClr val="660033"/>
+                </a:solidFill>
+                <a:latin typeface="微軟正黑體" pitchFamily="34" charset="-120"/>
+                <a:ea typeface="微軟正黑體" pitchFamily="34" charset="-120"/>
+              </a:rPr>
+              <a:t>在  在</a:t>
+            </a:r>
+            <a:r>
+              <a:rPr lang="zh-TW" altLang="en-US" sz="5400" b="1" dirty="0">
+                <a:solidFill>
+                  <a:srgbClr val="660033"/>
+                </a:solidFill>
+                <a:latin typeface="微軟正黑體" pitchFamily="34" charset="-120"/>
+                <a:ea typeface="微軟正黑體" pitchFamily="34" charset="-120"/>
+              </a:rPr>
+              <a:t>我</a:t>
+            </a:r>
+            <a:r>
+              <a:rPr lang="zh-TW" altLang="en-US" sz="5400" b="1" dirty="0" smtClean="0">
+                <a:solidFill>
+                  <a:srgbClr val="660033"/>
+                </a:solidFill>
+                <a:latin typeface="微軟正黑體" pitchFamily="34" charset="-120"/>
+                <a:ea typeface="微軟正黑體" pitchFamily="34" charset="-120"/>
+              </a:rPr>
+              <a:t>生命</a:t>
+            </a:r>
+            <a:endParaRPr lang="zh-TW" altLang="en-US" sz="5400" b="1" dirty="0">
+              <a:solidFill>
+                <a:srgbClr val="660033"/>
+              </a:solidFill>
+              <a:latin typeface="微軟正黑體" pitchFamily="34" charset="-120"/>
+              <a:ea typeface="微軟正黑體" pitchFamily="34" charset="-120"/>
+            </a:endParaRPr>
+          </a:p>
+        </p:txBody>
+      </p:sp>
+    </p:spTree>
+  </p:cSld>
+  <p:clrMapOvr>
+    <a:masterClrMapping/>
+  </p:clrMapOvr>
 </p:sld>
 </file>
 

--- a/你愛永不變.pptx
+++ b/你愛永不變.pptx
@@ -5,22 +5,15 @@
     <p:sldMasterId id="2147483706" r:id="rId1"/>
   </p:sldMasterIdLst>
   <p:sldIdLst>
-    <p:sldId id="284" r:id="rId2"/>
-    <p:sldId id="282" r:id="rId3"/>
-    <p:sldId id="285" r:id="rId4"/>
-    <p:sldId id="281" r:id="rId5"/>
-    <p:sldId id="283" r:id="rId6"/>
-    <p:sldId id="289" r:id="rId7"/>
-    <p:sldId id="279" r:id="rId8"/>
-    <p:sldId id="280" r:id="rId9"/>
-    <p:sldId id="286" r:id="rId10"/>
-    <p:sldId id="290" r:id="rId11"/>
-    <p:sldId id="287" r:id="rId12"/>
-    <p:sldId id="295" r:id="rId13"/>
-    <p:sldId id="292" r:id="rId14"/>
-    <p:sldId id="296" r:id="rId15"/>
-    <p:sldId id="293" r:id="rId16"/>
-    <p:sldId id="297" r:id="rId17"/>
+    <p:sldId id="256" r:id="rId2"/>
+    <p:sldId id="257" r:id="rId3"/>
+    <p:sldId id="258" r:id="rId4"/>
+    <p:sldId id="259" r:id="rId5"/>
+    <p:sldId id="260" r:id="rId6"/>
+    <p:sldId id="261" r:id="rId7"/>
+    <p:sldId id="262" r:id="rId8"/>
+    <p:sldId id="263" r:id="rId9"/>
+    <p:sldId id="264" r:id="rId10"/>
   </p:sldIdLst>
   <p:sldSz cx="9144000" cy="5143500" type="screen16x9"/>
   <p:notesSz cx="6858000" cy="9144000"/>
@@ -119,6 +112,22 @@
       </a:defRPr>
     </a:lvl9pPr>
   </p:defaultTextStyle>
+  <p:extLst>
+    <p:ext uri="{EFAFB233-063F-42B5-8137-9DF3F51BA10A}">
+      <p15:sldGuideLst xmlns:p15="http://schemas.microsoft.com/office/powerpoint/2012/main">
+        <p15:guide id="1" orient="horz" pos="1620">
+          <p15:clr>
+            <a:srgbClr val="A4A3A4"/>
+          </p15:clr>
+        </p15:guide>
+        <p15:guide id="2" pos="2880">
+          <p15:clr>
+            <a:srgbClr val="A4A3A4"/>
+          </p15:clr>
+        </p15:guide>
+      </p15:sldGuideLst>
+    </p:ext>
+  </p:extLst>
 </p:presentation>
 </file>
 
@@ -304,7 +313,7 @@
             <a:fld id="{BC4F40AC-92D7-480D-97D1-79286808B11F}" type="datetimeFigureOut">
               <a:rPr lang="zh-TW" altLang="en-US" smtClean="0"/>
               <a:pPr/>
-              <a:t>2020/2/25</a:t>
+              <a:t>2022/2/18</a:t>
             </a:fld>
             <a:endParaRPr lang="zh-TW" altLang="en-US"/>
           </a:p>
@@ -471,7 +480,7 @@
             <a:fld id="{BC4F40AC-92D7-480D-97D1-79286808B11F}" type="datetimeFigureOut">
               <a:rPr lang="zh-TW" altLang="en-US" smtClean="0"/>
               <a:pPr/>
-              <a:t>2020/2/25</a:t>
+              <a:t>2022/2/18</a:t>
             </a:fld>
             <a:endParaRPr lang="zh-TW" altLang="en-US"/>
           </a:p>
@@ -648,7 +657,7 @@
             <a:fld id="{BC4F40AC-92D7-480D-97D1-79286808B11F}" type="datetimeFigureOut">
               <a:rPr lang="zh-TW" altLang="en-US" smtClean="0"/>
               <a:pPr/>
-              <a:t>2020/2/25</a:t>
+              <a:t>2022/2/18</a:t>
             </a:fld>
             <a:endParaRPr lang="zh-TW" altLang="en-US"/>
           </a:p>
@@ -815,7 +824,7 @@
             <a:fld id="{BC4F40AC-92D7-480D-97D1-79286808B11F}" type="datetimeFigureOut">
               <a:rPr lang="zh-TW" altLang="en-US" smtClean="0"/>
               <a:pPr/>
-              <a:t>2020/2/25</a:t>
+              <a:t>2022/2/18</a:t>
             </a:fld>
             <a:endParaRPr lang="zh-TW" altLang="en-US"/>
           </a:p>
@@ -1058,7 +1067,7 @@
             <a:fld id="{BC4F40AC-92D7-480D-97D1-79286808B11F}" type="datetimeFigureOut">
               <a:rPr lang="zh-TW" altLang="en-US" smtClean="0"/>
               <a:pPr/>
-              <a:t>2020/2/25</a:t>
+              <a:t>2022/2/18</a:t>
             </a:fld>
             <a:endParaRPr lang="zh-TW" altLang="en-US"/>
           </a:p>
@@ -1343,7 +1352,7 @@
             <a:fld id="{BC4F40AC-92D7-480D-97D1-79286808B11F}" type="datetimeFigureOut">
               <a:rPr lang="zh-TW" altLang="en-US" smtClean="0"/>
               <a:pPr/>
-              <a:t>2020/2/25</a:t>
+              <a:t>2022/2/18</a:t>
             </a:fld>
             <a:endParaRPr lang="zh-TW" altLang="en-US"/>
           </a:p>
@@ -1762,7 +1771,7 @@
             <a:fld id="{BC4F40AC-92D7-480D-97D1-79286808B11F}" type="datetimeFigureOut">
               <a:rPr lang="zh-TW" altLang="en-US" smtClean="0"/>
               <a:pPr/>
-              <a:t>2020/2/25</a:t>
+              <a:t>2022/2/18</a:t>
             </a:fld>
             <a:endParaRPr lang="zh-TW" altLang="en-US"/>
           </a:p>
@@ -1877,7 +1886,7 @@
             <a:fld id="{BC4F40AC-92D7-480D-97D1-79286808B11F}" type="datetimeFigureOut">
               <a:rPr lang="zh-TW" altLang="en-US" smtClean="0"/>
               <a:pPr/>
-              <a:t>2020/2/25</a:t>
+              <a:t>2022/2/18</a:t>
             </a:fld>
             <a:endParaRPr lang="zh-TW" altLang="en-US"/>
           </a:p>
@@ -1969,7 +1978,7 @@
             <a:fld id="{BC4F40AC-92D7-480D-97D1-79286808B11F}" type="datetimeFigureOut">
               <a:rPr lang="zh-TW" altLang="en-US" smtClean="0"/>
               <a:pPr/>
-              <a:t>2020/2/25</a:t>
+              <a:t>2022/2/18</a:t>
             </a:fld>
             <a:endParaRPr lang="zh-TW" altLang="en-US"/>
           </a:p>
@@ -2243,7 +2252,7 @@
             <a:fld id="{BC4F40AC-92D7-480D-97D1-79286808B11F}" type="datetimeFigureOut">
               <a:rPr lang="zh-TW" altLang="en-US" smtClean="0"/>
               <a:pPr/>
-              <a:t>2020/2/25</a:t>
+              <a:t>2022/2/18</a:t>
             </a:fld>
             <a:endParaRPr lang="zh-TW" altLang="en-US"/>
           </a:p>
@@ -2497,7 +2506,7 @@
             <a:fld id="{BC4F40AC-92D7-480D-97D1-79286808B11F}" type="datetimeFigureOut">
               <a:rPr lang="zh-TW" altLang="en-US" smtClean="0"/>
               <a:pPr/>
-              <a:t>2020/2/25</a:t>
+              <a:t>2022/2/18</a:t>
             </a:fld>
             <a:endParaRPr lang="zh-TW" altLang="en-US"/>
           </a:p>
@@ -2712,7 +2721,7 @@
             <a:fld id="{BC4F40AC-92D7-480D-97D1-79286808B11F}" type="datetimeFigureOut">
               <a:rPr lang="zh-TW" altLang="en-US" smtClean="0"/>
               <a:pPr/>
-              <a:t>2020/2/25</a:t>
+              <a:t>2022/2/18</a:t>
             </a:fld>
             <a:endParaRPr lang="zh-TW" altLang="en-US"/>
           </a:p>
@@ -3085,7 +3094,7 @@
       </p:grpSpPr>
       <p:sp>
         <p:nvSpPr>
-          <p:cNvPr id="2" name="Title 1"/>
+          <p:cNvPr id="4" name="標題 3"/>
           <p:cNvSpPr>
             <a:spLocks noGrp="1"/>
           </p:cNvSpPr>
@@ -3095,8 +3104,8 @@
         </p:nvSpPr>
         <p:spPr>
           <a:xfrm>
-            <a:off x="0" y="267494"/>
-            <a:ext cx="9144000" cy="696521"/>
+            <a:off x="0" y="1995686"/>
+            <a:ext cx="9144000" cy="857250"/>
           </a:xfrm>
         </p:spPr>
         <p:txBody>
@@ -3106,1459 +3115,62 @@
           <a:lstStyle/>
           <a:p>
             <a:r>
-              <a:rPr lang="zh-CN" altLang="en-US" sz="4000" b="1" dirty="0" smtClean="0">
-                <a:solidFill>
-                  <a:srgbClr val="002060"/>
-                </a:solidFill>
-                <a:latin typeface="微軟正黑體" pitchFamily="34" charset="-120"/>
-                <a:ea typeface="微軟正黑體" pitchFamily="34" charset="-120"/>
-              </a:rPr>
-              <a:t>你</a:t>
-            </a:r>
-            <a:r>
-              <a:rPr lang="zh-CN" altLang="en-US" sz="4000" b="1" dirty="0">
-                <a:solidFill>
-                  <a:srgbClr val="002060"/>
-                </a:solidFill>
-                <a:latin typeface="微軟正黑體" pitchFamily="34" charset="-120"/>
-                <a:ea typeface="微軟正黑體" pitchFamily="34" charset="-120"/>
-              </a:rPr>
-              <a:t>愛永不變</a:t>
-            </a:r>
-            <a:endParaRPr lang="vi-VN" sz="4000" b="1" dirty="0">
+              <a:rPr lang="zh-CN" altLang="en-US" sz="5400" b="1" i="1" dirty="0" smtClean="0">
+                <a:solidFill>
+                  <a:srgbClr val="000066"/>
+                </a:solidFill>
+                <a:effectLst>
+                  <a:outerShdw blurRad="38100" dist="38100" dir="2700000" algn="tl">
+                    <a:srgbClr val="000000">
+                      <a:alpha val="43137"/>
+                    </a:srgbClr>
+                  </a:outerShdw>
+                </a:effectLst>
+                <a:latin typeface="微軟正黑體" pitchFamily="34" charset="-120"/>
+                <a:ea typeface="微軟正黑體" pitchFamily="34" charset="-120"/>
+              </a:rPr>
+              <a:t>袮愛</a:t>
+            </a:r>
+            <a:r>
+              <a:rPr lang="zh-CN" altLang="en-US" sz="5400" b="1" i="1" dirty="0">
+                <a:solidFill>
+                  <a:srgbClr val="000066"/>
+                </a:solidFill>
+                <a:effectLst>
+                  <a:outerShdw blurRad="38100" dist="38100" dir="2700000" algn="tl">
+                    <a:srgbClr val="000000">
+                      <a:alpha val="43137"/>
+                    </a:srgbClr>
+                  </a:outerShdw>
+                </a:effectLst>
+                <a:latin typeface="微軟正黑體" pitchFamily="34" charset="-120"/>
+                <a:ea typeface="微軟正黑體" pitchFamily="34" charset="-120"/>
+              </a:rPr>
+              <a:t>永不變</a:t>
+            </a:r>
+            <a:endParaRPr lang="zh-TW" altLang="en-US" sz="5400" b="1" i="1" dirty="0">
               <a:solidFill>
-                <a:srgbClr val="002060"/>
+                <a:srgbClr val="000066"/>
               </a:solidFill>
-              <a:ea typeface="微軟正黑體" pitchFamily="34" charset="-120"/>
-            </a:endParaRPr>
-          </a:p>
-        </p:txBody>
-      </p:sp>
-      <p:sp>
-        <p:nvSpPr>
-          <p:cNvPr id="3" name="Content Placeholder 2"/>
-          <p:cNvSpPr>
-            <a:spLocks noGrp="1"/>
-          </p:cNvSpPr>
-          <p:nvPr>
-            <p:ph idx="1"/>
-          </p:nvPr>
-        </p:nvSpPr>
-        <p:spPr>
-          <a:xfrm>
-            <a:off x="0" y="964395"/>
-            <a:ext cx="9144000" cy="3547325"/>
-          </a:xfrm>
-        </p:spPr>
-        <p:txBody>
-          <a:bodyPr anchor="t">
-            <a:noAutofit/>
-          </a:bodyPr>
-          <a:lstStyle/>
-          <a:p>
-            <a:pPr marL="0" indent="0" algn="ctr">
-              <a:buNone/>
-            </a:pPr>
-            <a:r>
-              <a:rPr lang="zh-TW" altLang="en-US" sz="4800" b="1" dirty="0">
-                <a:solidFill>
-                  <a:srgbClr val="002060"/>
-                </a:solidFill>
-                <a:latin typeface="微軟正黑體" pitchFamily="34" charset="-120"/>
-                <a:ea typeface="微軟正黑體" pitchFamily="34" charset="-120"/>
-              </a:rPr>
-              <a:t>你流出寶血   洗淨我污穢</a:t>
-            </a:r>
-            <a:endParaRPr lang="en-US" altLang="zh-TW" sz="4800" b="1" dirty="0">
-              <a:solidFill>
-                <a:srgbClr val="002060"/>
-              </a:solidFill>
+              <a:effectLst>
+                <a:outerShdw blurRad="38100" dist="38100" dir="2700000" algn="tl">
+                  <a:srgbClr val="000000">
+                    <a:alpha val="43137"/>
+                  </a:srgbClr>
+                </a:outerShdw>
+              </a:effectLst>
               <a:latin typeface="微軟正黑體" pitchFamily="34" charset="-120"/>
               <a:ea typeface="微軟正黑體" pitchFamily="34" charset="-120"/>
             </a:endParaRPr>
           </a:p>
-          <a:p>
-            <a:pPr marL="0" indent="0" algn="ctr">
-              <a:buNone/>
-            </a:pPr>
-            <a:r>
-              <a:rPr lang="zh-TW" altLang="en-US" sz="4800" b="1" dirty="0">
-                <a:solidFill>
-                  <a:srgbClr val="002060"/>
-                </a:solidFill>
-                <a:latin typeface="微軟正黑體" pitchFamily="34" charset="-120"/>
-                <a:ea typeface="微軟正黑體" pitchFamily="34" charset="-120"/>
-              </a:rPr>
-              <a:t>將我的生命贖回</a:t>
-            </a:r>
-            <a:endParaRPr lang="en-US" altLang="zh-TW" sz="4800" b="1" dirty="0">
-              <a:solidFill>
-                <a:srgbClr val="002060"/>
-              </a:solidFill>
-              <a:latin typeface="微軟正黑體" pitchFamily="34" charset="-120"/>
-              <a:ea typeface="微軟正黑體" pitchFamily="34" charset="-120"/>
-            </a:endParaRPr>
-          </a:p>
-          <a:p>
-            <a:pPr marL="0" indent="0" algn="ctr">
-              <a:buNone/>
-            </a:pPr>
-            <a:r>
-              <a:rPr lang="zh-TW" altLang="en-US" sz="4800" b="1" dirty="0">
-                <a:solidFill>
-                  <a:srgbClr val="002060"/>
-                </a:solidFill>
-                <a:latin typeface="微軟正黑體" pitchFamily="34" charset="-120"/>
-                <a:ea typeface="微軟正黑體" pitchFamily="34" charset="-120"/>
-              </a:rPr>
-              <a:t>你為了我的</a:t>
-            </a:r>
-            <a:r>
-              <a:rPr lang="zh-TW" altLang="en-US" sz="4800" b="1" dirty="0" smtClean="0">
-                <a:solidFill>
-                  <a:srgbClr val="002060"/>
-                </a:solidFill>
-                <a:latin typeface="微軟正黑體" pitchFamily="34" charset="-120"/>
-                <a:ea typeface="微軟正黑體" pitchFamily="34" charset="-120"/>
-              </a:rPr>
-              <a:t>罪</a:t>
-            </a:r>
-            <a:r>
-              <a:rPr lang="en-US" altLang="zh-TW" sz="4800" b="1" dirty="0" smtClean="0">
-                <a:solidFill>
-                  <a:srgbClr val="002060"/>
-                </a:solidFill>
-                <a:latin typeface="微軟正黑體" pitchFamily="34" charset="-120"/>
-                <a:ea typeface="微軟正黑體" pitchFamily="34" charset="-120"/>
-              </a:rPr>
-              <a:t>  </a:t>
-            </a:r>
-            <a:r>
-              <a:rPr lang="zh-TW" altLang="en-US" sz="4800" b="1" dirty="0" smtClean="0">
-                <a:solidFill>
-                  <a:srgbClr val="002060"/>
-                </a:solidFill>
-                <a:latin typeface="微軟正黑體" pitchFamily="34" charset="-120"/>
-                <a:ea typeface="微軟正黑體" pitchFamily="34" charset="-120"/>
-              </a:rPr>
-              <a:t>犧</a:t>
-            </a:r>
-            <a:r>
-              <a:rPr lang="zh-TW" altLang="en-US" sz="4800" b="1" dirty="0">
-                <a:solidFill>
-                  <a:srgbClr val="002060"/>
-                </a:solidFill>
-                <a:latin typeface="微軟正黑體" pitchFamily="34" charset="-120"/>
-                <a:ea typeface="微軟正黑體" pitchFamily="34" charset="-120"/>
-              </a:rPr>
-              <a:t>牲永不悔</a:t>
-            </a:r>
-            <a:endParaRPr lang="en-US" altLang="zh-TW" sz="4800" b="1" dirty="0">
-              <a:solidFill>
-                <a:srgbClr val="002060"/>
-              </a:solidFill>
-              <a:latin typeface="微軟正黑體" pitchFamily="34" charset="-120"/>
-              <a:ea typeface="微軟正黑體" pitchFamily="34" charset="-120"/>
-            </a:endParaRPr>
-          </a:p>
-          <a:p>
-            <a:pPr marL="0" indent="0" algn="ctr">
-              <a:buNone/>
-            </a:pPr>
-            <a:r>
-              <a:rPr lang="zh-TW" altLang="en-US" sz="4800" b="1" dirty="0">
-                <a:solidFill>
-                  <a:srgbClr val="002060"/>
-                </a:solidFill>
-                <a:latin typeface="微軟正黑體" pitchFamily="34" charset="-120"/>
-                <a:ea typeface="微軟正黑體" pitchFamily="34" charset="-120"/>
-              </a:rPr>
-              <a:t>顯明你極大恩惠</a:t>
-            </a:r>
-            <a:endParaRPr lang="vi-VN" sz="4800" b="1" dirty="0">
-              <a:solidFill>
-                <a:srgbClr val="002060"/>
-              </a:solidFill>
-              <a:ea typeface="微軟正黑體" pitchFamily="34" charset="-120"/>
-            </a:endParaRPr>
-          </a:p>
         </p:txBody>
       </p:sp>
     </p:spTree>
     <p:extLst>
       <p:ext uri="{BB962C8B-B14F-4D97-AF65-F5344CB8AC3E}">
-        <p14:creationId xmlns:p14="http://schemas.microsoft.com/office/powerpoint/2010/main" xmlns="" val="3761862256"/>
+        <p14:creationId xmlns:p14="http://schemas.microsoft.com/office/powerpoint/2010/main" val="1857657311"/>
       </p:ext>
     </p:extLst>
-  </p:cSld>
-  <p:clrMapOvr>
-    <a:masterClrMapping/>
-  </p:clrMapOvr>
-  <p:timing>
-    <p:tnLst>
-      <p:par>
-        <p:cTn id="1" dur="indefinite" restart="never" nodeType="tmRoot"/>
-      </p:par>
-    </p:tnLst>
-  </p:timing>
-</p:sld>
-</file>
-
-<file path=ppt/slides/slide10.xml><?xml version="1.0" encoding="utf-8"?>
-<p:sld xmlns:a="http://schemas.openxmlformats.org/drawingml/2006/main" xmlns:r="http://schemas.openxmlformats.org/officeDocument/2006/relationships" xmlns:p="http://schemas.openxmlformats.org/presentationml/2006/main">
-  <p:cSld>
-    <p:spTree>
-      <p:nvGrpSpPr>
-        <p:cNvPr id="1" name=""/>
-        <p:cNvGrpSpPr/>
-        <p:nvPr/>
-      </p:nvGrpSpPr>
-      <p:grpSpPr>
-        <a:xfrm>
-          <a:off x="0" y="0"/>
-          <a:ext cx="0" cy="0"/>
-          <a:chOff x="0" y="0"/>
-          <a:chExt cx="0" cy="0"/>
-        </a:xfrm>
-      </p:grpSpPr>
-      <p:sp>
-        <p:nvSpPr>
-          <p:cNvPr id="2" name="標題 1"/>
-          <p:cNvSpPr>
-            <a:spLocks noGrp="1"/>
-          </p:cNvSpPr>
-          <p:nvPr>
-            <p:ph type="title"/>
-          </p:nvPr>
-        </p:nvSpPr>
-        <p:spPr/>
-        <p:txBody>
-          <a:bodyPr/>
-          <a:lstStyle/>
-          <a:p>
-            <a:r>
-              <a:rPr lang="zh-TW" altLang="en-US" b="1" dirty="0">
-                <a:solidFill>
-                  <a:srgbClr val="660033"/>
-                </a:solidFill>
-                <a:latin typeface="微軟正黑體" pitchFamily="34" charset="-120"/>
-                <a:ea typeface="微軟正黑體" pitchFamily="34" charset="-120"/>
-              </a:rPr>
-              <a:t>每一天我需要你</a:t>
-            </a:r>
-          </a:p>
-        </p:txBody>
-      </p:sp>
-      <p:sp>
-        <p:nvSpPr>
-          <p:cNvPr id="3" name="內容版面配置區 2"/>
-          <p:cNvSpPr>
-            <a:spLocks noGrp="1"/>
-          </p:cNvSpPr>
-          <p:nvPr>
-            <p:ph idx="1"/>
-          </p:nvPr>
-        </p:nvSpPr>
-        <p:spPr>
-          <a:xfrm>
-            <a:off x="0" y="1200151"/>
-            <a:ext cx="9144000" cy="3394472"/>
-          </a:xfrm>
-        </p:spPr>
-        <p:txBody>
-          <a:bodyPr>
-            <a:noAutofit/>
-          </a:bodyPr>
-          <a:lstStyle/>
-          <a:p>
-            <a:pPr algn="ctr">
-              <a:buNone/>
-            </a:pPr>
-            <a:r>
-              <a:rPr lang="zh-TW" altLang="en-US" sz="5400" b="1" dirty="0">
-                <a:solidFill>
-                  <a:srgbClr val="660033"/>
-                </a:solidFill>
-                <a:latin typeface="微軟正黑體" pitchFamily="34" charset="-120"/>
-                <a:ea typeface="微軟正黑體" pitchFamily="34" charset="-120"/>
-              </a:rPr>
-              <a:t>讓我坦然無懼來到施恩座</a:t>
-            </a:r>
-            <a:r>
-              <a:rPr lang="zh-TW" altLang="en-US" sz="5400" b="1" dirty="0" smtClean="0">
-                <a:solidFill>
-                  <a:srgbClr val="660033"/>
-                </a:solidFill>
-                <a:latin typeface="微軟正黑體" pitchFamily="34" charset="-120"/>
-                <a:ea typeface="微軟正黑體" pitchFamily="34" charset="-120"/>
-              </a:rPr>
-              <a:t>前</a:t>
-            </a:r>
-            <a:endParaRPr lang="en-US" altLang="zh-TW" sz="5400" b="1" dirty="0" smtClean="0">
-              <a:solidFill>
-                <a:srgbClr val="660033"/>
-              </a:solidFill>
-              <a:latin typeface="微軟正黑體" pitchFamily="34" charset="-120"/>
-              <a:ea typeface="微軟正黑體" pitchFamily="34" charset="-120"/>
-            </a:endParaRPr>
-          </a:p>
-          <a:p>
-            <a:pPr algn="ctr">
-              <a:buNone/>
-            </a:pPr>
-            <a:r>
-              <a:rPr lang="zh-TW" altLang="en-US" sz="5400" b="1" dirty="0" smtClean="0">
-                <a:solidFill>
-                  <a:srgbClr val="660033"/>
-                </a:solidFill>
-                <a:latin typeface="微軟正黑體" pitchFamily="34" charset="-120"/>
-                <a:ea typeface="微軟正黑體" pitchFamily="34" charset="-120"/>
-              </a:rPr>
-              <a:t>用</a:t>
-            </a:r>
-            <a:r>
-              <a:rPr lang="zh-TW" altLang="en-US" sz="5400" b="1" dirty="0">
-                <a:solidFill>
-                  <a:srgbClr val="660033"/>
-                </a:solidFill>
-                <a:latin typeface="微軟正黑體" pitchFamily="34" charset="-120"/>
-                <a:ea typeface="微軟正黑體" pitchFamily="34" charset="-120"/>
-              </a:rPr>
-              <a:t>心靈誠實尋求</a:t>
-            </a:r>
-            <a:r>
-              <a:rPr lang="zh-TW" altLang="en-US" sz="5400" b="1" dirty="0" smtClean="0">
-                <a:solidFill>
-                  <a:srgbClr val="660033"/>
-                </a:solidFill>
-                <a:latin typeface="微軟正黑體" pitchFamily="34" charset="-120"/>
-                <a:ea typeface="微軟正黑體" pitchFamily="34" charset="-120"/>
-              </a:rPr>
-              <a:t>你</a:t>
-            </a:r>
-            <a:endParaRPr lang="en-US" altLang="zh-TW" sz="5400" b="1" dirty="0">
-              <a:solidFill>
-                <a:srgbClr val="660033"/>
-              </a:solidFill>
-              <a:latin typeface="微軟正黑體" pitchFamily="34" charset="-120"/>
-              <a:ea typeface="微軟正黑體" pitchFamily="34" charset="-120"/>
-            </a:endParaRPr>
-          </a:p>
-          <a:p>
-            <a:pPr algn="ctr">
-              <a:buNone/>
-            </a:pPr>
-            <a:r>
-              <a:rPr lang="zh-TW" altLang="en-US" sz="5400" b="1" dirty="0" smtClean="0">
-                <a:solidFill>
-                  <a:srgbClr val="660033"/>
-                </a:solidFill>
-                <a:latin typeface="微軟正黑體" pitchFamily="34" charset="-120"/>
-                <a:ea typeface="微軟正黑體" pitchFamily="34" charset="-120"/>
-              </a:rPr>
-              <a:t>親愛的</a:t>
-            </a:r>
-            <a:r>
-              <a:rPr lang="zh-TW" altLang="en-US" sz="5400" b="1" dirty="0">
-                <a:solidFill>
-                  <a:srgbClr val="660033"/>
-                </a:solidFill>
-                <a:latin typeface="微軟正黑體" pitchFamily="34" charset="-120"/>
-                <a:ea typeface="微軟正黑體" pitchFamily="34" charset="-120"/>
-              </a:rPr>
-              <a:t>天父我何等地需要</a:t>
-            </a:r>
-            <a:r>
-              <a:rPr lang="zh-TW" altLang="en-US" sz="5400" b="1" dirty="0" smtClean="0">
-                <a:solidFill>
-                  <a:srgbClr val="660033"/>
-                </a:solidFill>
-                <a:latin typeface="微軟正黑體" pitchFamily="34" charset="-120"/>
-                <a:ea typeface="微軟正黑體" pitchFamily="34" charset="-120"/>
-              </a:rPr>
-              <a:t>你</a:t>
-            </a:r>
-            <a:endParaRPr lang="en-US" altLang="zh-TW" sz="5400" b="1" dirty="0" smtClean="0">
-              <a:solidFill>
-                <a:srgbClr val="660033"/>
-              </a:solidFill>
-              <a:latin typeface="微軟正黑體" pitchFamily="34" charset="-120"/>
-              <a:ea typeface="微軟正黑體" pitchFamily="34" charset="-120"/>
-            </a:endParaRPr>
-          </a:p>
-          <a:p>
-            <a:pPr algn="ctr">
-              <a:buNone/>
-            </a:pPr>
-            <a:r>
-              <a:rPr lang="zh-TW" altLang="en-US" sz="5400" b="1" dirty="0" smtClean="0">
-                <a:solidFill>
-                  <a:srgbClr val="660033"/>
-                </a:solidFill>
-                <a:latin typeface="微軟正黑體" pitchFamily="34" charset="-120"/>
-                <a:ea typeface="微軟正黑體" pitchFamily="34" charset="-120"/>
-              </a:rPr>
-              <a:t>需要</a:t>
-            </a:r>
-            <a:r>
-              <a:rPr lang="zh-TW" altLang="en-US" sz="5400" b="1" dirty="0">
-                <a:solidFill>
-                  <a:srgbClr val="660033"/>
-                </a:solidFill>
-                <a:latin typeface="微軟正黑體" pitchFamily="34" charset="-120"/>
-                <a:ea typeface="微軟正黑體" pitchFamily="34" charset="-120"/>
-              </a:rPr>
-              <a:t>更多你的同</a:t>
-            </a:r>
-            <a:r>
-              <a:rPr lang="zh-TW" altLang="en-US" sz="5400" b="1" dirty="0" smtClean="0">
-                <a:solidFill>
-                  <a:srgbClr val="660033"/>
-                </a:solidFill>
-                <a:latin typeface="微軟正黑體" pitchFamily="34" charset="-120"/>
-                <a:ea typeface="微軟正黑體" pitchFamily="34" charset="-120"/>
-              </a:rPr>
-              <a:t>在  在</a:t>
-            </a:r>
-            <a:r>
-              <a:rPr lang="zh-TW" altLang="en-US" sz="5400" b="1" dirty="0">
-                <a:solidFill>
-                  <a:srgbClr val="660033"/>
-                </a:solidFill>
-                <a:latin typeface="微軟正黑體" pitchFamily="34" charset="-120"/>
-                <a:ea typeface="微軟正黑體" pitchFamily="34" charset="-120"/>
-              </a:rPr>
-              <a:t>我</a:t>
-            </a:r>
-            <a:r>
-              <a:rPr lang="zh-TW" altLang="en-US" sz="5400" b="1" dirty="0" smtClean="0">
-                <a:solidFill>
-                  <a:srgbClr val="660033"/>
-                </a:solidFill>
-                <a:latin typeface="微軟正黑體" pitchFamily="34" charset="-120"/>
-                <a:ea typeface="微軟正黑體" pitchFamily="34" charset="-120"/>
-              </a:rPr>
-              <a:t>生命</a:t>
-            </a:r>
-            <a:endParaRPr lang="zh-TW" altLang="en-US" sz="5400" b="1" dirty="0">
-              <a:solidFill>
-                <a:srgbClr val="660033"/>
-              </a:solidFill>
-              <a:latin typeface="微軟正黑體" pitchFamily="34" charset="-120"/>
-              <a:ea typeface="微軟正黑體" pitchFamily="34" charset="-120"/>
-            </a:endParaRPr>
-          </a:p>
-        </p:txBody>
-      </p:sp>
-    </p:spTree>
-  </p:cSld>
-  <p:clrMapOvr>
-    <a:masterClrMapping/>
-  </p:clrMapOvr>
-</p:sld>
-</file>
-
-<file path=ppt/slides/slide11.xml><?xml version="1.0" encoding="utf-8"?>
-<p:sld xmlns:a="http://schemas.openxmlformats.org/drawingml/2006/main" xmlns:r="http://schemas.openxmlformats.org/officeDocument/2006/relationships" xmlns:p="http://schemas.openxmlformats.org/presentationml/2006/main">
-  <p:cSld>
-    <p:spTree>
-      <p:nvGrpSpPr>
-        <p:cNvPr id="1" name=""/>
-        <p:cNvGrpSpPr/>
-        <p:nvPr/>
-      </p:nvGrpSpPr>
-      <p:grpSpPr>
-        <a:xfrm>
-          <a:off x="0" y="0"/>
-          <a:ext cx="0" cy="0"/>
-          <a:chOff x="0" y="0"/>
-          <a:chExt cx="0" cy="0"/>
-        </a:xfrm>
-      </p:grpSpPr>
-      <p:sp>
-        <p:nvSpPr>
-          <p:cNvPr id="2" name="標題 1"/>
-          <p:cNvSpPr>
-            <a:spLocks noGrp="1"/>
-          </p:cNvSpPr>
-          <p:nvPr>
-            <p:ph type="title"/>
-          </p:nvPr>
-        </p:nvSpPr>
-        <p:spPr/>
-        <p:txBody>
-          <a:bodyPr/>
-          <a:lstStyle/>
-          <a:p>
-            <a:r>
-              <a:rPr lang="zh-TW" altLang="en-US" b="1" dirty="0">
-                <a:solidFill>
-                  <a:srgbClr val="660033"/>
-                </a:solidFill>
-                <a:latin typeface="微軟正黑體" pitchFamily="34" charset="-120"/>
-                <a:ea typeface="微軟正黑體" pitchFamily="34" charset="-120"/>
-              </a:rPr>
-              <a:t>每一天我需要你</a:t>
-            </a:r>
-          </a:p>
-        </p:txBody>
-      </p:sp>
-      <p:sp>
-        <p:nvSpPr>
-          <p:cNvPr id="3" name="內容版面配置區 2"/>
-          <p:cNvSpPr>
-            <a:spLocks noGrp="1"/>
-          </p:cNvSpPr>
-          <p:nvPr>
-            <p:ph idx="1"/>
-          </p:nvPr>
-        </p:nvSpPr>
-        <p:spPr>
-          <a:xfrm>
-            <a:off x="0" y="1200151"/>
-            <a:ext cx="9144000" cy="3394472"/>
-          </a:xfrm>
-        </p:spPr>
-        <p:txBody>
-          <a:bodyPr>
-            <a:noAutofit/>
-          </a:bodyPr>
-          <a:lstStyle/>
-          <a:p>
-            <a:pPr algn="ctr">
-              <a:buNone/>
-            </a:pPr>
-            <a:r>
-              <a:rPr lang="zh-TW" altLang="en-US" sz="5400" b="1" dirty="0">
-                <a:solidFill>
-                  <a:srgbClr val="660033"/>
-                </a:solidFill>
-                <a:latin typeface="微軟正黑體" pitchFamily="34" charset="-120"/>
-                <a:ea typeface="微軟正黑體" pitchFamily="34" charset="-120"/>
-              </a:rPr>
-              <a:t>每一天   我需要你</a:t>
-            </a:r>
-            <a:endParaRPr lang="en-US" altLang="zh-TW" sz="5400" b="1" dirty="0">
-              <a:solidFill>
-                <a:srgbClr val="660033"/>
-              </a:solidFill>
-              <a:latin typeface="微軟正黑體" pitchFamily="34" charset="-120"/>
-              <a:ea typeface="微軟正黑體" pitchFamily="34" charset="-120"/>
-            </a:endParaRPr>
-          </a:p>
-          <a:p>
-            <a:pPr algn="ctr">
-              <a:buNone/>
-            </a:pPr>
-            <a:r>
-              <a:rPr lang="zh-TW" altLang="en-US" sz="5400" b="1" dirty="0">
-                <a:solidFill>
-                  <a:srgbClr val="660033"/>
-                </a:solidFill>
-                <a:latin typeface="微軟正黑體" pitchFamily="34" charset="-120"/>
-                <a:ea typeface="微軟正黑體" pitchFamily="34" charset="-120"/>
-              </a:rPr>
-              <a:t>你話語如甘霖</a:t>
-            </a:r>
-            <a:endParaRPr lang="en-US" altLang="zh-TW" sz="5400" b="1" dirty="0">
-              <a:solidFill>
-                <a:srgbClr val="660033"/>
-              </a:solidFill>
-              <a:latin typeface="微軟正黑體" pitchFamily="34" charset="-120"/>
-              <a:ea typeface="微軟正黑體" pitchFamily="34" charset="-120"/>
-            </a:endParaRPr>
-          </a:p>
-          <a:p>
-            <a:pPr algn="ctr">
-              <a:buNone/>
-            </a:pPr>
-            <a:r>
-              <a:rPr lang="zh-TW" altLang="en-US" sz="5400" b="1" dirty="0">
-                <a:solidFill>
-                  <a:srgbClr val="660033"/>
-                </a:solidFill>
-                <a:latin typeface="微軟正黑體" pitchFamily="34" charset="-120"/>
-                <a:ea typeface="微軟正黑體" pitchFamily="34" charset="-120"/>
-              </a:rPr>
-              <a:t>每時刻</a:t>
-            </a:r>
-            <a:endParaRPr lang="en-US" altLang="zh-TW" sz="5400" b="1" dirty="0">
-              <a:solidFill>
-                <a:srgbClr val="660033"/>
-              </a:solidFill>
-              <a:latin typeface="微軟正黑體" pitchFamily="34" charset="-120"/>
-              <a:ea typeface="微軟正黑體" pitchFamily="34" charset="-120"/>
-            </a:endParaRPr>
-          </a:p>
-          <a:p>
-            <a:pPr algn="ctr">
-              <a:buNone/>
-            </a:pPr>
-            <a:r>
-              <a:rPr lang="zh-TW" altLang="en-US" sz="5400" b="1" dirty="0">
-                <a:solidFill>
-                  <a:srgbClr val="660033"/>
-                </a:solidFill>
-                <a:latin typeface="微軟正黑體" pitchFamily="34" charset="-120"/>
-                <a:ea typeface="微軟正黑體" pitchFamily="34" charset="-120"/>
-              </a:rPr>
-              <a:t>我需要你聖靈如雨降臨</a:t>
-            </a:r>
-          </a:p>
-        </p:txBody>
-      </p:sp>
-    </p:spTree>
-  </p:cSld>
-  <p:clrMapOvr>
-    <a:masterClrMapping/>
-  </p:clrMapOvr>
-</p:sld>
-</file>
-
-<file path=ppt/slides/slide12.xml><?xml version="1.0" encoding="utf-8"?>
-<p:sld xmlns:a="http://schemas.openxmlformats.org/drawingml/2006/main" xmlns:r="http://schemas.openxmlformats.org/officeDocument/2006/relationships" xmlns:p="http://schemas.openxmlformats.org/presentationml/2006/main">
-  <p:cSld>
-    <p:spTree>
-      <p:nvGrpSpPr>
-        <p:cNvPr id="1" name=""/>
-        <p:cNvGrpSpPr/>
-        <p:nvPr/>
-      </p:nvGrpSpPr>
-      <p:grpSpPr>
-        <a:xfrm>
-          <a:off x="0" y="0"/>
-          <a:ext cx="0" cy="0"/>
-          <a:chOff x="0" y="0"/>
-          <a:chExt cx="0" cy="0"/>
-        </a:xfrm>
-      </p:grpSpPr>
-      <p:sp>
-        <p:nvSpPr>
-          <p:cNvPr id="2" name="標題 1"/>
-          <p:cNvSpPr>
-            <a:spLocks noGrp="1"/>
-          </p:cNvSpPr>
-          <p:nvPr>
-            <p:ph type="title"/>
-          </p:nvPr>
-        </p:nvSpPr>
-        <p:spPr/>
-        <p:txBody>
-          <a:bodyPr/>
-          <a:lstStyle/>
-          <a:p>
-            <a:r>
-              <a:rPr lang="zh-TW" altLang="en-US" b="1" dirty="0">
-                <a:solidFill>
-                  <a:srgbClr val="660033"/>
-                </a:solidFill>
-                <a:latin typeface="微軟正黑體" pitchFamily="34" charset="-120"/>
-                <a:ea typeface="微軟正黑體" pitchFamily="34" charset="-120"/>
-              </a:rPr>
-              <a:t>每一天我需要你</a:t>
-            </a:r>
-          </a:p>
-        </p:txBody>
-      </p:sp>
-      <p:sp>
-        <p:nvSpPr>
-          <p:cNvPr id="3" name="內容版面配置區 2"/>
-          <p:cNvSpPr>
-            <a:spLocks noGrp="1"/>
-          </p:cNvSpPr>
-          <p:nvPr>
-            <p:ph idx="1"/>
-          </p:nvPr>
-        </p:nvSpPr>
-        <p:spPr>
-          <a:xfrm>
-            <a:off x="0" y="1000114"/>
-            <a:ext cx="9144000" cy="3594509"/>
-          </a:xfrm>
-        </p:spPr>
-        <p:txBody>
-          <a:bodyPr>
-            <a:noAutofit/>
-          </a:bodyPr>
-          <a:lstStyle/>
-          <a:p>
-            <a:pPr algn="ctr">
-              <a:buNone/>
-            </a:pPr>
-            <a:r>
-              <a:rPr lang="zh-TW" altLang="en-US" sz="4400" b="1" dirty="0">
-                <a:solidFill>
-                  <a:srgbClr val="660033"/>
-                </a:solidFill>
-                <a:latin typeface="微軟正黑體" pitchFamily="34" charset="-120"/>
-                <a:ea typeface="微軟正黑體" pitchFamily="34" charset="-120"/>
-              </a:rPr>
-              <a:t>這是我的禱告  願我生命單單</a:t>
-            </a:r>
-            <a:endParaRPr lang="en-US" altLang="zh-TW" sz="4400" b="1" dirty="0">
-              <a:solidFill>
-                <a:srgbClr val="660033"/>
-              </a:solidFill>
-              <a:latin typeface="微軟正黑體" pitchFamily="34" charset="-120"/>
-              <a:ea typeface="微軟正黑體" pitchFamily="34" charset="-120"/>
-            </a:endParaRPr>
-          </a:p>
-          <a:p>
-            <a:pPr algn="ctr">
-              <a:buNone/>
-            </a:pPr>
-            <a:r>
-              <a:rPr lang="zh-TW" altLang="en-US" sz="4400" b="1" dirty="0">
-                <a:solidFill>
-                  <a:srgbClr val="660033"/>
-                </a:solidFill>
-                <a:latin typeface="微軟正黑體" pitchFamily="34" charset="-120"/>
-                <a:ea typeface="微軟正黑體" pitchFamily="34" charset="-120"/>
-              </a:rPr>
-              <a:t>歸榮耀給你耶穌</a:t>
-            </a:r>
-            <a:endParaRPr lang="en-US" altLang="zh-TW" sz="4400" b="1" dirty="0">
-              <a:solidFill>
-                <a:srgbClr val="660033"/>
-              </a:solidFill>
-              <a:latin typeface="微軟正黑體" pitchFamily="34" charset="-120"/>
-              <a:ea typeface="微軟正黑體" pitchFamily="34" charset="-120"/>
-            </a:endParaRPr>
-          </a:p>
-          <a:p>
-            <a:pPr algn="ctr">
-              <a:buNone/>
-            </a:pPr>
-            <a:r>
-              <a:rPr lang="zh-TW" altLang="en-US" sz="4400" b="1" dirty="0">
-                <a:solidFill>
-                  <a:srgbClr val="660033"/>
-                </a:solidFill>
-                <a:latin typeface="微軟正黑體" pitchFamily="34" charset="-120"/>
-                <a:ea typeface="微軟正黑體" pitchFamily="34" charset="-120"/>
-              </a:rPr>
-              <a:t>這是我的呼求</a:t>
-            </a:r>
-            <a:endParaRPr lang="en-US" altLang="zh-TW" sz="4400" b="1" dirty="0">
-              <a:solidFill>
-                <a:srgbClr val="660033"/>
-              </a:solidFill>
-              <a:latin typeface="微軟正黑體" pitchFamily="34" charset="-120"/>
-              <a:ea typeface="微軟正黑體" pitchFamily="34" charset="-120"/>
-            </a:endParaRPr>
-          </a:p>
-          <a:p>
-            <a:pPr algn="ctr">
-              <a:buNone/>
-            </a:pPr>
-            <a:r>
-              <a:rPr lang="zh-TW" altLang="en-US" sz="4400" b="1" dirty="0">
-                <a:solidFill>
-                  <a:srgbClr val="660033"/>
-                </a:solidFill>
-                <a:latin typeface="微軟正黑體" pitchFamily="34" charset="-120"/>
-                <a:ea typeface="微軟正黑體" pitchFamily="34" charset="-120"/>
-              </a:rPr>
-              <a:t>每天都更愛你</a:t>
-            </a:r>
-            <a:endParaRPr lang="en-US" altLang="zh-TW" sz="4400" b="1" dirty="0">
-              <a:solidFill>
-                <a:srgbClr val="660033"/>
-              </a:solidFill>
-              <a:latin typeface="微軟正黑體" pitchFamily="34" charset="-120"/>
-              <a:ea typeface="微軟正黑體" pitchFamily="34" charset="-120"/>
-            </a:endParaRPr>
-          </a:p>
-          <a:p>
-            <a:pPr algn="ctr">
-              <a:buNone/>
-            </a:pPr>
-            <a:r>
-              <a:rPr lang="zh-TW" altLang="en-US" sz="4400" b="1" dirty="0">
-                <a:solidFill>
-                  <a:srgbClr val="660033"/>
-                </a:solidFill>
-                <a:latin typeface="微軟正黑體" pitchFamily="34" charset="-120"/>
-                <a:ea typeface="微軟正黑體" pitchFamily="34" charset="-120"/>
-              </a:rPr>
-              <a:t>永不失去起初愛你的心</a:t>
-            </a:r>
-          </a:p>
-        </p:txBody>
-      </p:sp>
-    </p:spTree>
-  </p:cSld>
-  <p:clrMapOvr>
-    <a:masterClrMapping/>
-  </p:clrMapOvr>
-</p:sld>
-</file>
-
-<file path=ppt/slides/slide13.xml><?xml version="1.0" encoding="utf-8"?>
-<p:sld xmlns:a="http://schemas.openxmlformats.org/drawingml/2006/main" xmlns:r="http://schemas.openxmlformats.org/officeDocument/2006/relationships" xmlns:p="http://schemas.openxmlformats.org/presentationml/2006/main">
-  <p:cSld>
-    <p:spTree>
-      <p:nvGrpSpPr>
-        <p:cNvPr id="1" name=""/>
-        <p:cNvGrpSpPr/>
-        <p:nvPr/>
-      </p:nvGrpSpPr>
-      <p:grpSpPr>
-        <a:xfrm>
-          <a:off x="0" y="0"/>
-          <a:ext cx="0" cy="0"/>
-          <a:chOff x="0" y="0"/>
-          <a:chExt cx="0" cy="0"/>
-        </a:xfrm>
-      </p:grpSpPr>
-      <p:sp>
-        <p:nvSpPr>
-          <p:cNvPr id="2" name="標題 1"/>
-          <p:cNvSpPr>
-            <a:spLocks noGrp="1"/>
-          </p:cNvSpPr>
-          <p:nvPr>
-            <p:ph type="title"/>
-          </p:nvPr>
-        </p:nvSpPr>
-        <p:spPr/>
-        <p:txBody>
-          <a:bodyPr/>
-          <a:lstStyle/>
-          <a:p>
-            <a:r>
-              <a:rPr lang="zh-TW" altLang="en-US" b="1" dirty="0">
-                <a:solidFill>
-                  <a:srgbClr val="660033"/>
-                </a:solidFill>
-                <a:latin typeface="微軟正黑體" pitchFamily="34" charset="-120"/>
-                <a:ea typeface="微軟正黑體" pitchFamily="34" charset="-120"/>
-              </a:rPr>
-              <a:t>每一天我需要你</a:t>
-            </a:r>
-          </a:p>
-        </p:txBody>
-      </p:sp>
-      <p:sp>
-        <p:nvSpPr>
-          <p:cNvPr id="3" name="內容版面配置區 2"/>
-          <p:cNvSpPr>
-            <a:spLocks noGrp="1"/>
-          </p:cNvSpPr>
-          <p:nvPr>
-            <p:ph idx="1"/>
-          </p:nvPr>
-        </p:nvSpPr>
-        <p:spPr>
-          <a:xfrm>
-            <a:off x="0" y="1200151"/>
-            <a:ext cx="9144000" cy="3394472"/>
-          </a:xfrm>
-        </p:spPr>
-        <p:txBody>
-          <a:bodyPr>
-            <a:noAutofit/>
-          </a:bodyPr>
-          <a:lstStyle/>
-          <a:p>
-            <a:pPr algn="ctr">
-              <a:buNone/>
-            </a:pPr>
-            <a:r>
-              <a:rPr lang="zh-TW" altLang="en-US" sz="5400" b="1" dirty="0">
-                <a:solidFill>
-                  <a:srgbClr val="660033"/>
-                </a:solidFill>
-                <a:latin typeface="微軟正黑體" pitchFamily="34" charset="-120"/>
-                <a:ea typeface="微軟正黑體" pitchFamily="34" charset="-120"/>
-              </a:rPr>
-              <a:t>每一天   我需要你</a:t>
-            </a:r>
-            <a:endParaRPr lang="en-US" altLang="zh-TW" sz="5400" b="1" dirty="0">
-              <a:solidFill>
-                <a:srgbClr val="660033"/>
-              </a:solidFill>
-              <a:latin typeface="微軟正黑體" pitchFamily="34" charset="-120"/>
-              <a:ea typeface="微軟正黑體" pitchFamily="34" charset="-120"/>
-            </a:endParaRPr>
-          </a:p>
-          <a:p>
-            <a:pPr algn="ctr">
-              <a:buNone/>
-            </a:pPr>
-            <a:r>
-              <a:rPr lang="zh-TW" altLang="en-US" sz="5400" b="1" dirty="0">
-                <a:solidFill>
-                  <a:srgbClr val="660033"/>
-                </a:solidFill>
-                <a:latin typeface="微軟正黑體" pitchFamily="34" charset="-120"/>
-                <a:ea typeface="微軟正黑體" pitchFamily="34" charset="-120"/>
-              </a:rPr>
-              <a:t>你話語如甘霖</a:t>
-            </a:r>
-            <a:endParaRPr lang="en-US" altLang="zh-TW" sz="5400" b="1" dirty="0">
-              <a:solidFill>
-                <a:srgbClr val="660033"/>
-              </a:solidFill>
-              <a:latin typeface="微軟正黑體" pitchFamily="34" charset="-120"/>
-              <a:ea typeface="微軟正黑體" pitchFamily="34" charset="-120"/>
-            </a:endParaRPr>
-          </a:p>
-          <a:p>
-            <a:pPr algn="ctr">
-              <a:buNone/>
-            </a:pPr>
-            <a:r>
-              <a:rPr lang="zh-TW" altLang="en-US" sz="5400" b="1" dirty="0">
-                <a:solidFill>
-                  <a:srgbClr val="660033"/>
-                </a:solidFill>
-                <a:latin typeface="微軟正黑體" pitchFamily="34" charset="-120"/>
-                <a:ea typeface="微軟正黑體" pitchFamily="34" charset="-120"/>
-              </a:rPr>
-              <a:t>每時刻</a:t>
-            </a:r>
-            <a:endParaRPr lang="en-US" altLang="zh-TW" sz="5400" b="1" dirty="0">
-              <a:solidFill>
-                <a:srgbClr val="660033"/>
-              </a:solidFill>
-              <a:latin typeface="微軟正黑體" pitchFamily="34" charset="-120"/>
-              <a:ea typeface="微軟正黑體" pitchFamily="34" charset="-120"/>
-            </a:endParaRPr>
-          </a:p>
-          <a:p>
-            <a:pPr algn="ctr">
-              <a:buNone/>
-            </a:pPr>
-            <a:r>
-              <a:rPr lang="zh-TW" altLang="en-US" sz="5400" b="1" dirty="0">
-                <a:solidFill>
-                  <a:srgbClr val="660033"/>
-                </a:solidFill>
-                <a:latin typeface="微軟正黑體" pitchFamily="34" charset="-120"/>
-                <a:ea typeface="微軟正黑體" pitchFamily="34" charset="-120"/>
-              </a:rPr>
-              <a:t>我需要你聖靈如雨降臨</a:t>
-            </a:r>
-          </a:p>
-        </p:txBody>
-      </p:sp>
-    </p:spTree>
-  </p:cSld>
-  <p:clrMapOvr>
-    <a:masterClrMapping/>
-  </p:clrMapOvr>
-</p:sld>
-</file>
-
-<file path=ppt/slides/slide14.xml><?xml version="1.0" encoding="utf-8"?>
-<p:sld xmlns:a="http://schemas.openxmlformats.org/drawingml/2006/main" xmlns:r="http://schemas.openxmlformats.org/officeDocument/2006/relationships" xmlns:p="http://schemas.openxmlformats.org/presentationml/2006/main">
-  <p:cSld>
-    <p:spTree>
-      <p:nvGrpSpPr>
-        <p:cNvPr id="1" name=""/>
-        <p:cNvGrpSpPr/>
-        <p:nvPr/>
-      </p:nvGrpSpPr>
-      <p:grpSpPr>
-        <a:xfrm>
-          <a:off x="0" y="0"/>
-          <a:ext cx="0" cy="0"/>
-          <a:chOff x="0" y="0"/>
-          <a:chExt cx="0" cy="0"/>
-        </a:xfrm>
-      </p:grpSpPr>
-      <p:sp>
-        <p:nvSpPr>
-          <p:cNvPr id="2" name="標題 1"/>
-          <p:cNvSpPr>
-            <a:spLocks noGrp="1"/>
-          </p:cNvSpPr>
-          <p:nvPr>
-            <p:ph type="title"/>
-          </p:nvPr>
-        </p:nvSpPr>
-        <p:spPr/>
-        <p:txBody>
-          <a:bodyPr/>
-          <a:lstStyle/>
-          <a:p>
-            <a:r>
-              <a:rPr lang="zh-TW" altLang="en-US" b="1" dirty="0">
-                <a:solidFill>
-                  <a:srgbClr val="660033"/>
-                </a:solidFill>
-                <a:latin typeface="微軟正黑體" pitchFamily="34" charset="-120"/>
-                <a:ea typeface="微軟正黑體" pitchFamily="34" charset="-120"/>
-              </a:rPr>
-              <a:t>每一天我需要你</a:t>
-            </a:r>
-          </a:p>
-        </p:txBody>
-      </p:sp>
-      <p:sp>
-        <p:nvSpPr>
-          <p:cNvPr id="3" name="內容版面配置區 2"/>
-          <p:cNvSpPr>
-            <a:spLocks noGrp="1"/>
-          </p:cNvSpPr>
-          <p:nvPr>
-            <p:ph idx="1"/>
-          </p:nvPr>
-        </p:nvSpPr>
-        <p:spPr>
-          <a:xfrm>
-            <a:off x="0" y="1200151"/>
-            <a:ext cx="9144000" cy="3394472"/>
-          </a:xfrm>
-        </p:spPr>
-        <p:txBody>
-          <a:bodyPr>
-            <a:noAutofit/>
-          </a:bodyPr>
-          <a:lstStyle/>
-          <a:p>
-            <a:pPr algn="ctr">
-              <a:buNone/>
-            </a:pPr>
-            <a:r>
-              <a:rPr lang="zh-TW" altLang="en-US" sz="5400" b="1" dirty="0">
-                <a:solidFill>
-                  <a:srgbClr val="660033"/>
-                </a:solidFill>
-                <a:latin typeface="微軟正黑體" pitchFamily="34" charset="-120"/>
-                <a:ea typeface="微軟正黑體" pitchFamily="34" charset="-120"/>
-              </a:rPr>
-              <a:t>每一天   我需要你</a:t>
-            </a:r>
-            <a:endParaRPr lang="en-US" altLang="zh-TW" sz="5400" b="1" dirty="0">
-              <a:solidFill>
-                <a:srgbClr val="660033"/>
-              </a:solidFill>
-              <a:latin typeface="微軟正黑體" pitchFamily="34" charset="-120"/>
-              <a:ea typeface="微軟正黑體" pitchFamily="34" charset="-120"/>
-            </a:endParaRPr>
-          </a:p>
-          <a:p>
-            <a:pPr algn="ctr">
-              <a:buNone/>
-            </a:pPr>
-            <a:r>
-              <a:rPr lang="zh-TW" altLang="en-US" sz="5400" b="1" dirty="0">
-                <a:solidFill>
-                  <a:srgbClr val="660033"/>
-                </a:solidFill>
-                <a:latin typeface="微軟正黑體" pitchFamily="34" charset="-120"/>
-                <a:ea typeface="微軟正黑體" pitchFamily="34" charset="-120"/>
-              </a:rPr>
-              <a:t>你話語如甘霖</a:t>
-            </a:r>
-            <a:endParaRPr lang="en-US" altLang="zh-TW" sz="5400" b="1" dirty="0">
-              <a:solidFill>
-                <a:srgbClr val="660033"/>
-              </a:solidFill>
-              <a:latin typeface="微軟正黑體" pitchFamily="34" charset="-120"/>
-              <a:ea typeface="微軟正黑體" pitchFamily="34" charset="-120"/>
-            </a:endParaRPr>
-          </a:p>
-          <a:p>
-            <a:pPr algn="ctr">
-              <a:buNone/>
-            </a:pPr>
-            <a:r>
-              <a:rPr lang="zh-TW" altLang="en-US" sz="5400" b="1" dirty="0">
-                <a:solidFill>
-                  <a:srgbClr val="660033"/>
-                </a:solidFill>
-                <a:latin typeface="微軟正黑體" pitchFamily="34" charset="-120"/>
-                <a:ea typeface="微軟正黑體" pitchFamily="34" charset="-120"/>
-              </a:rPr>
-              <a:t>每時刻</a:t>
-            </a:r>
-            <a:endParaRPr lang="en-US" altLang="zh-TW" sz="5400" b="1" dirty="0">
-              <a:solidFill>
-                <a:srgbClr val="660033"/>
-              </a:solidFill>
-              <a:latin typeface="微軟正黑體" pitchFamily="34" charset="-120"/>
-              <a:ea typeface="微軟正黑體" pitchFamily="34" charset="-120"/>
-            </a:endParaRPr>
-          </a:p>
-          <a:p>
-            <a:pPr algn="ctr">
-              <a:buNone/>
-            </a:pPr>
-            <a:r>
-              <a:rPr lang="zh-TW" altLang="en-US" sz="5400" b="1" dirty="0">
-                <a:solidFill>
-                  <a:srgbClr val="660033"/>
-                </a:solidFill>
-                <a:latin typeface="微軟正黑體" pitchFamily="34" charset="-120"/>
-                <a:ea typeface="微軟正黑體" pitchFamily="34" charset="-120"/>
-              </a:rPr>
-              <a:t>我需要你聖靈如雨降臨</a:t>
-            </a:r>
-          </a:p>
-        </p:txBody>
-      </p:sp>
-    </p:spTree>
-  </p:cSld>
-  <p:clrMapOvr>
-    <a:masterClrMapping/>
-  </p:clrMapOvr>
-</p:sld>
-</file>
-
-<file path=ppt/slides/slide15.xml><?xml version="1.0" encoding="utf-8"?>
-<p:sld xmlns:a="http://schemas.openxmlformats.org/drawingml/2006/main" xmlns:r="http://schemas.openxmlformats.org/officeDocument/2006/relationships" xmlns:p="http://schemas.openxmlformats.org/presentationml/2006/main">
-  <p:cSld>
-    <p:spTree>
-      <p:nvGrpSpPr>
-        <p:cNvPr id="1" name=""/>
-        <p:cNvGrpSpPr/>
-        <p:nvPr/>
-      </p:nvGrpSpPr>
-      <p:grpSpPr>
-        <a:xfrm>
-          <a:off x="0" y="0"/>
-          <a:ext cx="0" cy="0"/>
-          <a:chOff x="0" y="0"/>
-          <a:chExt cx="0" cy="0"/>
-        </a:xfrm>
-      </p:grpSpPr>
-      <p:sp>
-        <p:nvSpPr>
-          <p:cNvPr id="2" name="標題 1"/>
-          <p:cNvSpPr>
-            <a:spLocks noGrp="1"/>
-          </p:cNvSpPr>
-          <p:nvPr>
-            <p:ph type="title"/>
-          </p:nvPr>
-        </p:nvSpPr>
-        <p:spPr/>
-        <p:txBody>
-          <a:bodyPr/>
-          <a:lstStyle/>
-          <a:p>
-            <a:r>
-              <a:rPr lang="zh-TW" altLang="en-US" b="1" dirty="0">
-                <a:solidFill>
-                  <a:srgbClr val="660033"/>
-                </a:solidFill>
-                <a:latin typeface="微軟正黑體" pitchFamily="34" charset="-120"/>
-                <a:ea typeface="微軟正黑體" pitchFamily="34" charset="-120"/>
-              </a:rPr>
-              <a:t>每一天我需要你</a:t>
-            </a:r>
-          </a:p>
-        </p:txBody>
-      </p:sp>
-      <p:sp>
-        <p:nvSpPr>
-          <p:cNvPr id="3" name="內容版面配置區 2"/>
-          <p:cNvSpPr>
-            <a:spLocks noGrp="1"/>
-          </p:cNvSpPr>
-          <p:nvPr>
-            <p:ph idx="1"/>
-          </p:nvPr>
-        </p:nvSpPr>
-        <p:spPr>
-          <a:xfrm>
-            <a:off x="0" y="1000114"/>
-            <a:ext cx="9144000" cy="3594509"/>
-          </a:xfrm>
-        </p:spPr>
-        <p:txBody>
-          <a:bodyPr>
-            <a:noAutofit/>
-          </a:bodyPr>
-          <a:lstStyle/>
-          <a:p>
-            <a:pPr algn="ctr">
-              <a:buNone/>
-            </a:pPr>
-            <a:r>
-              <a:rPr lang="zh-TW" altLang="en-US" sz="4400" b="1" dirty="0">
-                <a:solidFill>
-                  <a:srgbClr val="660033"/>
-                </a:solidFill>
-                <a:latin typeface="微軟正黑體" pitchFamily="34" charset="-120"/>
-                <a:ea typeface="微軟正黑體" pitchFamily="34" charset="-120"/>
-              </a:rPr>
-              <a:t>這是我的禱告  願我生命單單</a:t>
-            </a:r>
-            <a:endParaRPr lang="en-US" altLang="zh-TW" sz="4400" b="1" dirty="0">
-              <a:solidFill>
-                <a:srgbClr val="660033"/>
-              </a:solidFill>
-              <a:latin typeface="微軟正黑體" pitchFamily="34" charset="-120"/>
-              <a:ea typeface="微軟正黑體" pitchFamily="34" charset="-120"/>
-            </a:endParaRPr>
-          </a:p>
-          <a:p>
-            <a:pPr algn="ctr">
-              <a:buNone/>
-            </a:pPr>
-            <a:r>
-              <a:rPr lang="zh-TW" altLang="en-US" sz="4400" b="1" dirty="0">
-                <a:solidFill>
-                  <a:srgbClr val="660033"/>
-                </a:solidFill>
-                <a:latin typeface="微軟正黑體" pitchFamily="34" charset="-120"/>
-                <a:ea typeface="微軟正黑體" pitchFamily="34" charset="-120"/>
-              </a:rPr>
-              <a:t>歸榮耀給你耶穌</a:t>
-            </a:r>
-            <a:endParaRPr lang="en-US" altLang="zh-TW" sz="4400" b="1" dirty="0">
-              <a:solidFill>
-                <a:srgbClr val="660033"/>
-              </a:solidFill>
-              <a:latin typeface="微軟正黑體" pitchFamily="34" charset="-120"/>
-              <a:ea typeface="微軟正黑體" pitchFamily="34" charset="-120"/>
-            </a:endParaRPr>
-          </a:p>
-          <a:p>
-            <a:pPr algn="ctr">
-              <a:buNone/>
-            </a:pPr>
-            <a:r>
-              <a:rPr lang="zh-TW" altLang="en-US" sz="4400" b="1" dirty="0">
-                <a:solidFill>
-                  <a:srgbClr val="660033"/>
-                </a:solidFill>
-                <a:latin typeface="微軟正黑體" pitchFamily="34" charset="-120"/>
-                <a:ea typeface="微軟正黑體" pitchFamily="34" charset="-120"/>
-              </a:rPr>
-              <a:t>這是我的呼求</a:t>
-            </a:r>
-            <a:endParaRPr lang="en-US" altLang="zh-TW" sz="4400" b="1" dirty="0">
-              <a:solidFill>
-                <a:srgbClr val="660033"/>
-              </a:solidFill>
-              <a:latin typeface="微軟正黑體" pitchFamily="34" charset="-120"/>
-              <a:ea typeface="微軟正黑體" pitchFamily="34" charset="-120"/>
-            </a:endParaRPr>
-          </a:p>
-          <a:p>
-            <a:pPr algn="ctr">
-              <a:buNone/>
-            </a:pPr>
-            <a:r>
-              <a:rPr lang="zh-TW" altLang="en-US" sz="4400" b="1" dirty="0">
-                <a:solidFill>
-                  <a:srgbClr val="660033"/>
-                </a:solidFill>
-                <a:latin typeface="微軟正黑體" pitchFamily="34" charset="-120"/>
-                <a:ea typeface="微軟正黑體" pitchFamily="34" charset="-120"/>
-              </a:rPr>
-              <a:t>每天都更愛你</a:t>
-            </a:r>
-            <a:endParaRPr lang="en-US" altLang="zh-TW" sz="4400" b="1" dirty="0">
-              <a:solidFill>
-                <a:srgbClr val="660033"/>
-              </a:solidFill>
-              <a:latin typeface="微軟正黑體" pitchFamily="34" charset="-120"/>
-              <a:ea typeface="微軟正黑體" pitchFamily="34" charset="-120"/>
-            </a:endParaRPr>
-          </a:p>
-          <a:p>
-            <a:pPr algn="ctr">
-              <a:buNone/>
-            </a:pPr>
-            <a:r>
-              <a:rPr lang="zh-TW" altLang="en-US" sz="4400" b="1" dirty="0">
-                <a:solidFill>
-                  <a:srgbClr val="660033"/>
-                </a:solidFill>
-                <a:latin typeface="微軟正黑體" pitchFamily="34" charset="-120"/>
-                <a:ea typeface="微軟正黑體" pitchFamily="34" charset="-120"/>
-              </a:rPr>
-              <a:t>永不失去起初愛你的心</a:t>
-            </a:r>
-          </a:p>
-        </p:txBody>
-      </p:sp>
-    </p:spTree>
-  </p:cSld>
-  <p:clrMapOvr>
-    <a:masterClrMapping/>
-  </p:clrMapOvr>
-</p:sld>
-</file>
-
-<file path=ppt/slides/slide16.xml><?xml version="1.0" encoding="utf-8"?>
-<p:sld xmlns:a="http://schemas.openxmlformats.org/drawingml/2006/main" xmlns:r="http://schemas.openxmlformats.org/officeDocument/2006/relationships" xmlns:p="http://schemas.openxmlformats.org/presentationml/2006/main">
-  <p:cSld>
-    <p:spTree>
-      <p:nvGrpSpPr>
-        <p:cNvPr id="1" name=""/>
-        <p:cNvGrpSpPr/>
-        <p:nvPr/>
-      </p:nvGrpSpPr>
-      <p:grpSpPr>
-        <a:xfrm>
-          <a:off x="0" y="0"/>
-          <a:ext cx="0" cy="0"/>
-          <a:chOff x="0" y="0"/>
-          <a:chExt cx="0" cy="0"/>
-        </a:xfrm>
-      </p:grpSpPr>
-      <p:sp>
-        <p:nvSpPr>
-          <p:cNvPr id="2" name="標題 1"/>
-          <p:cNvSpPr>
-            <a:spLocks noGrp="1"/>
-          </p:cNvSpPr>
-          <p:nvPr>
-            <p:ph type="title"/>
-          </p:nvPr>
-        </p:nvSpPr>
-        <p:spPr/>
-        <p:txBody>
-          <a:bodyPr/>
-          <a:lstStyle/>
-          <a:p>
-            <a:r>
-              <a:rPr lang="zh-TW" altLang="en-US" b="1" dirty="0">
-                <a:solidFill>
-                  <a:srgbClr val="660033"/>
-                </a:solidFill>
-                <a:latin typeface="微軟正黑體" pitchFamily="34" charset="-120"/>
-                <a:ea typeface="微軟正黑體" pitchFamily="34" charset="-120"/>
-              </a:rPr>
-              <a:t>每一天我需要你</a:t>
-            </a:r>
-          </a:p>
-        </p:txBody>
-      </p:sp>
-      <p:sp>
-        <p:nvSpPr>
-          <p:cNvPr id="3" name="內容版面配置區 2"/>
-          <p:cNvSpPr>
-            <a:spLocks noGrp="1"/>
-          </p:cNvSpPr>
-          <p:nvPr>
-            <p:ph idx="1"/>
-          </p:nvPr>
-        </p:nvSpPr>
-        <p:spPr>
-          <a:xfrm>
-            <a:off x="0" y="1000114"/>
-            <a:ext cx="9144000" cy="3594509"/>
-          </a:xfrm>
-        </p:spPr>
-        <p:txBody>
-          <a:bodyPr>
-            <a:noAutofit/>
-          </a:bodyPr>
-          <a:lstStyle/>
-          <a:p>
-            <a:pPr algn="ctr">
-              <a:buNone/>
-            </a:pPr>
-            <a:r>
-              <a:rPr lang="zh-TW" altLang="en-US" sz="4400" b="1" dirty="0">
-                <a:solidFill>
-                  <a:srgbClr val="660033"/>
-                </a:solidFill>
-                <a:latin typeface="微軟正黑體" pitchFamily="34" charset="-120"/>
-                <a:ea typeface="微軟正黑體" pitchFamily="34" charset="-120"/>
-              </a:rPr>
-              <a:t>這是我的禱告  願我生命單單</a:t>
-            </a:r>
-            <a:endParaRPr lang="en-US" altLang="zh-TW" sz="4400" b="1" dirty="0">
-              <a:solidFill>
-                <a:srgbClr val="660033"/>
-              </a:solidFill>
-              <a:latin typeface="微軟正黑體" pitchFamily="34" charset="-120"/>
-              <a:ea typeface="微軟正黑體" pitchFamily="34" charset="-120"/>
-            </a:endParaRPr>
-          </a:p>
-          <a:p>
-            <a:pPr algn="ctr">
-              <a:buNone/>
-            </a:pPr>
-            <a:r>
-              <a:rPr lang="zh-TW" altLang="en-US" sz="4400" b="1" dirty="0">
-                <a:solidFill>
-                  <a:srgbClr val="660033"/>
-                </a:solidFill>
-                <a:latin typeface="微軟正黑體" pitchFamily="34" charset="-120"/>
-                <a:ea typeface="微軟正黑體" pitchFamily="34" charset="-120"/>
-              </a:rPr>
-              <a:t>歸榮耀給你耶穌</a:t>
-            </a:r>
-            <a:endParaRPr lang="en-US" altLang="zh-TW" sz="4400" b="1" dirty="0">
-              <a:solidFill>
-                <a:srgbClr val="660033"/>
-              </a:solidFill>
-              <a:latin typeface="微軟正黑體" pitchFamily="34" charset="-120"/>
-              <a:ea typeface="微軟正黑體" pitchFamily="34" charset="-120"/>
-            </a:endParaRPr>
-          </a:p>
-          <a:p>
-            <a:pPr algn="ctr">
-              <a:buNone/>
-            </a:pPr>
-            <a:r>
-              <a:rPr lang="zh-TW" altLang="en-US" sz="4400" b="1" dirty="0">
-                <a:solidFill>
-                  <a:srgbClr val="660033"/>
-                </a:solidFill>
-                <a:latin typeface="微軟正黑體" pitchFamily="34" charset="-120"/>
-                <a:ea typeface="微軟正黑體" pitchFamily="34" charset="-120"/>
-              </a:rPr>
-              <a:t>這是我的呼求</a:t>
-            </a:r>
-            <a:endParaRPr lang="en-US" altLang="zh-TW" sz="4400" b="1" dirty="0">
-              <a:solidFill>
-                <a:srgbClr val="660033"/>
-              </a:solidFill>
-              <a:latin typeface="微軟正黑體" pitchFamily="34" charset="-120"/>
-              <a:ea typeface="微軟正黑體" pitchFamily="34" charset="-120"/>
-            </a:endParaRPr>
-          </a:p>
-          <a:p>
-            <a:pPr algn="ctr">
-              <a:buNone/>
-            </a:pPr>
-            <a:r>
-              <a:rPr lang="zh-TW" altLang="en-US" sz="4400" b="1" dirty="0">
-                <a:solidFill>
-                  <a:srgbClr val="660033"/>
-                </a:solidFill>
-                <a:latin typeface="微軟正黑體" pitchFamily="34" charset="-120"/>
-                <a:ea typeface="微軟正黑體" pitchFamily="34" charset="-120"/>
-              </a:rPr>
-              <a:t>每天都更愛你</a:t>
-            </a:r>
-            <a:endParaRPr lang="en-US" altLang="zh-TW" sz="4400" b="1" dirty="0">
-              <a:solidFill>
-                <a:srgbClr val="660033"/>
-              </a:solidFill>
-              <a:latin typeface="微軟正黑體" pitchFamily="34" charset="-120"/>
-              <a:ea typeface="微軟正黑體" pitchFamily="34" charset="-120"/>
-            </a:endParaRPr>
-          </a:p>
-          <a:p>
-            <a:pPr algn="ctr">
-              <a:buNone/>
-            </a:pPr>
-            <a:r>
-              <a:rPr lang="zh-TW" altLang="en-US" sz="4400" b="1" dirty="0">
-                <a:solidFill>
-                  <a:srgbClr val="660033"/>
-                </a:solidFill>
-                <a:latin typeface="微軟正黑體" pitchFamily="34" charset="-120"/>
-                <a:ea typeface="微軟正黑體" pitchFamily="34" charset="-120"/>
-              </a:rPr>
-              <a:t>永不失去起初愛你的心</a:t>
-            </a:r>
-          </a:p>
-        </p:txBody>
-      </p:sp>
-    </p:spTree>
   </p:cSld>
   <p:clrMapOvr>
     <a:masterClrMapping/>
@@ -4585,93 +3197,62 @@
       </p:grpSpPr>
       <p:sp>
         <p:nvSpPr>
-          <p:cNvPr id="2" name="Title 1"/>
-          <p:cNvSpPr>
-            <a:spLocks noGrp="1"/>
-          </p:cNvSpPr>
-          <p:nvPr>
-            <p:ph type="title"/>
+          <p:cNvPr id="5" name="內容版面配置區 4"/>
+          <p:cNvSpPr>
+            <a:spLocks noGrp="1"/>
+          </p:cNvSpPr>
+          <p:nvPr>
+            <p:ph idx="1"/>
           </p:nvPr>
         </p:nvSpPr>
         <p:spPr>
           <a:xfrm>
-            <a:off x="0" y="267494"/>
-            <a:ext cx="9144000" cy="696521"/>
+            <a:off x="0" y="1563638"/>
+            <a:ext cx="9144000" cy="1803647"/>
           </a:xfrm>
         </p:spPr>
         <p:txBody>
-          <a:bodyPr>
-            <a:noAutofit/>
+          <a:bodyPr anchor="ctr">
+            <a:normAutofit/>
           </a:bodyPr>
           <a:lstStyle/>
           <a:p>
-            <a:r>
-              <a:rPr lang="zh-CN" altLang="en-US" sz="4000" b="1" dirty="0" smtClean="0">
-                <a:solidFill>
-                  <a:srgbClr val="002060"/>
-                </a:solidFill>
-                <a:latin typeface="微軟正黑體" pitchFamily="34" charset="-120"/>
-                <a:ea typeface="微軟正黑體" pitchFamily="34" charset="-120"/>
-              </a:rPr>
-              <a:t>你</a:t>
-            </a:r>
-            <a:r>
-              <a:rPr lang="zh-CN" altLang="en-US" sz="4000" b="1" dirty="0">
-                <a:solidFill>
-                  <a:srgbClr val="002060"/>
-                </a:solidFill>
-                <a:latin typeface="微軟正黑體" pitchFamily="34" charset="-120"/>
-                <a:ea typeface="微軟正黑體" pitchFamily="34" charset="-120"/>
-              </a:rPr>
-              <a:t>愛永不變</a:t>
-            </a:r>
-            <a:endParaRPr lang="vi-VN" sz="4000" b="1" dirty="0">
-              <a:solidFill>
-                <a:srgbClr val="002060"/>
-              </a:solidFill>
-              <a:ea typeface="微軟正黑體" pitchFamily="34" charset="-120"/>
-            </a:endParaRPr>
-          </a:p>
-        </p:txBody>
-      </p:sp>
-      <p:sp>
-        <p:nvSpPr>
-          <p:cNvPr id="3" name="Content Placeholder 2"/>
-          <p:cNvSpPr>
-            <a:spLocks noGrp="1"/>
-          </p:cNvSpPr>
-          <p:nvPr>
-            <p:ph idx="1"/>
-          </p:nvPr>
-        </p:nvSpPr>
-        <p:spPr>
-          <a:xfrm>
-            <a:off x="0" y="964395"/>
-            <a:ext cx="9144000" cy="3547325"/>
-          </a:xfrm>
-        </p:spPr>
-        <p:txBody>
-          <a:bodyPr anchor="t">
-            <a:noAutofit/>
-          </a:bodyPr>
-          <a:lstStyle/>
-          <a:p>
             <a:pPr marL="0" indent="0" algn="ctr">
               <a:buNone/>
             </a:pPr>
             <a:r>
+              <a:rPr lang="zh-CN" altLang="en-US" sz="4800" b="1" dirty="0" smtClean="0">
+                <a:solidFill>
+                  <a:srgbClr val="000066"/>
+                </a:solidFill>
+                <a:latin typeface="微軟正黑體" pitchFamily="34" charset="-120"/>
+                <a:ea typeface="微軟正黑體" pitchFamily="34" charset="-120"/>
+              </a:rPr>
+              <a:t>袮</a:t>
+            </a:r>
+            <a:r>
+              <a:rPr lang="zh-TW" altLang="en-US" sz="4800" b="1" dirty="0" smtClean="0">
+                <a:solidFill>
+                  <a:srgbClr val="000066"/>
+                </a:solidFill>
+                <a:latin typeface="微軟正黑體" pitchFamily="34" charset="-120"/>
+                <a:ea typeface="微軟正黑體" pitchFamily="34" charset="-120"/>
+              </a:rPr>
+              <a:t>流</a:t>
+            </a:r>
+            <a:r>
               <a:rPr lang="zh-TW" altLang="en-US" sz="4800" b="1" dirty="0">
                 <a:solidFill>
-                  <a:srgbClr val="002060"/>
-                </a:solidFill>
-                <a:latin typeface="微軟正黑體" pitchFamily="34" charset="-120"/>
-                <a:ea typeface="微軟正黑體" pitchFamily="34" charset="-120"/>
-              </a:rPr>
-              <a:t>我深深體會   你愛的寶貴</a:t>
+                  <a:srgbClr val="000066"/>
+                </a:solidFill>
+                <a:latin typeface="微軟正黑體" pitchFamily="34" charset="-120"/>
+                <a:ea typeface="微軟正黑體" pitchFamily="34" charset="-120"/>
+              </a:rPr>
+              <a:t>出寶血   洗淨我污穢</a:t>
             </a:r>
             <a:endParaRPr lang="en-US" altLang="zh-TW" sz="4800" b="1" dirty="0">
               <a:solidFill>
-                <a:srgbClr val="002060"/>
+                <a:srgbClr val="000066"/>
               </a:solidFill>
               <a:latin typeface="微軟正黑體" pitchFamily="34" charset="-120"/>
               <a:ea typeface="微軟正黑體" pitchFamily="34" charset="-120"/>
@@ -4684,102 +3265,86 @@
             <a:r>
               <a:rPr lang="zh-TW" altLang="en-US" sz="4800" b="1" dirty="0">
                 <a:solidFill>
-                  <a:srgbClr val="002060"/>
-                </a:solidFill>
-                <a:latin typeface="微軟正黑體" pitchFamily="34" charset="-120"/>
-                <a:ea typeface="微軟正黑體" pitchFamily="34" charset="-120"/>
-              </a:rPr>
-              <a:t>獻上自己永追隨</a:t>
-            </a:r>
-            <a:endParaRPr lang="en-US" altLang="zh-TW" sz="4800" b="1" dirty="0">
+                  <a:srgbClr val="000066"/>
+                </a:solidFill>
+                <a:latin typeface="微軟正黑體" pitchFamily="34" charset="-120"/>
+                <a:ea typeface="微軟正黑體" pitchFamily="34" charset="-120"/>
+              </a:rPr>
+              <a:t>將我的生命贖回</a:t>
+            </a:r>
+            <a:endParaRPr lang="en-US" altLang="zh-TW" sz="4800" b="1" dirty="0" smtClean="0">
               <a:solidFill>
-                <a:srgbClr val="002060"/>
+                <a:srgbClr val="000066"/>
               </a:solidFill>
+              <a:effectLst/>
               <a:latin typeface="微軟正黑體" pitchFamily="34" charset="-120"/>
               <a:ea typeface="微軟正黑體" pitchFamily="34" charset="-120"/>
             </a:endParaRPr>
           </a:p>
-          <a:p>
-            <a:pPr marL="0" indent="0" algn="ctr">
-              <a:buNone/>
-            </a:pPr>
-            <a:r>
-              <a:rPr lang="zh-TW" altLang="en-US" sz="4800" b="1" dirty="0">
-                <a:solidFill>
-                  <a:srgbClr val="002060"/>
-                </a:solidFill>
-                <a:latin typeface="微軟正黑體" pitchFamily="34" charset="-120"/>
-                <a:ea typeface="微軟正黑體" pitchFamily="34" charset="-120"/>
-              </a:rPr>
-              <a:t>或傷心或氣</a:t>
-            </a:r>
-            <a:r>
-              <a:rPr lang="zh-TW" altLang="en-US" sz="4800" b="1" dirty="0" smtClean="0">
-                <a:solidFill>
-                  <a:srgbClr val="002060"/>
-                </a:solidFill>
-                <a:latin typeface="微軟正黑體" pitchFamily="34" charset="-120"/>
-                <a:ea typeface="微軟正黑體" pitchFamily="34" charset="-120"/>
-              </a:rPr>
-              <a:t>餒</a:t>
-            </a:r>
-            <a:r>
-              <a:rPr lang="en-US" altLang="zh-TW" sz="4800" b="1" dirty="0" smtClean="0">
-                <a:solidFill>
-                  <a:srgbClr val="002060"/>
-                </a:solidFill>
-                <a:latin typeface="微軟正黑體" pitchFamily="34" charset="-120"/>
-                <a:ea typeface="微軟正黑體" pitchFamily="34" charset="-120"/>
-              </a:rPr>
-              <a:t>  </a:t>
-            </a:r>
-            <a:r>
-              <a:rPr lang="zh-TW" altLang="en-US" sz="4800" b="1" dirty="0" smtClean="0">
-                <a:solidFill>
-                  <a:srgbClr val="002060"/>
-                </a:solidFill>
-                <a:latin typeface="微軟正黑體" pitchFamily="34" charset="-120"/>
-                <a:ea typeface="微軟正黑體" pitchFamily="34" charset="-120"/>
-              </a:rPr>
-              <a:t>或</a:t>
-            </a:r>
-            <a:r>
-              <a:rPr lang="zh-TW" altLang="en-US" sz="4800" b="1" dirty="0">
-                <a:solidFill>
-                  <a:srgbClr val="002060"/>
-                </a:solidFill>
-                <a:latin typeface="微軟正黑體" pitchFamily="34" charset="-120"/>
-                <a:ea typeface="微軟正黑體" pitchFamily="34" charset="-120"/>
-              </a:rPr>
-              <a:t>生離或死別</a:t>
-            </a:r>
-            <a:endParaRPr lang="en-US" altLang="zh-TW" sz="4800" b="1" dirty="0">
+        </p:txBody>
+      </p:sp>
+      <p:sp>
+        <p:nvSpPr>
+          <p:cNvPr id="3" name="TextBox 2"/>
+          <p:cNvSpPr txBox="1"/>
+          <p:nvPr/>
+        </p:nvSpPr>
+        <p:spPr>
+          <a:xfrm>
+            <a:off x="0" y="3813889"/>
+            <a:ext cx="9144000" cy="646331"/>
+          </a:xfrm>
+          <a:prstGeom prst="rect">
+            <a:avLst/>
+          </a:prstGeom>
+          <a:noFill/>
+        </p:spPr>
+        <p:txBody>
+          <a:bodyPr wrap="square" rtlCol="0">
+            <a:spAutoFit/>
+          </a:bodyPr>
+          <a:lstStyle/>
+          <a:p>
+            <a:pPr algn="ctr"/>
+            <a:r>
+              <a:rPr lang="en-US" sz="3600" b="1" dirty="0">
+                <a:solidFill>
+                  <a:srgbClr val="000066"/>
+                </a:solidFill>
+                <a:effectLst/>
+                <a:latin typeface="Microsoft JhengHei" panose="020B0604030504040204" pitchFamily="34" charset="-120"/>
+                <a:ea typeface="Microsoft JhengHei" panose="020B0604030504040204" pitchFamily="34" charset="-120"/>
+              </a:rPr>
+              <a:t>( </a:t>
+            </a:r>
+            <a:r>
+              <a:rPr lang="zh-CN" altLang="en-US" sz="3600" b="1" dirty="0" smtClean="0">
+                <a:solidFill>
+                  <a:srgbClr val="000066"/>
+                </a:solidFill>
+                <a:effectLst/>
+                <a:latin typeface="Microsoft JhengHei" panose="020B0604030504040204" pitchFamily="34" charset="-120"/>
+                <a:ea typeface="Microsoft JhengHei" panose="020B0604030504040204" pitchFamily="34" charset="-120"/>
+              </a:rPr>
+              <a:t>正</a:t>
+            </a:r>
+            <a:r>
+              <a:rPr lang="en-US" sz="3600" b="1" dirty="0" smtClean="0">
+                <a:solidFill>
+                  <a:srgbClr val="000066"/>
+                </a:solidFill>
+                <a:effectLst/>
+                <a:latin typeface="Microsoft JhengHei" panose="020B0604030504040204" pitchFamily="34" charset="-120"/>
+                <a:ea typeface="Microsoft JhengHei" panose="020B0604030504040204" pitchFamily="34" charset="-120"/>
+              </a:rPr>
+              <a:t> 1 )</a:t>
+            </a:r>
+            <a:endParaRPr lang="vi-VN" sz="3600" b="1" dirty="0">
               <a:solidFill>
-                <a:srgbClr val="002060"/>
+                <a:srgbClr val="000066"/>
               </a:solidFill>
-              <a:latin typeface="微軟正黑體" pitchFamily="34" charset="-120"/>
-              <a:ea typeface="微軟正黑體" pitchFamily="34" charset="-120"/>
-            </a:endParaRPr>
-          </a:p>
-          <a:p>
-            <a:pPr marL="0" indent="0" algn="ctr">
-              <a:buNone/>
-            </a:pPr>
-            <a:r>
-              <a:rPr lang="zh-TW" altLang="en-US" sz="4800" b="1" dirty="0">
-                <a:solidFill>
-                  <a:srgbClr val="002060"/>
-                </a:solidFill>
-                <a:latin typeface="微軟正黑體" pitchFamily="34" charset="-120"/>
-                <a:ea typeface="微軟正黑體" pitchFamily="34" charset="-120"/>
-              </a:rPr>
-              <a:t>願剛強壯膽永遠不後退</a:t>
-            </a:r>
-            <a:endParaRPr lang="vi-VN" sz="4800" b="1" dirty="0">
-              <a:solidFill>
-                <a:srgbClr val="002060"/>
-              </a:solidFill>
-              <a:ea typeface="微軟正黑體" pitchFamily="34" charset="-120"/>
+              <a:effectLst/>
+              <a:ea typeface="Microsoft JhengHei" panose="020B0604030504040204" pitchFamily="34" charset="-120"/>
             </a:endParaRPr>
           </a:p>
         </p:txBody>
@@ -4787,20 +3352,13 @@
     </p:spTree>
     <p:extLst>
       <p:ext uri="{BB962C8B-B14F-4D97-AF65-F5344CB8AC3E}">
-        <p14:creationId xmlns:p14="http://schemas.microsoft.com/office/powerpoint/2010/main" xmlns="" val="1138313289"/>
+        <p14:creationId xmlns:p14="http://schemas.microsoft.com/office/powerpoint/2010/main" val="4012161464"/>
       </p:ext>
     </p:extLst>
   </p:cSld>
   <p:clrMapOvr>
     <a:masterClrMapping/>
   </p:clrMapOvr>
-  <p:timing>
-    <p:tnLst>
-      <p:par>
-        <p:cTn id="1" dur="indefinite" restart="never" nodeType="tmRoot"/>
-      </p:par>
-    </p:tnLst>
-  </p:timing>
 </p:sld>
 </file>
 
@@ -4823,104 +3381,63 @@
       </p:grpSpPr>
       <p:sp>
         <p:nvSpPr>
-          <p:cNvPr id="2" name="Title 1"/>
-          <p:cNvSpPr>
-            <a:spLocks noGrp="1"/>
-          </p:cNvSpPr>
-          <p:nvPr>
-            <p:ph type="title"/>
+          <p:cNvPr id="5" name="內容版面配置區 4"/>
+          <p:cNvSpPr>
+            <a:spLocks noGrp="1"/>
+          </p:cNvSpPr>
+          <p:nvPr>
+            <p:ph idx="1"/>
           </p:nvPr>
         </p:nvSpPr>
         <p:spPr>
           <a:xfrm>
-            <a:off x="0" y="267494"/>
-            <a:ext cx="9144000" cy="696521"/>
+            <a:off x="0" y="1563638"/>
+            <a:ext cx="9144000" cy="1803647"/>
           </a:xfrm>
         </p:spPr>
         <p:txBody>
-          <a:bodyPr>
-            <a:noAutofit/>
+          <a:bodyPr anchor="ctr">
+            <a:normAutofit/>
           </a:bodyPr>
           <a:lstStyle/>
           <a:p>
-            <a:r>
-              <a:rPr lang="zh-CN" altLang="en-US" sz="4000" b="1" dirty="0" smtClean="0">
-                <a:solidFill>
-                  <a:srgbClr val="002060"/>
-                </a:solidFill>
-                <a:latin typeface="微軟正黑體" pitchFamily="34" charset="-120"/>
-                <a:ea typeface="微軟正黑體" pitchFamily="34" charset="-120"/>
-              </a:rPr>
-              <a:t>你</a:t>
-            </a:r>
-            <a:r>
-              <a:rPr lang="zh-CN" altLang="en-US" sz="4000" b="1" dirty="0">
-                <a:solidFill>
-                  <a:srgbClr val="002060"/>
-                </a:solidFill>
-                <a:latin typeface="微軟正黑體" pitchFamily="34" charset="-120"/>
-                <a:ea typeface="微軟正黑體" pitchFamily="34" charset="-120"/>
-              </a:rPr>
-              <a:t>愛永不變</a:t>
-            </a:r>
-            <a:endParaRPr lang="vi-VN" sz="4000" b="1" dirty="0">
-              <a:solidFill>
-                <a:srgbClr val="002060"/>
-              </a:solidFill>
-              <a:ea typeface="微軟正黑體" pitchFamily="34" charset="-120"/>
-            </a:endParaRPr>
-          </a:p>
-        </p:txBody>
-      </p:sp>
-      <p:sp>
-        <p:nvSpPr>
-          <p:cNvPr id="3" name="Content Placeholder 2"/>
-          <p:cNvSpPr>
-            <a:spLocks noGrp="1"/>
-          </p:cNvSpPr>
-          <p:nvPr>
-            <p:ph idx="1"/>
-          </p:nvPr>
-        </p:nvSpPr>
-        <p:spPr>
-          <a:xfrm>
-            <a:off x="0" y="964395"/>
-            <a:ext cx="9144000" cy="3547325"/>
-          </a:xfrm>
-        </p:spPr>
-        <p:txBody>
-          <a:bodyPr anchor="t">
-            <a:noAutofit/>
-          </a:bodyPr>
-          <a:lstStyle/>
-          <a:p>
             <a:pPr marL="0" indent="0" algn="ctr">
               <a:buNone/>
             </a:pPr>
             <a:r>
+              <a:rPr lang="zh-CN" altLang="en-US" sz="4800" b="1" dirty="0">
+                <a:solidFill>
+                  <a:srgbClr val="000066"/>
+                </a:solidFill>
+                <a:latin typeface="微軟正黑體" pitchFamily="34" charset="-120"/>
+                <a:ea typeface="微軟正黑體" pitchFamily="34" charset="-120"/>
+              </a:rPr>
+              <a:t>袮</a:t>
+            </a:r>
+            <a:r>
+              <a:rPr lang="zh-TW" altLang="en-US" sz="4800" b="1" dirty="0" smtClean="0">
+                <a:solidFill>
+                  <a:srgbClr val="000066"/>
+                </a:solidFill>
+                <a:latin typeface="微軟正黑體" pitchFamily="34" charset="-120"/>
+                <a:ea typeface="微軟正黑體" pitchFamily="34" charset="-120"/>
+              </a:rPr>
+              <a:t>為</a:t>
+            </a:r>
+            <a:r>
               <a:rPr lang="zh-TW" altLang="en-US" sz="4800" b="1" dirty="0">
                 <a:solidFill>
-                  <a:srgbClr val="002060"/>
-                </a:solidFill>
-                <a:latin typeface="微軟正黑體" pitchFamily="34" charset="-120"/>
-                <a:ea typeface="微軟正黑體" pitchFamily="34" charset="-120"/>
-              </a:rPr>
-              <a:t>哦 你愛永不</a:t>
-            </a:r>
-            <a:r>
-              <a:rPr lang="zh-TW" altLang="en-US" sz="4800" b="1" dirty="0" smtClean="0">
-                <a:solidFill>
-                  <a:srgbClr val="002060"/>
-                </a:solidFill>
-                <a:latin typeface="微軟正黑體" pitchFamily="34" charset="-120"/>
-                <a:ea typeface="微軟正黑體" pitchFamily="34" charset="-120"/>
-              </a:rPr>
-              <a:t>變</a:t>
-            </a:r>
-            <a:r>
-              <a:rPr lang="en-US" altLang="zh-TW" sz="4800" b="1" dirty="0" smtClean="0">
-                <a:solidFill>
-                  <a:srgbClr val="002060"/>
+                  <a:srgbClr val="000066"/>
+                </a:solidFill>
+                <a:latin typeface="微軟正黑體" pitchFamily="34" charset="-120"/>
+                <a:ea typeface="微軟正黑體" pitchFamily="34" charset="-120"/>
+              </a:rPr>
+              <a:t>了我的罪</a:t>
+            </a:r>
+            <a:r>
+              <a:rPr lang="en-US" altLang="zh-TW" sz="4800" b="1" dirty="0">
+                <a:solidFill>
+                  <a:srgbClr val="000066"/>
                 </a:solidFill>
                 <a:latin typeface="微軟正黑體" pitchFamily="34" charset="-120"/>
                 <a:ea typeface="微軟正黑體" pitchFamily="34" charset="-120"/>
@@ -4928,28 +3445,18 @@
               <a:t>  </a:t>
             </a:r>
             <a:r>
-              <a:rPr lang="zh-TW" altLang="en-US" sz="4800" b="1" dirty="0" smtClean="0">
-                <a:solidFill>
-                  <a:srgbClr val="002060"/>
-                </a:solidFill>
-                <a:latin typeface="微軟正黑體" pitchFamily="34" charset="-120"/>
-                <a:ea typeface="微軟正黑體" pitchFamily="34" charset="-120"/>
-              </a:rPr>
-              <a:t>從</a:t>
-            </a:r>
-            <a:r>
               <a:rPr lang="zh-TW" altLang="en-US" sz="4800" b="1" dirty="0">
                 <a:solidFill>
-                  <a:srgbClr val="002060"/>
-                </a:solidFill>
-                <a:latin typeface="微軟正黑體" pitchFamily="34" charset="-120"/>
-                <a:ea typeface="微軟正黑體" pitchFamily="34" charset="-120"/>
-              </a:rPr>
-              <a:t>今直到永遠</a:t>
+                  <a:srgbClr val="000066"/>
+                </a:solidFill>
+                <a:latin typeface="微軟正黑體" pitchFamily="34" charset="-120"/>
+                <a:ea typeface="微軟正黑體" pitchFamily="34" charset="-120"/>
+              </a:rPr>
+              <a:t>犧牲永不悔</a:t>
             </a:r>
             <a:endParaRPr lang="en-US" altLang="zh-TW" sz="4800" b="1" dirty="0">
               <a:solidFill>
-                <a:srgbClr val="002060"/>
+                <a:srgbClr val="000066"/>
               </a:solidFill>
               <a:latin typeface="微軟正黑體" pitchFamily="34" charset="-120"/>
               <a:ea typeface="微軟正黑體" pitchFamily="34" charset="-120"/>
@@ -4962,123 +3469,124 @@
             <a:r>
               <a:rPr lang="zh-TW" altLang="en-US" sz="4800" b="1" dirty="0">
                 <a:solidFill>
-                  <a:srgbClr val="002060"/>
-                </a:solidFill>
-                <a:latin typeface="微軟正黑體" pitchFamily="34" charset="-120"/>
-                <a:ea typeface="微軟正黑體" pitchFamily="34" charset="-120"/>
-              </a:rPr>
-              <a:t>深深澆灌我心</a:t>
+                  <a:srgbClr val="000066"/>
+                </a:solidFill>
+                <a:latin typeface="微軟正黑體" pitchFamily="34" charset="-120"/>
+                <a:ea typeface="微軟正黑體" pitchFamily="34" charset="-120"/>
+              </a:rPr>
+              <a:t>顯</a:t>
             </a:r>
             <a:r>
               <a:rPr lang="zh-TW" altLang="en-US" sz="4800" b="1" dirty="0" smtClean="0">
                 <a:solidFill>
-                  <a:srgbClr val="002060"/>
-                </a:solidFill>
-                <a:latin typeface="微軟正黑體" pitchFamily="34" charset="-120"/>
-                <a:ea typeface="微軟正黑體" pitchFamily="34" charset="-120"/>
-              </a:rPr>
-              <a:t>田</a:t>
-            </a:r>
-            <a:endParaRPr lang="en-US" altLang="zh-TW" sz="4800" b="1" dirty="0" smtClean="0">
-              <a:solidFill>
-                <a:srgbClr val="002060"/>
-              </a:solidFill>
-              <a:latin typeface="微軟正黑體" pitchFamily="34" charset="-120"/>
-              <a:ea typeface="微軟正黑體" pitchFamily="34" charset="-120"/>
-            </a:endParaRPr>
-          </a:p>
-          <a:p>
-            <a:pPr marL="0" indent="0" algn="ctr">
-              <a:buNone/>
-            </a:pPr>
+                  <a:srgbClr val="000066"/>
+                </a:solidFill>
+                <a:latin typeface="微軟正黑體" pitchFamily="34" charset="-120"/>
+                <a:ea typeface="微軟正黑體" pitchFamily="34" charset="-120"/>
+              </a:rPr>
+              <a:t>明</a:t>
+            </a:r>
+            <a:r>
+              <a:rPr lang="zh-CN" altLang="en-US" sz="4800" b="1" dirty="0">
+                <a:solidFill>
+                  <a:srgbClr val="000066"/>
+                </a:solidFill>
+                <a:latin typeface="微軟正黑體" pitchFamily="34" charset="-120"/>
+                <a:ea typeface="微軟正黑體" pitchFamily="34" charset="-120"/>
+              </a:rPr>
+              <a:t>袮</a:t>
+            </a:r>
+            <a:r>
+              <a:rPr lang="zh-TW" altLang="en-US" sz="4800" b="1" dirty="0" smtClean="0">
+                <a:solidFill>
+                  <a:srgbClr val="000066"/>
+                </a:solidFill>
+                <a:latin typeface="微軟正黑體" pitchFamily="34" charset="-120"/>
+                <a:ea typeface="微軟正黑體" pitchFamily="34" charset="-120"/>
+              </a:rPr>
+              <a:t>極</a:t>
+            </a:r>
             <a:r>
               <a:rPr lang="zh-TW" altLang="en-US" sz="4800" b="1" dirty="0">
                 <a:solidFill>
-                  <a:srgbClr val="002060"/>
-                </a:solidFill>
-                <a:latin typeface="微軟正黑體" pitchFamily="34" charset="-120"/>
-                <a:ea typeface="微軟正黑體" pitchFamily="34" charset="-120"/>
-              </a:rPr>
-              <a:t>或傷心或氣</a:t>
-            </a:r>
-            <a:r>
-              <a:rPr lang="zh-TW" altLang="en-US" sz="4800" b="1" dirty="0" smtClean="0">
-                <a:solidFill>
-                  <a:srgbClr val="002060"/>
-                </a:solidFill>
-                <a:latin typeface="微軟正黑體" pitchFamily="34" charset="-120"/>
-                <a:ea typeface="微軟正黑體" pitchFamily="34" charset="-120"/>
-              </a:rPr>
-              <a:t>餒</a:t>
-            </a:r>
-            <a:r>
-              <a:rPr lang="en-US" altLang="zh-TW" sz="4800" b="1" dirty="0" smtClean="0">
-                <a:solidFill>
-                  <a:srgbClr val="002060"/>
-                </a:solidFill>
-                <a:latin typeface="微軟正黑體" pitchFamily="34" charset="-120"/>
-                <a:ea typeface="微軟正黑體" pitchFamily="34" charset="-120"/>
-              </a:rPr>
-              <a:t>  </a:t>
-            </a:r>
-            <a:r>
-              <a:rPr lang="zh-TW" altLang="en-US" sz="4800" b="1" dirty="0" smtClean="0">
-                <a:solidFill>
-                  <a:srgbClr val="002060"/>
-                </a:solidFill>
-                <a:latin typeface="微軟正黑體" pitchFamily="34" charset="-120"/>
-                <a:ea typeface="微軟正黑體" pitchFamily="34" charset="-120"/>
-              </a:rPr>
-              <a:t>或</a:t>
-            </a:r>
-            <a:r>
-              <a:rPr lang="zh-TW" altLang="en-US" sz="4800" b="1" dirty="0">
-                <a:solidFill>
-                  <a:srgbClr val="002060"/>
-                </a:solidFill>
-                <a:latin typeface="微軟正黑體" pitchFamily="34" charset="-120"/>
-                <a:ea typeface="微軟正黑體" pitchFamily="34" charset="-120"/>
-              </a:rPr>
-              <a:t>生離或死別</a:t>
-            </a:r>
-            <a:endParaRPr lang="en-US" altLang="zh-TW" sz="4800" b="1" dirty="0">
-              <a:solidFill>
-                <a:srgbClr val="002060"/>
-              </a:solidFill>
-              <a:latin typeface="微軟正黑體" pitchFamily="34" charset="-120"/>
-              <a:ea typeface="微軟正黑體" pitchFamily="34" charset="-120"/>
-            </a:endParaRPr>
-          </a:p>
-          <a:p>
-            <a:pPr marL="0" indent="0" algn="ctr">
-              <a:buNone/>
-            </a:pPr>
-            <a:r>
-              <a:rPr lang="zh-TW" altLang="en-US" sz="4800" b="1" dirty="0">
-                <a:solidFill>
-                  <a:srgbClr val="002060"/>
-                </a:solidFill>
-                <a:latin typeface="微軟正黑體" pitchFamily="34" charset="-120"/>
-                <a:ea typeface="微軟正黑體" pitchFamily="34" charset="-120"/>
-              </a:rPr>
-              <a:t>願剛強壯膽永遠不後退</a:t>
+                  <a:srgbClr val="000066"/>
+                </a:solidFill>
+                <a:latin typeface="微軟正黑體" pitchFamily="34" charset="-120"/>
+                <a:ea typeface="微軟正黑體" pitchFamily="34" charset="-120"/>
+              </a:rPr>
+              <a:t>大恩惠</a:t>
             </a:r>
             <a:endParaRPr lang="vi-VN" sz="4800" b="1" dirty="0">
               <a:solidFill>
-                <a:srgbClr val="002060"/>
+                <a:srgbClr val="000066"/>
               </a:solidFill>
               <a:ea typeface="微軟正黑體" pitchFamily="34" charset="-120"/>
             </a:endParaRPr>
           </a:p>
-          <a:p>
-            <a:pPr marL="0" indent="0" algn="ctr">
-              <a:buNone/>
-            </a:pPr>
-            <a:endParaRPr lang="vi-VN" sz="4800" b="1" dirty="0">
+        </p:txBody>
+      </p:sp>
+      <p:sp>
+        <p:nvSpPr>
+          <p:cNvPr id="3" name="TextBox 2"/>
+          <p:cNvSpPr txBox="1"/>
+          <p:nvPr/>
+        </p:nvSpPr>
+        <p:spPr>
+          <a:xfrm>
+            <a:off x="0" y="3813889"/>
+            <a:ext cx="9144000" cy="646331"/>
+          </a:xfrm>
+          <a:prstGeom prst="rect">
+            <a:avLst/>
+          </a:prstGeom>
+          <a:noFill/>
+        </p:spPr>
+        <p:txBody>
+          <a:bodyPr wrap="square" rtlCol="0">
+            <a:spAutoFit/>
+          </a:bodyPr>
+          <a:lstStyle/>
+          <a:p>
+            <a:pPr algn="ctr"/>
+            <a:r>
+              <a:rPr lang="en-US" sz="3600" b="1" dirty="0">
+                <a:solidFill>
+                  <a:srgbClr val="000066"/>
+                </a:solidFill>
+                <a:effectLst/>
+                <a:latin typeface="Microsoft JhengHei" panose="020B0604030504040204" pitchFamily="34" charset="-120"/>
+                <a:ea typeface="Microsoft JhengHei" panose="020B0604030504040204" pitchFamily="34" charset="-120"/>
+              </a:rPr>
+              <a:t>( </a:t>
+            </a:r>
+            <a:r>
+              <a:rPr lang="zh-CN" altLang="en-US" sz="3600" b="1" dirty="0" smtClean="0">
+                <a:solidFill>
+                  <a:srgbClr val="000066"/>
+                </a:solidFill>
+                <a:effectLst/>
+                <a:latin typeface="Microsoft JhengHei" panose="020B0604030504040204" pitchFamily="34" charset="-120"/>
+                <a:ea typeface="Microsoft JhengHei" panose="020B0604030504040204" pitchFamily="34" charset="-120"/>
+              </a:rPr>
+              <a:t>正</a:t>
+            </a:r>
+            <a:r>
+              <a:rPr lang="en-US" sz="3600" b="1" dirty="0" smtClean="0">
+                <a:solidFill>
+                  <a:srgbClr val="000066"/>
+                </a:solidFill>
+                <a:effectLst/>
+                <a:latin typeface="Microsoft JhengHei" panose="020B0604030504040204" pitchFamily="34" charset="-120"/>
+                <a:ea typeface="Microsoft JhengHei" panose="020B0604030504040204" pitchFamily="34" charset="-120"/>
+              </a:rPr>
+              <a:t> 1 )</a:t>
+            </a:r>
+            <a:endParaRPr lang="vi-VN" sz="3600" b="1" dirty="0">
               <a:solidFill>
-                <a:srgbClr val="002060"/>
+                <a:srgbClr val="000066"/>
               </a:solidFill>
-              <a:ea typeface="微軟正黑體" pitchFamily="34" charset="-120"/>
+              <a:effectLst/>
+              <a:ea typeface="Microsoft JhengHei" panose="020B0604030504040204" pitchFamily="34" charset="-120"/>
             </a:endParaRPr>
           </a:p>
         </p:txBody>
@@ -5086,20 +3594,13 @@
     </p:spTree>
     <p:extLst>
       <p:ext uri="{BB962C8B-B14F-4D97-AF65-F5344CB8AC3E}">
-        <p14:creationId xmlns:p14="http://schemas.microsoft.com/office/powerpoint/2010/main" xmlns="" val="3132727330"/>
+        <p14:creationId xmlns:p14="http://schemas.microsoft.com/office/powerpoint/2010/main" val="2747191964"/>
       </p:ext>
     </p:extLst>
   </p:cSld>
   <p:clrMapOvr>
     <a:masterClrMapping/>
   </p:clrMapOvr>
-  <p:timing>
-    <p:tnLst>
-      <p:par>
-        <p:cTn id="1" dur="indefinite" restart="never" nodeType="tmRoot"/>
-      </p:par>
-    </p:tnLst>
-  </p:timing>
 </p:sld>
 </file>
 
@@ -5122,133 +3623,82 @@
       </p:grpSpPr>
       <p:sp>
         <p:nvSpPr>
-          <p:cNvPr id="2" name="Title 1"/>
-          <p:cNvSpPr>
-            <a:spLocks noGrp="1"/>
-          </p:cNvSpPr>
-          <p:nvPr>
-            <p:ph type="title"/>
+          <p:cNvPr id="5" name="內容版面配置區 4"/>
+          <p:cNvSpPr>
+            <a:spLocks noGrp="1"/>
+          </p:cNvSpPr>
+          <p:nvPr>
+            <p:ph idx="1"/>
           </p:nvPr>
         </p:nvSpPr>
         <p:spPr>
           <a:xfrm>
-            <a:off x="0" y="267494"/>
-            <a:ext cx="9144000" cy="696521"/>
+            <a:off x="0" y="1563638"/>
+            <a:ext cx="9144000" cy="1803647"/>
           </a:xfrm>
         </p:spPr>
         <p:txBody>
-          <a:bodyPr>
-            <a:noAutofit/>
+          <a:bodyPr anchor="ctr">
+            <a:normAutofit/>
           </a:bodyPr>
           <a:lstStyle/>
           <a:p>
-            <a:r>
-              <a:rPr lang="zh-CN" altLang="en-US" sz="4000" b="1" dirty="0" smtClean="0">
-                <a:solidFill>
-                  <a:srgbClr val="002060"/>
-                </a:solidFill>
-                <a:latin typeface="微軟正黑體" pitchFamily="34" charset="-120"/>
-                <a:ea typeface="微軟正黑體" pitchFamily="34" charset="-120"/>
-              </a:rPr>
-              <a:t>你</a:t>
-            </a:r>
-            <a:r>
-              <a:rPr lang="zh-CN" altLang="en-US" sz="4000" b="1" dirty="0">
-                <a:solidFill>
-                  <a:srgbClr val="002060"/>
-                </a:solidFill>
-                <a:latin typeface="微軟正黑體" pitchFamily="34" charset="-120"/>
-                <a:ea typeface="微軟正黑體" pitchFamily="34" charset="-120"/>
-              </a:rPr>
-              <a:t>愛永不變</a:t>
-            </a:r>
-            <a:endParaRPr lang="vi-VN" sz="4000" b="1" dirty="0">
-              <a:solidFill>
-                <a:srgbClr val="002060"/>
-              </a:solidFill>
-              <a:ea typeface="微軟正黑體" pitchFamily="34" charset="-120"/>
-            </a:endParaRPr>
-          </a:p>
-        </p:txBody>
-      </p:sp>
-      <p:sp>
-        <p:nvSpPr>
-          <p:cNvPr id="3" name="Content Placeholder 2"/>
-          <p:cNvSpPr>
-            <a:spLocks noGrp="1"/>
-          </p:cNvSpPr>
-          <p:nvPr>
-            <p:ph idx="1"/>
-          </p:nvPr>
-        </p:nvSpPr>
-        <p:spPr>
-          <a:xfrm>
-            <a:off x="0" y="964395"/>
-            <a:ext cx="9144000" cy="3547325"/>
-          </a:xfrm>
-        </p:spPr>
-        <p:txBody>
-          <a:bodyPr anchor="t">
-            <a:noAutofit/>
-          </a:bodyPr>
-          <a:lstStyle/>
-          <a:p>
             <a:pPr marL="0" indent="0" algn="ctr">
               <a:buNone/>
             </a:pPr>
             <a:r>
               <a:rPr lang="zh-TW" altLang="en-US" sz="4800" b="1" dirty="0">
                 <a:solidFill>
-                  <a:srgbClr val="002060"/>
-                </a:solidFill>
-                <a:latin typeface="微軟正黑體" pitchFamily="34" charset="-120"/>
-                <a:ea typeface="微軟正黑體" pitchFamily="34" charset="-120"/>
-              </a:rPr>
-              <a:t>哦 你愛永不</a:t>
+                  <a:srgbClr val="000066"/>
+                </a:solidFill>
+                <a:latin typeface="微軟正黑體" pitchFamily="34" charset="-120"/>
+                <a:ea typeface="微軟正黑體" pitchFamily="34" charset="-120"/>
+              </a:rPr>
+              <a:t>我深深體</a:t>
             </a:r>
             <a:r>
               <a:rPr lang="zh-TW" altLang="en-US" sz="4800" b="1" dirty="0" smtClean="0">
                 <a:solidFill>
-                  <a:srgbClr val="002060"/>
-                </a:solidFill>
-                <a:latin typeface="微軟正黑體" pitchFamily="34" charset="-120"/>
-                <a:ea typeface="微軟正黑體" pitchFamily="34" charset="-120"/>
-              </a:rPr>
-              <a:t>變</a:t>
-            </a:r>
-            <a:r>
-              <a:rPr lang="en-US" altLang="zh-TW" sz="4800" b="1" dirty="0" smtClean="0">
-                <a:solidFill>
-                  <a:srgbClr val="002060"/>
-                </a:solidFill>
-                <a:latin typeface="微軟正黑體" pitchFamily="34" charset="-120"/>
-                <a:ea typeface="微軟正黑體" pitchFamily="34" charset="-120"/>
-              </a:rPr>
-              <a:t>  </a:t>
+                  <a:srgbClr val="000066"/>
+                </a:solidFill>
+                <a:latin typeface="微軟正黑體" pitchFamily="34" charset="-120"/>
+                <a:ea typeface="微軟正黑體" pitchFamily="34" charset="-120"/>
+              </a:rPr>
+              <a:t>會   </a:t>
+            </a:r>
+            <a:r>
+              <a:rPr lang="zh-CN" altLang="en-US" sz="4800" b="1" dirty="0" smtClean="0">
+                <a:solidFill>
+                  <a:srgbClr val="000066"/>
+                </a:solidFill>
+                <a:latin typeface="微軟正黑體" pitchFamily="34" charset="-120"/>
+                <a:ea typeface="微軟正黑體" pitchFamily="34" charset="-120"/>
+              </a:rPr>
+              <a:t>袮</a:t>
             </a:r>
             <a:r>
               <a:rPr lang="zh-TW" altLang="en-US" sz="4800" b="1" dirty="0" smtClean="0">
                 <a:solidFill>
-                  <a:srgbClr val="002060"/>
-                </a:solidFill>
-                <a:latin typeface="微軟正黑體" pitchFamily="34" charset="-120"/>
-                <a:ea typeface="微軟正黑體" pitchFamily="34" charset="-120"/>
-              </a:rPr>
-              <a:t>從</a:t>
+                  <a:srgbClr val="000066"/>
+                </a:solidFill>
+                <a:latin typeface="微軟正黑體" pitchFamily="34" charset="-120"/>
+                <a:ea typeface="微軟正黑體" pitchFamily="34" charset="-120"/>
+              </a:rPr>
+              <a:t>愛</a:t>
             </a:r>
             <a:r>
               <a:rPr lang="zh-TW" altLang="en-US" sz="4800" b="1" dirty="0">
                 <a:solidFill>
-                  <a:srgbClr val="002060"/>
-                </a:solidFill>
-                <a:latin typeface="微軟正黑體" pitchFamily="34" charset="-120"/>
-                <a:ea typeface="微軟正黑體" pitchFamily="34" charset="-120"/>
-              </a:rPr>
-              <a:t>今直到永遠</a:t>
+                  <a:srgbClr val="000066"/>
+                </a:solidFill>
+                <a:latin typeface="微軟正黑體" pitchFamily="34" charset="-120"/>
+                <a:ea typeface="微軟正黑體" pitchFamily="34" charset="-120"/>
+              </a:rPr>
+              <a:t>的寶貴</a:t>
             </a:r>
             <a:endParaRPr lang="en-US" altLang="zh-TW" sz="4800" b="1" dirty="0">
               <a:solidFill>
-                <a:srgbClr val="002060"/>
+                <a:srgbClr val="000066"/>
               </a:solidFill>
               <a:latin typeface="微軟正黑體" pitchFamily="34" charset="-120"/>
               <a:ea typeface="微軟正黑體" pitchFamily="34" charset="-120"/>
@@ -5261,123 +3711,85 @@
             <a:r>
               <a:rPr lang="zh-TW" altLang="en-US" sz="4800" b="1" dirty="0">
                 <a:solidFill>
-                  <a:srgbClr val="002060"/>
-                </a:solidFill>
-                <a:latin typeface="微軟正黑體" pitchFamily="34" charset="-120"/>
-                <a:ea typeface="微軟正黑體" pitchFamily="34" charset="-120"/>
-              </a:rPr>
-              <a:t>深深澆灌我心</a:t>
-            </a:r>
-            <a:r>
-              <a:rPr lang="zh-TW" altLang="en-US" sz="4800" b="1" dirty="0" smtClean="0">
-                <a:solidFill>
-                  <a:srgbClr val="002060"/>
-                </a:solidFill>
-                <a:latin typeface="微軟正黑體" pitchFamily="34" charset="-120"/>
-                <a:ea typeface="微軟正黑體" pitchFamily="34" charset="-120"/>
-              </a:rPr>
-              <a:t>田</a:t>
-            </a:r>
-            <a:endParaRPr lang="en-US" altLang="zh-TW" sz="4800" b="1" dirty="0" smtClean="0">
+                  <a:srgbClr val="000066"/>
+                </a:solidFill>
+                <a:latin typeface="微軟正黑體" pitchFamily="34" charset="-120"/>
+                <a:ea typeface="微軟正黑體" pitchFamily="34" charset="-120"/>
+              </a:rPr>
+              <a:t>獻上自己永追隨</a:t>
+            </a:r>
+            <a:endParaRPr lang="en-US" altLang="zh-TW" sz="4800" b="1" dirty="0">
               <a:solidFill>
-                <a:srgbClr val="002060"/>
+                <a:srgbClr val="000066"/>
               </a:solidFill>
               <a:latin typeface="微軟正黑體" pitchFamily="34" charset="-120"/>
               <a:ea typeface="微軟正黑體" pitchFamily="34" charset="-120"/>
             </a:endParaRPr>
           </a:p>
-          <a:p>
-            <a:pPr marL="0" indent="0" algn="ctr">
-              <a:buNone/>
-            </a:pPr>
-            <a:r>
-              <a:rPr lang="zh-TW" altLang="en-US" sz="4800" b="1" dirty="0">
-                <a:solidFill>
-                  <a:srgbClr val="002060"/>
-                </a:solidFill>
-                <a:latin typeface="微軟正黑體" pitchFamily="34" charset="-120"/>
-                <a:ea typeface="微軟正黑體" pitchFamily="34" charset="-120"/>
-              </a:rPr>
-              <a:t>或天旋或地</a:t>
-            </a:r>
-            <a:r>
-              <a:rPr lang="zh-TW" altLang="en-US" sz="4800" b="1" dirty="0" smtClean="0">
-                <a:solidFill>
-                  <a:srgbClr val="002060"/>
-                </a:solidFill>
-                <a:latin typeface="微軟正黑體" pitchFamily="34" charset="-120"/>
-                <a:ea typeface="微軟正黑體" pitchFamily="34" charset="-120"/>
-              </a:rPr>
-              <a:t>轉</a:t>
-            </a:r>
-            <a:r>
-              <a:rPr lang="en-US" altLang="zh-TW" sz="4800" b="1" dirty="0" smtClean="0">
-                <a:solidFill>
-                  <a:srgbClr val="002060"/>
-                </a:solidFill>
-                <a:latin typeface="微軟正黑體" pitchFamily="34" charset="-120"/>
-                <a:ea typeface="微軟正黑體" pitchFamily="34" charset="-120"/>
-              </a:rPr>
-              <a:t>  </a:t>
-            </a:r>
-            <a:r>
-              <a:rPr lang="zh-TW" altLang="en-US" sz="4800" b="1" dirty="0" smtClean="0">
-                <a:solidFill>
-                  <a:srgbClr val="002060"/>
-                </a:solidFill>
-                <a:latin typeface="微軟正黑體" pitchFamily="34" charset="-120"/>
-                <a:ea typeface="微軟正黑體" pitchFamily="34" charset="-120"/>
-              </a:rPr>
-              <a:t>經</a:t>
-            </a:r>
-            <a:r>
-              <a:rPr lang="zh-TW" altLang="en-US" sz="4800" b="1" dirty="0">
-                <a:solidFill>
-                  <a:srgbClr val="002060"/>
-                </a:solidFill>
-                <a:latin typeface="微軟正黑體" pitchFamily="34" charset="-120"/>
-                <a:ea typeface="微軟正黑體" pitchFamily="34" charset="-120"/>
-              </a:rPr>
-              <a:t>滄海歷桑田</a:t>
-            </a:r>
-            <a:endParaRPr lang="en-US" altLang="zh-TW" sz="4800" b="1" dirty="0">
+        </p:txBody>
+      </p:sp>
+      <p:sp>
+        <p:nvSpPr>
+          <p:cNvPr id="3" name="TextBox 2"/>
+          <p:cNvSpPr txBox="1"/>
+          <p:nvPr/>
+        </p:nvSpPr>
+        <p:spPr>
+          <a:xfrm>
+            <a:off x="0" y="3813889"/>
+            <a:ext cx="9144000" cy="646331"/>
+          </a:xfrm>
+          <a:prstGeom prst="rect">
+            <a:avLst/>
+          </a:prstGeom>
+          <a:noFill/>
+        </p:spPr>
+        <p:txBody>
+          <a:bodyPr wrap="square" rtlCol="0">
+            <a:spAutoFit/>
+          </a:bodyPr>
+          <a:lstStyle/>
+          <a:p>
+            <a:pPr algn="ctr"/>
+            <a:r>
+              <a:rPr lang="en-US" sz="3600" b="1" dirty="0">
+                <a:solidFill>
+                  <a:srgbClr val="000066"/>
+                </a:solidFill>
+                <a:effectLst/>
+                <a:latin typeface="Microsoft JhengHei" panose="020B0604030504040204" pitchFamily="34" charset="-120"/>
+                <a:ea typeface="Microsoft JhengHei" panose="020B0604030504040204" pitchFamily="34" charset="-120"/>
+              </a:rPr>
+              <a:t>( </a:t>
+            </a:r>
+            <a:r>
+              <a:rPr lang="zh-CN" altLang="en-US" sz="3600" b="1" dirty="0" smtClean="0">
+                <a:solidFill>
+                  <a:srgbClr val="000066"/>
+                </a:solidFill>
+                <a:effectLst/>
+                <a:latin typeface="Microsoft JhengHei" panose="020B0604030504040204" pitchFamily="34" charset="-120"/>
+                <a:ea typeface="Microsoft JhengHei" panose="020B0604030504040204" pitchFamily="34" charset="-120"/>
+              </a:rPr>
+              <a:t>正</a:t>
+            </a:r>
+            <a:r>
+              <a:rPr lang="en-US" sz="3600" b="1" dirty="0" smtClean="0">
+                <a:solidFill>
+                  <a:srgbClr val="000066"/>
+                </a:solidFill>
+                <a:effectLst/>
+                <a:latin typeface="Microsoft JhengHei" panose="020B0604030504040204" pitchFamily="34" charset="-120"/>
+                <a:ea typeface="Microsoft JhengHei" panose="020B0604030504040204" pitchFamily="34" charset="-120"/>
+              </a:rPr>
+              <a:t> 2 )</a:t>
+            </a:r>
+            <a:endParaRPr lang="vi-VN" sz="3600" b="1" dirty="0">
               <a:solidFill>
-                <a:srgbClr val="002060"/>
+                <a:srgbClr val="000066"/>
               </a:solidFill>
-              <a:latin typeface="微軟正黑體" pitchFamily="34" charset="-120"/>
-              <a:ea typeface="微軟正黑體" pitchFamily="34" charset="-120"/>
-            </a:endParaRPr>
-          </a:p>
-          <a:p>
-            <a:pPr marL="0" indent="0" algn="ctr">
-              <a:buNone/>
-            </a:pPr>
-            <a:r>
-              <a:rPr lang="zh-TW" altLang="en-US" sz="4800" b="1" dirty="0">
-                <a:solidFill>
-                  <a:srgbClr val="002060"/>
-                </a:solidFill>
-                <a:latin typeface="微軟正黑體" pitchFamily="34" charset="-120"/>
-                <a:ea typeface="微軟正黑體" pitchFamily="34" charset="-120"/>
-              </a:rPr>
-              <a:t>都不能叫我與你愛隔絕</a:t>
-            </a:r>
-            <a:endParaRPr lang="vi-VN" sz="4800" b="1" dirty="0">
-              <a:solidFill>
-                <a:srgbClr val="002060"/>
-              </a:solidFill>
-              <a:ea typeface="微軟正黑體" pitchFamily="34" charset="-120"/>
-            </a:endParaRPr>
-          </a:p>
-          <a:p>
-            <a:pPr marL="0" indent="0" algn="ctr">
-              <a:buNone/>
-            </a:pPr>
-            <a:endParaRPr lang="vi-VN" sz="4800" b="1" dirty="0">
-              <a:solidFill>
-                <a:srgbClr val="002060"/>
-              </a:solidFill>
-              <a:ea typeface="微軟正黑體" pitchFamily="34" charset="-120"/>
+              <a:effectLst/>
+              <a:ea typeface="Microsoft JhengHei" panose="020B0604030504040204" pitchFamily="34" charset="-120"/>
             </a:endParaRPr>
           </a:p>
         </p:txBody>
@@ -5385,20 +3797,13 @@
     </p:spTree>
     <p:extLst>
       <p:ext uri="{BB962C8B-B14F-4D97-AF65-F5344CB8AC3E}">
-        <p14:creationId xmlns:p14="http://schemas.microsoft.com/office/powerpoint/2010/main" xmlns="" val="3634830768"/>
+        <p14:creationId xmlns:p14="http://schemas.microsoft.com/office/powerpoint/2010/main" val="712877131"/>
       </p:ext>
     </p:extLst>
   </p:cSld>
   <p:clrMapOvr>
     <a:masterClrMapping/>
   </p:clrMapOvr>
-  <p:timing>
-    <p:tnLst>
-      <p:par>
-        <p:cTn id="1" dur="indefinite" restart="never" nodeType="tmRoot"/>
-      </p:par>
-    </p:tnLst>
-  </p:timing>
 </p:sld>
 </file>
 
@@ -5421,93 +3826,82 @@
       </p:grpSpPr>
       <p:sp>
         <p:nvSpPr>
-          <p:cNvPr id="2" name="Title 1"/>
-          <p:cNvSpPr>
-            <a:spLocks noGrp="1"/>
-          </p:cNvSpPr>
-          <p:nvPr>
-            <p:ph type="title"/>
+          <p:cNvPr id="5" name="內容版面配置區 4"/>
+          <p:cNvSpPr>
+            <a:spLocks noGrp="1"/>
+          </p:cNvSpPr>
+          <p:nvPr>
+            <p:ph idx="1"/>
           </p:nvPr>
         </p:nvSpPr>
         <p:spPr>
           <a:xfrm>
-            <a:off x="0" y="267494"/>
-            <a:ext cx="9144000" cy="696521"/>
+            <a:off x="0" y="1563638"/>
+            <a:ext cx="9144000" cy="1803647"/>
           </a:xfrm>
         </p:spPr>
         <p:txBody>
-          <a:bodyPr>
-            <a:noAutofit/>
+          <a:bodyPr anchor="ctr">
+            <a:normAutofit/>
           </a:bodyPr>
           <a:lstStyle/>
           <a:p>
-            <a:r>
-              <a:rPr lang="zh-CN" altLang="en-US" sz="4000" b="1" dirty="0" smtClean="0">
-                <a:solidFill>
-                  <a:srgbClr val="002060"/>
-                </a:solidFill>
-                <a:latin typeface="微軟正黑體" pitchFamily="34" charset="-120"/>
-                <a:ea typeface="微軟正黑體" pitchFamily="34" charset="-120"/>
-              </a:rPr>
-              <a:t>你</a:t>
-            </a:r>
-            <a:r>
-              <a:rPr lang="zh-CN" altLang="en-US" sz="4000" b="1" dirty="0">
-                <a:solidFill>
-                  <a:srgbClr val="002060"/>
-                </a:solidFill>
-                <a:latin typeface="微軟正黑體" pitchFamily="34" charset="-120"/>
-                <a:ea typeface="微軟正黑體" pitchFamily="34" charset="-120"/>
-              </a:rPr>
-              <a:t>愛永不變</a:t>
-            </a:r>
-            <a:endParaRPr lang="vi-VN" sz="4000" b="1" dirty="0">
-              <a:solidFill>
-                <a:srgbClr val="002060"/>
-              </a:solidFill>
-              <a:ea typeface="微軟正黑體" pitchFamily="34" charset="-120"/>
-            </a:endParaRPr>
-          </a:p>
-        </p:txBody>
-      </p:sp>
-      <p:sp>
-        <p:nvSpPr>
-          <p:cNvPr id="3" name="Content Placeholder 2"/>
-          <p:cNvSpPr>
-            <a:spLocks noGrp="1"/>
-          </p:cNvSpPr>
-          <p:nvPr>
-            <p:ph idx="1"/>
-          </p:nvPr>
-        </p:nvSpPr>
-        <p:spPr>
-          <a:xfrm>
-            <a:off x="0" y="964395"/>
-            <a:ext cx="9144000" cy="3547325"/>
-          </a:xfrm>
-        </p:spPr>
-        <p:txBody>
-          <a:bodyPr anchor="t">
-            <a:noAutofit/>
-          </a:bodyPr>
-          <a:lstStyle/>
-          <a:p>
             <a:pPr marL="0" indent="0" algn="ctr">
               <a:buNone/>
             </a:pPr>
             <a:r>
               <a:rPr lang="zh-TW" altLang="en-US" sz="4800" b="1" dirty="0">
                 <a:solidFill>
-                  <a:srgbClr val="002060"/>
-                </a:solidFill>
-                <a:latin typeface="微軟正黑體" pitchFamily="34" charset="-120"/>
-                <a:ea typeface="微軟正黑體" pitchFamily="34" charset="-120"/>
-              </a:rPr>
-              <a:t>我深深體會   你愛的寶貴</a:t>
+                  <a:srgbClr val="000066"/>
+                </a:solidFill>
+                <a:latin typeface="微軟正黑體" pitchFamily="34" charset="-120"/>
+                <a:ea typeface="微軟正黑體" pitchFamily="34" charset="-120"/>
+              </a:rPr>
+              <a:t>或傷心或氣餒</a:t>
+            </a:r>
+            <a:r>
+              <a:rPr lang="en-US" altLang="zh-TW" sz="4800" b="1" dirty="0">
+                <a:solidFill>
+                  <a:srgbClr val="000066"/>
+                </a:solidFill>
+                <a:latin typeface="微軟正黑體" pitchFamily="34" charset="-120"/>
+                <a:ea typeface="微軟正黑體" pitchFamily="34" charset="-120"/>
+              </a:rPr>
+              <a:t>  </a:t>
+            </a:r>
+            <a:r>
+              <a:rPr lang="en-US" altLang="zh-TW" sz="4800" b="1" dirty="0" smtClean="0">
+                <a:solidFill>
+                  <a:srgbClr val="000066"/>
+                </a:solidFill>
+                <a:latin typeface="微軟正黑體" pitchFamily="34" charset="-120"/>
+                <a:ea typeface="微軟正黑體" pitchFamily="34" charset="-120"/>
+              </a:rPr>
+              <a:t> </a:t>
+            </a:r>
+            <a:r>
+              <a:rPr lang="zh-TW" altLang="en-US" sz="4800" b="1" dirty="0" smtClean="0">
+                <a:solidFill>
+                  <a:srgbClr val="000066"/>
+                </a:solidFill>
+                <a:latin typeface="微軟正黑體" pitchFamily="34" charset="-120"/>
+                <a:ea typeface="微軟正黑體" pitchFamily="34" charset="-120"/>
+              </a:rPr>
+              <a:t>或</a:t>
+            </a:r>
+            <a:r>
+              <a:rPr lang="zh-TW" altLang="en-US" sz="4800" b="1" dirty="0">
+                <a:solidFill>
+                  <a:srgbClr val="000066"/>
+                </a:solidFill>
+                <a:latin typeface="微軟正黑體" pitchFamily="34" charset="-120"/>
+                <a:ea typeface="微軟正黑體" pitchFamily="34" charset="-120"/>
+              </a:rPr>
+              <a:t>生離或死別</a:t>
             </a:r>
             <a:endParaRPr lang="en-US" altLang="zh-TW" sz="4800" b="1" dirty="0">
               <a:solidFill>
-                <a:srgbClr val="002060"/>
+                <a:srgbClr val="000066"/>
               </a:solidFill>
               <a:latin typeface="微軟正黑體" pitchFamily="34" charset="-120"/>
               <a:ea typeface="微軟正黑體" pitchFamily="34" charset="-120"/>
@@ -5520,91 +3914,7 @@
             <a:r>
               <a:rPr lang="zh-TW" altLang="en-US" sz="4800" b="1" dirty="0">
                 <a:solidFill>
-                  <a:srgbClr val="002060"/>
-                </a:solidFill>
-                <a:latin typeface="微軟正黑體" pitchFamily="34" charset="-120"/>
-                <a:ea typeface="微軟正黑體" pitchFamily="34" charset="-120"/>
-              </a:rPr>
-              <a:t>獻上自己永追隨</a:t>
-            </a:r>
-            <a:endParaRPr lang="en-US" altLang="zh-TW" sz="4800" b="1" dirty="0">
-              <a:solidFill>
-                <a:srgbClr val="002060"/>
-              </a:solidFill>
-              <a:latin typeface="微軟正黑體" pitchFamily="34" charset="-120"/>
-              <a:ea typeface="微軟正黑體" pitchFamily="34" charset="-120"/>
-            </a:endParaRPr>
-          </a:p>
-          <a:p>
-            <a:pPr marL="0" indent="0" algn="ctr">
-              <a:buNone/>
-            </a:pPr>
-            <a:r>
-              <a:rPr lang="zh-TW" altLang="en-US" sz="4800" b="1" dirty="0">
-                <a:solidFill>
-                  <a:srgbClr val="002060"/>
-                </a:solidFill>
-                <a:latin typeface="微軟正黑體" pitchFamily="34" charset="-120"/>
-                <a:ea typeface="微軟正黑體" pitchFamily="34" charset="-120"/>
-              </a:rPr>
-              <a:t>或傷心或氣</a:t>
-            </a:r>
-            <a:r>
-              <a:rPr lang="zh-TW" altLang="en-US" sz="4800" b="1" dirty="0" smtClean="0">
-                <a:solidFill>
-                  <a:srgbClr val="002060"/>
-                </a:solidFill>
-                <a:latin typeface="微軟正黑體" pitchFamily="34" charset="-120"/>
-                <a:ea typeface="微軟正黑體" pitchFamily="34" charset="-120"/>
-              </a:rPr>
-              <a:t>餒</a:t>
-            </a:r>
-            <a:r>
-              <a:rPr lang="en-US" altLang="zh-TW" sz="4800" b="1" dirty="0" smtClean="0">
-                <a:solidFill>
-                  <a:srgbClr val="002060"/>
-                </a:solidFill>
-                <a:latin typeface="微軟正黑體" pitchFamily="34" charset="-120"/>
-                <a:ea typeface="微軟正黑體" pitchFamily="34" charset="-120"/>
-              </a:rPr>
-              <a:t>  </a:t>
-            </a:r>
-            <a:r>
-              <a:rPr lang="zh-TW" altLang="en-US" sz="4800" b="1" dirty="0" smtClean="0">
-                <a:solidFill>
-                  <a:srgbClr val="002060"/>
-                </a:solidFill>
-                <a:latin typeface="微軟正黑體" pitchFamily="34" charset="-120"/>
-                <a:ea typeface="微軟正黑體" pitchFamily="34" charset="-120"/>
-              </a:rPr>
-              <a:t>或</a:t>
-            </a:r>
-            <a:r>
-              <a:rPr lang="zh-TW" altLang="en-US" sz="4800" b="1" dirty="0">
-                <a:solidFill>
-                  <a:srgbClr val="002060"/>
-                </a:solidFill>
-                <a:latin typeface="微軟正黑體" pitchFamily="34" charset="-120"/>
-                <a:ea typeface="微軟正黑體" pitchFamily="34" charset="-120"/>
-              </a:rPr>
-              <a:t>生離或死別</a:t>
-            </a:r>
-            <a:endParaRPr lang="en-US" altLang="zh-TW" sz="4800" b="1" dirty="0">
-              <a:solidFill>
-                <a:srgbClr val="002060"/>
-              </a:solidFill>
-              <a:latin typeface="微軟正黑體" pitchFamily="34" charset="-120"/>
-              <a:ea typeface="微軟正黑體" pitchFamily="34" charset="-120"/>
-            </a:endParaRPr>
-          </a:p>
-          <a:p>
-            <a:pPr marL="0" indent="0" algn="ctr">
-              <a:buNone/>
-            </a:pPr>
-            <a:r>
-              <a:rPr lang="zh-TW" altLang="en-US" sz="4800" b="1" dirty="0">
-                <a:solidFill>
-                  <a:srgbClr val="002060"/>
+                  <a:srgbClr val="000066"/>
                 </a:solidFill>
                 <a:latin typeface="微軟正黑體" pitchFamily="34" charset="-120"/>
                 <a:ea typeface="微軟正黑體" pitchFamily="34" charset="-120"/>
@@ -5613,30 +3923,89 @@
             </a:r>
             <a:endParaRPr lang="vi-VN" sz="4800" b="1" dirty="0">
               <a:solidFill>
-                <a:srgbClr val="002060"/>
+                <a:srgbClr val="000066"/>
               </a:solidFill>
               <a:ea typeface="微軟正黑體" pitchFamily="34" charset="-120"/>
             </a:endParaRPr>
           </a:p>
         </p:txBody>
       </p:sp>
+      <p:sp>
+        <p:nvSpPr>
+          <p:cNvPr id="3" name="TextBox 2"/>
+          <p:cNvSpPr txBox="1"/>
+          <p:nvPr/>
+        </p:nvSpPr>
+        <p:spPr>
+          <a:xfrm>
+            <a:off x="0" y="3813889"/>
+            <a:ext cx="9144000" cy="646331"/>
+          </a:xfrm>
+          <a:prstGeom prst="rect">
+            <a:avLst/>
+          </a:prstGeom>
+          <a:noFill/>
+        </p:spPr>
+        <p:txBody>
+          <a:bodyPr wrap="square" rtlCol="0">
+            <a:spAutoFit/>
+          </a:bodyPr>
+          <a:lstStyle/>
+          <a:p>
+            <a:pPr algn="ctr"/>
+            <a:r>
+              <a:rPr lang="en-US" sz="3600" b="1" dirty="0">
+                <a:solidFill>
+                  <a:srgbClr val="000066"/>
+                </a:solidFill>
+                <a:effectLst/>
+                <a:latin typeface="Microsoft JhengHei" panose="020B0604030504040204" pitchFamily="34" charset="-120"/>
+                <a:ea typeface="Microsoft JhengHei" panose="020B0604030504040204" pitchFamily="34" charset="-120"/>
+              </a:rPr>
+              <a:t>( </a:t>
+            </a:r>
+            <a:r>
+              <a:rPr lang="zh-CN" altLang="en-US" sz="3600" b="1" dirty="0" smtClean="0">
+                <a:solidFill>
+                  <a:srgbClr val="000066"/>
+                </a:solidFill>
+                <a:effectLst/>
+                <a:latin typeface="Microsoft JhengHei" panose="020B0604030504040204" pitchFamily="34" charset="-120"/>
+                <a:ea typeface="Microsoft JhengHei" panose="020B0604030504040204" pitchFamily="34" charset="-120"/>
+              </a:rPr>
+              <a:t>正</a:t>
+            </a:r>
+            <a:r>
+              <a:rPr lang="en-US" sz="3600" b="1" dirty="0" smtClean="0">
+                <a:solidFill>
+                  <a:srgbClr val="000066"/>
+                </a:solidFill>
+                <a:effectLst/>
+                <a:latin typeface="Microsoft JhengHei" panose="020B0604030504040204" pitchFamily="34" charset="-120"/>
+                <a:ea typeface="Microsoft JhengHei" panose="020B0604030504040204" pitchFamily="34" charset="-120"/>
+              </a:rPr>
+              <a:t> 2 )</a:t>
+            </a:r>
+            <a:endParaRPr lang="vi-VN" sz="3600" b="1" dirty="0">
+              <a:solidFill>
+                <a:srgbClr val="000066"/>
+              </a:solidFill>
+              <a:effectLst/>
+              <a:ea typeface="Microsoft JhengHei" panose="020B0604030504040204" pitchFamily="34" charset="-120"/>
+            </a:endParaRPr>
+          </a:p>
+        </p:txBody>
+      </p:sp>
     </p:spTree>
     <p:extLst>
       <p:ext uri="{BB962C8B-B14F-4D97-AF65-F5344CB8AC3E}">
-        <p14:creationId xmlns:p14="http://schemas.microsoft.com/office/powerpoint/2010/main" xmlns="" val="19504707"/>
+        <p14:creationId xmlns:p14="http://schemas.microsoft.com/office/powerpoint/2010/main" val="696977571"/>
       </p:ext>
     </p:extLst>
   </p:cSld>
   <p:clrMapOvr>
     <a:masterClrMapping/>
   </p:clrMapOvr>
-  <p:timing>
-    <p:tnLst>
-      <p:par>
-        <p:cTn id="1" dur="indefinite" restart="never" nodeType="tmRoot"/>
-      </p:par>
-    </p:tnLst>
-  </p:timing>
 </p:sld>
 </file>
 
@@ -5659,104 +4028,83 @@
       </p:grpSpPr>
       <p:sp>
         <p:nvSpPr>
-          <p:cNvPr id="2" name="Title 1"/>
-          <p:cNvSpPr>
-            <a:spLocks noGrp="1"/>
-          </p:cNvSpPr>
-          <p:nvPr>
-            <p:ph type="title"/>
+          <p:cNvPr id="5" name="內容版面配置區 4"/>
+          <p:cNvSpPr>
+            <a:spLocks noGrp="1"/>
+          </p:cNvSpPr>
+          <p:nvPr>
+            <p:ph idx="1"/>
           </p:nvPr>
         </p:nvSpPr>
         <p:spPr>
           <a:xfrm>
-            <a:off x="0" y="267494"/>
-            <a:ext cx="9144000" cy="696521"/>
+            <a:off x="0" y="1563638"/>
+            <a:ext cx="9144000" cy="1803647"/>
           </a:xfrm>
         </p:spPr>
         <p:txBody>
-          <a:bodyPr>
-            <a:noAutofit/>
+          <a:bodyPr anchor="ctr">
+            <a:normAutofit/>
           </a:bodyPr>
           <a:lstStyle/>
           <a:p>
-            <a:r>
-              <a:rPr lang="zh-CN" altLang="en-US" sz="4000" b="1" dirty="0" smtClean="0">
-                <a:solidFill>
-                  <a:srgbClr val="002060"/>
-                </a:solidFill>
-                <a:latin typeface="微軟正黑體" pitchFamily="34" charset="-120"/>
-                <a:ea typeface="微軟正黑體" pitchFamily="34" charset="-120"/>
-              </a:rPr>
-              <a:t>你</a:t>
-            </a:r>
-            <a:r>
-              <a:rPr lang="zh-CN" altLang="en-US" sz="4000" b="1" dirty="0">
-                <a:solidFill>
-                  <a:srgbClr val="002060"/>
-                </a:solidFill>
-                <a:latin typeface="微軟正黑體" pitchFamily="34" charset="-120"/>
-                <a:ea typeface="微軟正黑體" pitchFamily="34" charset="-120"/>
-              </a:rPr>
-              <a:t>愛永不變</a:t>
-            </a:r>
-            <a:endParaRPr lang="vi-VN" sz="4000" b="1" dirty="0">
-              <a:solidFill>
-                <a:srgbClr val="002060"/>
-              </a:solidFill>
-              <a:ea typeface="微軟正黑體" pitchFamily="34" charset="-120"/>
-            </a:endParaRPr>
-          </a:p>
-        </p:txBody>
-      </p:sp>
-      <p:sp>
-        <p:nvSpPr>
-          <p:cNvPr id="3" name="Content Placeholder 2"/>
-          <p:cNvSpPr>
-            <a:spLocks noGrp="1"/>
-          </p:cNvSpPr>
-          <p:nvPr>
-            <p:ph idx="1"/>
-          </p:nvPr>
-        </p:nvSpPr>
-        <p:spPr>
-          <a:xfrm>
-            <a:off x="0" y="964395"/>
-            <a:ext cx="9144000" cy="3547325"/>
-          </a:xfrm>
-        </p:spPr>
-        <p:txBody>
-          <a:bodyPr anchor="t">
-            <a:noAutofit/>
-          </a:bodyPr>
-          <a:lstStyle/>
-          <a:p>
             <a:pPr marL="0" indent="0" algn="ctr">
               <a:buNone/>
             </a:pPr>
             <a:r>
               <a:rPr lang="zh-TW" altLang="en-US" sz="4800" b="1" dirty="0">
                 <a:solidFill>
-                  <a:srgbClr val="002060"/>
-                </a:solidFill>
-                <a:latin typeface="微軟正黑體" pitchFamily="34" charset="-120"/>
-                <a:ea typeface="微軟正黑體" pitchFamily="34" charset="-120"/>
-              </a:rPr>
-              <a:t>哦 你愛永不</a:t>
+                  <a:srgbClr val="000066"/>
+                </a:solidFill>
+                <a:latin typeface="微軟正黑體" pitchFamily="34" charset="-120"/>
+                <a:ea typeface="微軟正黑體" pitchFamily="34" charset="-120"/>
+              </a:rPr>
+              <a:t>哦 </a:t>
             </a:r>
             <a:r>
               <a:rPr lang="zh-TW" altLang="en-US" sz="4800" b="1" dirty="0" smtClean="0">
                 <a:solidFill>
-                  <a:srgbClr val="002060"/>
-                </a:solidFill>
-                <a:latin typeface="微軟正黑體" pitchFamily="34" charset="-120"/>
-                <a:ea typeface="微軟正黑體" pitchFamily="34" charset="-120"/>
-              </a:rPr>
-              <a:t>變</a:t>
-            </a:r>
-            <a:r>
-              <a:rPr lang="en-US" altLang="zh-TW" sz="4800" b="1" dirty="0" smtClean="0">
-                <a:solidFill>
-                  <a:srgbClr val="002060"/>
+                  <a:srgbClr val="000066"/>
+                </a:solidFill>
+                <a:latin typeface="微軟正黑體" pitchFamily="34" charset="-120"/>
+                <a:ea typeface="微軟正黑體" pitchFamily="34" charset="-120"/>
+              </a:rPr>
+              <a:t> </a:t>
+            </a:r>
+            <a:r>
+              <a:rPr lang="zh-CN" altLang="en-US" sz="4800" b="1" dirty="0" smtClean="0">
+                <a:solidFill>
+                  <a:srgbClr val="000066"/>
+                </a:solidFill>
+                <a:latin typeface="微軟正黑體" pitchFamily="34" charset="-120"/>
+                <a:ea typeface="微軟正黑體" pitchFamily="34" charset="-120"/>
+              </a:rPr>
+              <a:t>袮</a:t>
+            </a:r>
+            <a:r>
+              <a:rPr lang="zh-TW" altLang="en-US" sz="4800" b="1" dirty="0" smtClean="0">
+                <a:solidFill>
+                  <a:srgbClr val="000066"/>
+                </a:solidFill>
+                <a:latin typeface="微軟正黑體" pitchFamily="34" charset="-120"/>
+                <a:ea typeface="微軟正黑體" pitchFamily="34" charset="-120"/>
+              </a:rPr>
+              <a:t>愛</a:t>
+            </a:r>
+            <a:r>
+              <a:rPr lang="zh-TW" altLang="en-US" sz="4800" b="1" dirty="0">
+                <a:solidFill>
+                  <a:srgbClr val="000066"/>
+                </a:solidFill>
+                <a:latin typeface="微軟正黑體" pitchFamily="34" charset="-120"/>
+                <a:ea typeface="微軟正黑體" pitchFamily="34" charset="-120"/>
+              </a:rPr>
+              <a:t>永不變</a:t>
+            </a:r>
+            <a:r>
+              <a:rPr lang="en-US" altLang="zh-TW" sz="4800" b="1" dirty="0">
+                <a:solidFill>
+                  <a:srgbClr val="000066"/>
                 </a:solidFill>
                 <a:latin typeface="微軟正黑體" pitchFamily="34" charset="-120"/>
                 <a:ea typeface="微軟正黑體" pitchFamily="34" charset="-120"/>
@@ -5764,28 +4112,18 @@
               <a:t>  </a:t>
             </a:r>
             <a:r>
-              <a:rPr lang="zh-TW" altLang="en-US" sz="4800" b="1" dirty="0" smtClean="0">
-                <a:solidFill>
-                  <a:srgbClr val="002060"/>
-                </a:solidFill>
-                <a:latin typeface="微軟正黑體" pitchFamily="34" charset="-120"/>
-                <a:ea typeface="微軟正黑體" pitchFamily="34" charset="-120"/>
-              </a:rPr>
-              <a:t>從</a:t>
-            </a:r>
-            <a:r>
               <a:rPr lang="zh-TW" altLang="en-US" sz="4800" b="1" dirty="0">
                 <a:solidFill>
-                  <a:srgbClr val="002060"/>
-                </a:solidFill>
-                <a:latin typeface="微軟正黑體" pitchFamily="34" charset="-120"/>
-                <a:ea typeface="微軟正黑體" pitchFamily="34" charset="-120"/>
-              </a:rPr>
-              <a:t>今直到永遠</a:t>
+                  <a:srgbClr val="000066"/>
+                </a:solidFill>
+                <a:latin typeface="微軟正黑體" pitchFamily="34" charset="-120"/>
+                <a:ea typeface="微軟正黑體" pitchFamily="34" charset="-120"/>
+              </a:rPr>
+              <a:t>從今直到永遠</a:t>
             </a:r>
             <a:endParaRPr lang="en-US" altLang="zh-TW" sz="4800" b="1" dirty="0">
               <a:solidFill>
-                <a:srgbClr val="002060"/>
+                <a:srgbClr val="000066"/>
               </a:solidFill>
               <a:latin typeface="微軟正黑體" pitchFamily="34" charset="-120"/>
               <a:ea typeface="微軟正黑體" pitchFamily="34" charset="-120"/>
@@ -5798,123 +4136,85 @@
             <a:r>
               <a:rPr lang="zh-TW" altLang="en-US" sz="4800" b="1" dirty="0">
                 <a:solidFill>
-                  <a:srgbClr val="002060"/>
-                </a:solidFill>
-                <a:latin typeface="微軟正黑體" pitchFamily="34" charset="-120"/>
-                <a:ea typeface="微軟正黑體" pitchFamily="34" charset="-120"/>
-              </a:rPr>
-              <a:t>深深澆灌我心</a:t>
-            </a:r>
-            <a:r>
-              <a:rPr lang="zh-TW" altLang="en-US" sz="4800" b="1" dirty="0" smtClean="0">
-                <a:solidFill>
-                  <a:srgbClr val="002060"/>
-                </a:solidFill>
-                <a:latin typeface="微軟正黑體" pitchFamily="34" charset="-120"/>
-                <a:ea typeface="微軟正黑體" pitchFamily="34" charset="-120"/>
-              </a:rPr>
-              <a:t>田</a:t>
-            </a:r>
-            <a:endParaRPr lang="en-US" altLang="zh-TW" sz="4800" b="1" dirty="0" smtClean="0">
+                  <a:srgbClr val="000066"/>
+                </a:solidFill>
+                <a:latin typeface="微軟正黑體" pitchFamily="34" charset="-120"/>
+                <a:ea typeface="微軟正黑體" pitchFamily="34" charset="-120"/>
+              </a:rPr>
+              <a:t>深深澆灌我心田</a:t>
+            </a:r>
+            <a:endParaRPr lang="en-US" altLang="zh-TW" sz="4800" b="1" dirty="0">
               <a:solidFill>
-                <a:srgbClr val="002060"/>
+                <a:srgbClr val="000066"/>
               </a:solidFill>
               <a:latin typeface="微軟正黑體" pitchFamily="34" charset="-120"/>
               <a:ea typeface="微軟正黑體" pitchFamily="34" charset="-120"/>
             </a:endParaRPr>
           </a:p>
-          <a:p>
-            <a:pPr marL="0" indent="0" algn="ctr">
-              <a:buNone/>
-            </a:pPr>
-            <a:r>
-              <a:rPr lang="zh-TW" altLang="en-US" sz="4800" b="1" dirty="0">
-                <a:solidFill>
-                  <a:srgbClr val="002060"/>
-                </a:solidFill>
-                <a:latin typeface="微軟正黑體" pitchFamily="34" charset="-120"/>
-                <a:ea typeface="微軟正黑體" pitchFamily="34" charset="-120"/>
-              </a:rPr>
-              <a:t>或天旋或地</a:t>
-            </a:r>
-            <a:r>
-              <a:rPr lang="zh-TW" altLang="en-US" sz="4800" b="1" dirty="0" smtClean="0">
-                <a:solidFill>
-                  <a:srgbClr val="002060"/>
-                </a:solidFill>
-                <a:latin typeface="微軟正黑體" pitchFamily="34" charset="-120"/>
-                <a:ea typeface="微軟正黑體" pitchFamily="34" charset="-120"/>
-              </a:rPr>
-              <a:t>轉</a:t>
-            </a:r>
-            <a:r>
-              <a:rPr lang="en-US" altLang="zh-TW" sz="4800" b="1" dirty="0" smtClean="0">
-                <a:solidFill>
-                  <a:srgbClr val="002060"/>
-                </a:solidFill>
-                <a:latin typeface="微軟正黑體" pitchFamily="34" charset="-120"/>
-                <a:ea typeface="微軟正黑體" pitchFamily="34" charset="-120"/>
-              </a:rPr>
-              <a:t>  </a:t>
-            </a:r>
-            <a:r>
-              <a:rPr lang="zh-TW" altLang="en-US" sz="4800" b="1" dirty="0" smtClean="0">
-                <a:solidFill>
-                  <a:srgbClr val="002060"/>
-                </a:solidFill>
-                <a:latin typeface="微軟正黑體" pitchFamily="34" charset="-120"/>
-                <a:ea typeface="微軟正黑體" pitchFamily="34" charset="-120"/>
-              </a:rPr>
-              <a:t>經</a:t>
-            </a:r>
-            <a:r>
-              <a:rPr lang="zh-TW" altLang="en-US" sz="4800" b="1" dirty="0">
-                <a:solidFill>
-                  <a:srgbClr val="002060"/>
-                </a:solidFill>
-                <a:latin typeface="微軟正黑體" pitchFamily="34" charset="-120"/>
-                <a:ea typeface="微軟正黑體" pitchFamily="34" charset="-120"/>
-              </a:rPr>
-              <a:t>滄海歷桑田</a:t>
-            </a:r>
-            <a:endParaRPr lang="en-US" altLang="zh-TW" sz="4800" b="1" dirty="0">
+        </p:txBody>
+      </p:sp>
+      <p:sp>
+        <p:nvSpPr>
+          <p:cNvPr id="3" name="TextBox 2"/>
+          <p:cNvSpPr txBox="1"/>
+          <p:nvPr/>
+        </p:nvSpPr>
+        <p:spPr>
+          <a:xfrm>
+            <a:off x="0" y="3813889"/>
+            <a:ext cx="9144000" cy="646331"/>
+          </a:xfrm>
+          <a:prstGeom prst="rect">
+            <a:avLst/>
+          </a:prstGeom>
+          <a:noFill/>
+        </p:spPr>
+        <p:txBody>
+          <a:bodyPr wrap="square" rtlCol="0">
+            <a:spAutoFit/>
+          </a:bodyPr>
+          <a:lstStyle/>
+          <a:p>
+            <a:pPr algn="ctr"/>
+            <a:r>
+              <a:rPr lang="en-US" sz="3600" b="1" dirty="0">
+                <a:solidFill>
+                  <a:srgbClr val="000066"/>
+                </a:solidFill>
+                <a:effectLst/>
+                <a:latin typeface="Microsoft JhengHei" panose="020B0604030504040204" pitchFamily="34" charset="-120"/>
+                <a:ea typeface="Microsoft JhengHei" panose="020B0604030504040204" pitchFamily="34" charset="-120"/>
+              </a:rPr>
+              <a:t>( </a:t>
+            </a:r>
+            <a:r>
+              <a:rPr lang="zh-CN" altLang="en-US" sz="3600" b="1" dirty="0" smtClean="0">
+                <a:solidFill>
+                  <a:srgbClr val="000066"/>
+                </a:solidFill>
+                <a:effectLst/>
+                <a:latin typeface="Microsoft JhengHei" panose="020B0604030504040204" pitchFamily="34" charset="-120"/>
+                <a:ea typeface="Microsoft JhengHei" panose="020B0604030504040204" pitchFamily="34" charset="-120"/>
+              </a:rPr>
+              <a:t>副</a:t>
+            </a:r>
+            <a:r>
+              <a:rPr lang="en-US" sz="3600" b="1" dirty="0" smtClean="0">
+                <a:solidFill>
+                  <a:srgbClr val="000066"/>
+                </a:solidFill>
+                <a:effectLst/>
+                <a:latin typeface="Microsoft JhengHei" panose="020B0604030504040204" pitchFamily="34" charset="-120"/>
+                <a:ea typeface="Microsoft JhengHei" panose="020B0604030504040204" pitchFamily="34" charset="-120"/>
+              </a:rPr>
+              <a:t> )</a:t>
+            </a:r>
+            <a:endParaRPr lang="vi-VN" sz="3600" b="1" dirty="0">
               <a:solidFill>
-                <a:srgbClr val="002060"/>
+                <a:srgbClr val="000066"/>
               </a:solidFill>
-              <a:latin typeface="微軟正黑體" pitchFamily="34" charset="-120"/>
-              <a:ea typeface="微軟正黑體" pitchFamily="34" charset="-120"/>
-            </a:endParaRPr>
-          </a:p>
-          <a:p>
-            <a:pPr marL="0" indent="0" algn="ctr">
-              <a:buNone/>
-            </a:pPr>
-            <a:r>
-              <a:rPr lang="zh-TW" altLang="en-US" sz="4800" b="1" dirty="0">
-                <a:solidFill>
-                  <a:srgbClr val="002060"/>
-                </a:solidFill>
-                <a:latin typeface="微軟正黑體" pitchFamily="34" charset="-120"/>
-                <a:ea typeface="微軟正黑體" pitchFamily="34" charset="-120"/>
-              </a:rPr>
-              <a:t>都不能叫我與你愛隔絕</a:t>
-            </a:r>
-            <a:endParaRPr lang="vi-VN" sz="4800" b="1" dirty="0">
-              <a:solidFill>
-                <a:srgbClr val="002060"/>
-              </a:solidFill>
-              <a:ea typeface="微軟正黑體" pitchFamily="34" charset="-120"/>
-            </a:endParaRPr>
-          </a:p>
-          <a:p>
-            <a:pPr marL="0" indent="0" algn="ctr">
-              <a:buNone/>
-            </a:pPr>
-            <a:endParaRPr lang="vi-VN" sz="4800" b="1" dirty="0">
-              <a:solidFill>
-                <a:srgbClr val="002060"/>
-              </a:solidFill>
-              <a:ea typeface="微軟正黑體" pitchFamily="34" charset="-120"/>
+              <a:effectLst/>
+              <a:ea typeface="Microsoft JhengHei" panose="020B0604030504040204" pitchFamily="34" charset="-120"/>
             </a:endParaRPr>
           </a:p>
         </p:txBody>
@@ -5922,20 +4222,13 @@
     </p:spTree>
     <p:extLst>
       <p:ext uri="{BB962C8B-B14F-4D97-AF65-F5344CB8AC3E}">
-        <p14:creationId xmlns:p14="http://schemas.microsoft.com/office/powerpoint/2010/main" xmlns="" val="705494551"/>
+        <p14:creationId xmlns:p14="http://schemas.microsoft.com/office/powerpoint/2010/main" val="3865357722"/>
       </p:ext>
     </p:extLst>
   </p:cSld>
   <p:clrMapOvr>
     <a:masterClrMapping/>
   </p:clrMapOvr>
-  <p:timing>
-    <p:tnLst>
-      <p:par>
-        <p:cTn id="1" dur="indefinite" restart="never" nodeType="tmRoot"/>
-      </p:par>
-    </p:tnLst>
-  </p:timing>
 </p:sld>
 </file>
 
@@ -5958,104 +4251,43 @@
       </p:grpSpPr>
       <p:sp>
         <p:nvSpPr>
-          <p:cNvPr id="2" name="Title 1"/>
-          <p:cNvSpPr>
-            <a:spLocks noGrp="1"/>
-          </p:cNvSpPr>
-          <p:nvPr>
-            <p:ph type="title"/>
+          <p:cNvPr id="5" name="內容版面配置區 4"/>
+          <p:cNvSpPr>
+            <a:spLocks noGrp="1"/>
+          </p:cNvSpPr>
+          <p:nvPr>
+            <p:ph idx="1"/>
           </p:nvPr>
         </p:nvSpPr>
         <p:spPr>
           <a:xfrm>
-            <a:off x="0" y="267494"/>
-            <a:ext cx="9144000" cy="696521"/>
+            <a:off x="0" y="1563638"/>
+            <a:ext cx="9144000" cy="1803647"/>
           </a:xfrm>
         </p:spPr>
         <p:txBody>
-          <a:bodyPr>
-            <a:noAutofit/>
+          <a:bodyPr anchor="ctr">
+            <a:normAutofit/>
           </a:bodyPr>
           <a:lstStyle/>
           <a:p>
-            <a:r>
-              <a:rPr lang="zh-CN" altLang="en-US" sz="4000" b="1" dirty="0" smtClean="0">
-                <a:solidFill>
-                  <a:srgbClr val="002060"/>
-                </a:solidFill>
-                <a:latin typeface="微軟正黑體" pitchFamily="34" charset="-120"/>
-                <a:ea typeface="微軟正黑體" pitchFamily="34" charset="-120"/>
-              </a:rPr>
-              <a:t>你</a:t>
-            </a:r>
-            <a:r>
-              <a:rPr lang="zh-CN" altLang="en-US" sz="4000" b="1" dirty="0">
-                <a:solidFill>
-                  <a:srgbClr val="002060"/>
-                </a:solidFill>
-                <a:latin typeface="微軟正黑體" pitchFamily="34" charset="-120"/>
-                <a:ea typeface="微軟正黑體" pitchFamily="34" charset="-120"/>
-              </a:rPr>
-              <a:t>愛永不變</a:t>
-            </a:r>
-            <a:endParaRPr lang="vi-VN" sz="4000" b="1" dirty="0">
-              <a:solidFill>
-                <a:srgbClr val="002060"/>
-              </a:solidFill>
-              <a:ea typeface="微軟正黑體" pitchFamily="34" charset="-120"/>
-            </a:endParaRPr>
-          </a:p>
-        </p:txBody>
-      </p:sp>
-      <p:sp>
-        <p:nvSpPr>
-          <p:cNvPr id="3" name="Content Placeholder 2"/>
-          <p:cNvSpPr>
-            <a:spLocks noGrp="1"/>
-          </p:cNvSpPr>
-          <p:nvPr>
-            <p:ph idx="1"/>
-          </p:nvPr>
-        </p:nvSpPr>
-        <p:spPr>
-          <a:xfrm>
-            <a:off x="0" y="964395"/>
-            <a:ext cx="9144000" cy="3547325"/>
-          </a:xfrm>
-        </p:spPr>
-        <p:txBody>
-          <a:bodyPr anchor="t">
-            <a:noAutofit/>
-          </a:bodyPr>
-          <a:lstStyle/>
-          <a:p>
             <a:pPr marL="0" indent="0" algn="ctr">
               <a:buNone/>
             </a:pPr>
             <a:r>
               <a:rPr lang="zh-TW" altLang="en-US" sz="4800" b="1" dirty="0">
                 <a:solidFill>
-                  <a:srgbClr val="002060"/>
-                </a:solidFill>
-                <a:latin typeface="微軟正黑體" pitchFamily="34" charset="-120"/>
-                <a:ea typeface="微軟正黑體" pitchFamily="34" charset="-120"/>
-              </a:rPr>
-              <a:t>哦 你愛永不</a:t>
-            </a:r>
-            <a:r>
-              <a:rPr lang="zh-TW" altLang="en-US" sz="4800" b="1" dirty="0" smtClean="0">
-                <a:solidFill>
-                  <a:srgbClr val="002060"/>
-                </a:solidFill>
-                <a:latin typeface="微軟正黑體" pitchFamily="34" charset="-120"/>
-                <a:ea typeface="微軟正黑體" pitchFamily="34" charset="-120"/>
-              </a:rPr>
-              <a:t>變</a:t>
-            </a:r>
-            <a:r>
-              <a:rPr lang="en-US" altLang="zh-TW" sz="4800" b="1" dirty="0" smtClean="0">
-                <a:solidFill>
-                  <a:srgbClr val="002060"/>
+                  <a:srgbClr val="000066"/>
+                </a:solidFill>
+                <a:latin typeface="微軟正黑體" pitchFamily="34" charset="-120"/>
+                <a:ea typeface="微軟正黑體" pitchFamily="34" charset="-120"/>
+              </a:rPr>
+              <a:t>或傷心或氣餒</a:t>
+            </a:r>
+            <a:r>
+              <a:rPr lang="en-US" altLang="zh-TW" sz="4800" b="1" dirty="0">
+                <a:solidFill>
+                  <a:srgbClr val="000066"/>
                 </a:solidFill>
                 <a:latin typeface="微軟正黑體" pitchFamily="34" charset="-120"/>
                 <a:ea typeface="微軟正黑體" pitchFamily="34" charset="-120"/>
@@ -6063,28 +4295,18 @@
               <a:t>  </a:t>
             </a:r>
             <a:r>
-              <a:rPr lang="zh-TW" altLang="en-US" sz="4800" b="1" dirty="0" smtClean="0">
-                <a:solidFill>
-                  <a:srgbClr val="002060"/>
-                </a:solidFill>
-                <a:latin typeface="微軟正黑體" pitchFamily="34" charset="-120"/>
-                <a:ea typeface="微軟正黑體" pitchFamily="34" charset="-120"/>
-              </a:rPr>
-              <a:t>從</a:t>
-            </a:r>
-            <a:r>
               <a:rPr lang="zh-TW" altLang="en-US" sz="4800" b="1" dirty="0">
                 <a:solidFill>
-                  <a:srgbClr val="002060"/>
-                </a:solidFill>
-                <a:latin typeface="微軟正黑體" pitchFamily="34" charset="-120"/>
-                <a:ea typeface="微軟正黑體" pitchFamily="34" charset="-120"/>
-              </a:rPr>
-              <a:t>今直到永遠</a:t>
+                  <a:srgbClr val="000066"/>
+                </a:solidFill>
+                <a:latin typeface="微軟正黑體" pitchFamily="34" charset="-120"/>
+                <a:ea typeface="微軟正黑體" pitchFamily="34" charset="-120"/>
+              </a:rPr>
+              <a:t>或生離或死別</a:t>
             </a:r>
             <a:endParaRPr lang="en-US" altLang="zh-TW" sz="4800" b="1" dirty="0">
               <a:solidFill>
-                <a:srgbClr val="002060"/>
+                <a:srgbClr val="000066"/>
               </a:solidFill>
               <a:latin typeface="微軟正黑體" pitchFamily="34" charset="-120"/>
               <a:ea typeface="微軟正黑體" pitchFamily="34" charset="-120"/>
@@ -6097,101 +4319,7 @@
             <a:r>
               <a:rPr lang="zh-TW" altLang="en-US" sz="4800" b="1" dirty="0">
                 <a:solidFill>
-                  <a:srgbClr val="002060"/>
-                </a:solidFill>
-                <a:latin typeface="微軟正黑體" pitchFamily="34" charset="-120"/>
-                <a:ea typeface="微軟正黑體" pitchFamily="34" charset="-120"/>
-              </a:rPr>
-              <a:t>深深澆灌我心</a:t>
-            </a:r>
-            <a:r>
-              <a:rPr lang="zh-TW" altLang="en-US" sz="4800" b="1" dirty="0" smtClean="0">
-                <a:solidFill>
-                  <a:srgbClr val="002060"/>
-                </a:solidFill>
-                <a:latin typeface="微軟正黑體" pitchFamily="34" charset="-120"/>
-                <a:ea typeface="微軟正黑體" pitchFamily="34" charset="-120"/>
-              </a:rPr>
-              <a:t>田</a:t>
-            </a:r>
-            <a:endParaRPr lang="en-US" altLang="zh-TW" sz="4800" b="1" dirty="0" smtClean="0">
-              <a:solidFill>
-                <a:srgbClr val="002060"/>
-              </a:solidFill>
-              <a:latin typeface="微軟正黑體" pitchFamily="34" charset="-120"/>
-              <a:ea typeface="微軟正黑體" pitchFamily="34" charset="-120"/>
-            </a:endParaRPr>
-          </a:p>
-          <a:p>
-            <a:pPr marL="0" indent="0" algn="ctr">
-              <a:buNone/>
-            </a:pPr>
-            <a:r>
-              <a:rPr lang="zh-TW" altLang="en-US" sz="4800" b="1" dirty="0">
-                <a:solidFill>
-                  <a:srgbClr val="002060"/>
-                </a:solidFill>
-                <a:latin typeface="微軟正黑體" pitchFamily="34" charset="-120"/>
-                <a:ea typeface="微軟正黑體" pitchFamily="34" charset="-120"/>
-              </a:rPr>
-              <a:t>或傷心或氣</a:t>
-            </a:r>
-            <a:r>
-              <a:rPr lang="zh-TW" altLang="en-US" sz="4800" b="1" dirty="0" smtClean="0">
-                <a:solidFill>
-                  <a:srgbClr val="002060"/>
-                </a:solidFill>
-                <a:latin typeface="微軟正黑體" pitchFamily="34" charset="-120"/>
-                <a:ea typeface="微軟正黑體" pitchFamily="34" charset="-120"/>
-              </a:rPr>
-              <a:t>餒</a:t>
-            </a:r>
-            <a:r>
-              <a:rPr lang="en-US" altLang="zh-TW" sz="4800" b="1" dirty="0" smtClean="0">
-                <a:solidFill>
-                  <a:srgbClr val="002060"/>
-                </a:solidFill>
-                <a:latin typeface="微軟正黑體" pitchFamily="34" charset="-120"/>
-                <a:ea typeface="微軟正黑體" pitchFamily="34" charset="-120"/>
-              </a:rPr>
-              <a:t>  </a:t>
-            </a:r>
-            <a:r>
-              <a:rPr lang="zh-TW" altLang="en-US" sz="4800" b="1" dirty="0" smtClean="0">
-                <a:solidFill>
-                  <a:srgbClr val="002060"/>
-                </a:solidFill>
-                <a:latin typeface="微軟正黑體" pitchFamily="34" charset="-120"/>
-                <a:ea typeface="微軟正黑體" pitchFamily="34" charset="-120"/>
-              </a:rPr>
-              <a:t>或</a:t>
-            </a:r>
-            <a:r>
-              <a:rPr lang="zh-TW" altLang="en-US" sz="4800" b="1" dirty="0">
-                <a:solidFill>
-                  <a:srgbClr val="002060"/>
-                </a:solidFill>
-                <a:latin typeface="微軟正黑體" pitchFamily="34" charset="-120"/>
-                <a:ea typeface="微軟正黑體" pitchFamily="34" charset="-120"/>
-              </a:rPr>
-              <a:t>生離或死別</a:t>
-            </a:r>
-            <a:endParaRPr lang="en-US" altLang="zh-TW" sz="4800" b="1" dirty="0">
-              <a:solidFill>
-                <a:srgbClr val="002060"/>
-              </a:solidFill>
-              <a:latin typeface="微軟正黑體" pitchFamily="34" charset="-120"/>
-              <a:ea typeface="微軟正黑體" pitchFamily="34" charset="-120"/>
-            </a:endParaRPr>
-          </a:p>
-          <a:p>
-            <a:pPr marL="0" indent="0" algn="ctr">
-              <a:buNone/>
-            </a:pPr>
-            <a:r>
-              <a:rPr lang="zh-TW" altLang="en-US" sz="4800" b="1" dirty="0">
-                <a:solidFill>
-                  <a:srgbClr val="002060"/>
+                  <a:srgbClr val="000066"/>
                 </a:solidFill>
                 <a:latin typeface="微軟正黑體" pitchFamily="34" charset="-120"/>
                 <a:ea typeface="微軟正黑體" pitchFamily="34" charset="-120"/>
@@ -6200,20 +4328,75 @@
             </a:r>
             <a:endParaRPr lang="vi-VN" sz="4800" b="1" dirty="0">
               <a:solidFill>
-                <a:srgbClr val="002060"/>
+                <a:srgbClr val="000066"/>
               </a:solidFill>
               <a:ea typeface="微軟正黑體" pitchFamily="34" charset="-120"/>
             </a:endParaRPr>
           </a:p>
-          <a:p>
-            <a:pPr marL="0" indent="0" algn="ctr">
-              <a:buNone/>
-            </a:pPr>
-            <a:endParaRPr lang="vi-VN" sz="4800" b="1" dirty="0">
+        </p:txBody>
+      </p:sp>
+      <p:sp>
+        <p:nvSpPr>
+          <p:cNvPr id="3" name="TextBox 2"/>
+          <p:cNvSpPr txBox="1"/>
+          <p:nvPr/>
+        </p:nvSpPr>
+        <p:spPr>
+          <a:xfrm>
+            <a:off x="0" y="3813889"/>
+            <a:ext cx="9144000" cy="646331"/>
+          </a:xfrm>
+          <a:prstGeom prst="rect">
+            <a:avLst/>
+          </a:prstGeom>
+          <a:noFill/>
+        </p:spPr>
+        <p:txBody>
+          <a:bodyPr wrap="square" rtlCol="0">
+            <a:spAutoFit/>
+          </a:bodyPr>
+          <a:lstStyle/>
+          <a:p>
+            <a:pPr algn="ctr"/>
+            <a:r>
+              <a:rPr lang="en-US" sz="3600" b="1" dirty="0">
+                <a:solidFill>
+                  <a:srgbClr val="000066"/>
+                </a:solidFill>
+                <a:effectLst/>
+                <a:latin typeface="Microsoft JhengHei" panose="020B0604030504040204" pitchFamily="34" charset="-120"/>
+                <a:ea typeface="Microsoft JhengHei" panose="020B0604030504040204" pitchFamily="34" charset="-120"/>
+              </a:rPr>
+              <a:t>( </a:t>
+            </a:r>
+            <a:r>
+              <a:rPr lang="zh-CN" altLang="en-US" sz="3600" b="1" dirty="0" smtClean="0">
+                <a:solidFill>
+                  <a:srgbClr val="000066"/>
+                </a:solidFill>
+                <a:effectLst/>
+                <a:latin typeface="Microsoft JhengHei" panose="020B0604030504040204" pitchFamily="34" charset="-120"/>
+                <a:ea typeface="Microsoft JhengHei" panose="020B0604030504040204" pitchFamily="34" charset="-120"/>
+              </a:rPr>
+              <a:t>副</a:t>
+            </a:r>
+            <a:r>
+              <a:rPr lang="en-US" sz="3600" b="1" dirty="0" smtClean="0">
+                <a:solidFill>
+                  <a:srgbClr val="000066"/>
+                </a:solidFill>
+                <a:effectLst/>
+                <a:latin typeface="Microsoft JhengHei" panose="020B0604030504040204" pitchFamily="34" charset="-120"/>
+                <a:ea typeface="Microsoft JhengHei" panose="020B0604030504040204" pitchFamily="34" charset="-120"/>
+              </a:rPr>
+              <a:t> )</a:t>
+            </a:r>
+            <a:endParaRPr lang="vi-VN" sz="3600" b="1" dirty="0">
               <a:solidFill>
-                <a:srgbClr val="002060"/>
+                <a:srgbClr val="000066"/>
               </a:solidFill>
-              <a:ea typeface="微軟正黑體" pitchFamily="34" charset="-120"/>
+              <a:effectLst/>
+              <a:ea typeface="Microsoft JhengHei" panose="020B0604030504040204" pitchFamily="34" charset="-120"/>
             </a:endParaRPr>
           </a:p>
         </p:txBody>
@@ -6221,20 +4404,13 @@
     </p:spTree>
     <p:extLst>
       <p:ext uri="{BB962C8B-B14F-4D97-AF65-F5344CB8AC3E}">
-        <p14:creationId xmlns:p14="http://schemas.microsoft.com/office/powerpoint/2010/main" xmlns="" val="2830321773"/>
+        <p14:creationId xmlns:p14="http://schemas.microsoft.com/office/powerpoint/2010/main" val="4085174059"/>
       </p:ext>
     </p:extLst>
   </p:cSld>
   <p:clrMapOvr>
     <a:masterClrMapping/>
   </p:clrMapOvr>
-  <p:timing>
-    <p:tnLst>
-      <p:par>
-        <p:cTn id="1" dur="indefinite" restart="never" nodeType="tmRoot"/>
-      </p:par>
-    </p:tnLst>
-  </p:timing>
 </p:sld>
 </file>
 
@@ -6257,104 +4433,73 @@
       </p:grpSpPr>
       <p:sp>
         <p:nvSpPr>
-          <p:cNvPr id="2" name="Title 1"/>
-          <p:cNvSpPr>
-            <a:spLocks noGrp="1"/>
-          </p:cNvSpPr>
-          <p:nvPr>
-            <p:ph type="title"/>
+          <p:cNvPr id="5" name="內容版面配置區 4"/>
+          <p:cNvSpPr>
+            <a:spLocks noGrp="1"/>
+          </p:cNvSpPr>
+          <p:nvPr>
+            <p:ph idx="1"/>
           </p:nvPr>
         </p:nvSpPr>
         <p:spPr>
           <a:xfrm>
-            <a:off x="0" y="267494"/>
-            <a:ext cx="9144000" cy="696521"/>
+            <a:off x="0" y="1563638"/>
+            <a:ext cx="9144000" cy="1803647"/>
           </a:xfrm>
         </p:spPr>
         <p:txBody>
-          <a:bodyPr>
-            <a:noAutofit/>
+          <a:bodyPr anchor="ctr">
+            <a:normAutofit/>
           </a:bodyPr>
           <a:lstStyle/>
           <a:p>
-            <a:r>
-              <a:rPr lang="zh-CN" altLang="en-US" sz="4000" b="1" dirty="0" smtClean="0">
-                <a:solidFill>
-                  <a:srgbClr val="002060"/>
-                </a:solidFill>
-                <a:latin typeface="微軟正黑體" pitchFamily="34" charset="-120"/>
-                <a:ea typeface="微軟正黑體" pitchFamily="34" charset="-120"/>
-              </a:rPr>
-              <a:t>你</a:t>
-            </a:r>
-            <a:r>
-              <a:rPr lang="zh-CN" altLang="en-US" sz="4000" b="1" dirty="0">
-                <a:solidFill>
-                  <a:srgbClr val="002060"/>
-                </a:solidFill>
-                <a:latin typeface="微軟正黑體" pitchFamily="34" charset="-120"/>
-                <a:ea typeface="微軟正黑體" pitchFamily="34" charset="-120"/>
-              </a:rPr>
-              <a:t>愛永不變</a:t>
-            </a:r>
-            <a:endParaRPr lang="vi-VN" sz="4000" b="1" dirty="0">
-              <a:solidFill>
-                <a:srgbClr val="002060"/>
-              </a:solidFill>
-              <a:ea typeface="微軟正黑體" pitchFamily="34" charset="-120"/>
-            </a:endParaRPr>
-          </a:p>
-        </p:txBody>
-      </p:sp>
-      <p:sp>
-        <p:nvSpPr>
-          <p:cNvPr id="3" name="Content Placeholder 2"/>
-          <p:cNvSpPr>
-            <a:spLocks noGrp="1"/>
-          </p:cNvSpPr>
-          <p:nvPr>
-            <p:ph idx="1"/>
-          </p:nvPr>
-        </p:nvSpPr>
-        <p:spPr>
-          <a:xfrm>
-            <a:off x="0" y="964395"/>
-            <a:ext cx="9144000" cy="3547325"/>
-          </a:xfrm>
-        </p:spPr>
-        <p:txBody>
-          <a:bodyPr anchor="t">
-            <a:noAutofit/>
-          </a:bodyPr>
-          <a:lstStyle/>
-          <a:p>
             <a:pPr marL="0" indent="0" algn="ctr">
               <a:buNone/>
             </a:pPr>
             <a:r>
+              <a:rPr lang="zh-TW" altLang="en-US" sz="4800" b="1" dirty="0" smtClean="0">
+                <a:solidFill>
+                  <a:srgbClr val="000066"/>
+                </a:solidFill>
+                <a:latin typeface="微軟正黑體" pitchFamily="34" charset="-120"/>
+                <a:ea typeface="微軟正黑體" pitchFamily="34" charset="-120"/>
+              </a:rPr>
+              <a:t>哦  </a:t>
+            </a:r>
+            <a:r>
+              <a:rPr lang="zh-CN" altLang="en-US" sz="4800" b="1" dirty="0" smtClean="0">
+                <a:solidFill>
+                  <a:srgbClr val="000066"/>
+                </a:solidFill>
+                <a:latin typeface="微軟正黑體" pitchFamily="34" charset="-120"/>
+                <a:ea typeface="微軟正黑體" pitchFamily="34" charset="-120"/>
+              </a:rPr>
+              <a:t>袮</a:t>
+            </a:r>
+            <a:r>
+              <a:rPr lang="zh-TW" altLang="en-US" sz="4800" b="1" dirty="0" smtClean="0">
+                <a:solidFill>
+                  <a:srgbClr val="000066"/>
+                </a:solidFill>
+                <a:latin typeface="微軟正黑體" pitchFamily="34" charset="-120"/>
+                <a:ea typeface="微軟正黑體" pitchFamily="34" charset="-120"/>
+              </a:rPr>
+              <a:t>愛</a:t>
+            </a:r>
+            <a:r>
               <a:rPr lang="zh-TW" altLang="en-US" sz="4800" b="1" dirty="0">
                 <a:solidFill>
-                  <a:srgbClr val="002060"/>
-                </a:solidFill>
-                <a:latin typeface="微軟正黑體" pitchFamily="34" charset="-120"/>
-                <a:ea typeface="微軟正黑體" pitchFamily="34" charset="-120"/>
-              </a:rPr>
-              <a:t>哦 你愛永不</a:t>
-            </a:r>
-            <a:r>
-              <a:rPr lang="zh-TW" altLang="en-US" sz="4800" b="1" dirty="0" smtClean="0">
-                <a:solidFill>
-                  <a:srgbClr val="002060"/>
-                </a:solidFill>
-                <a:latin typeface="微軟正黑體" pitchFamily="34" charset="-120"/>
-                <a:ea typeface="微軟正黑體" pitchFamily="34" charset="-120"/>
-              </a:rPr>
-              <a:t>變</a:t>
-            </a:r>
-            <a:r>
-              <a:rPr lang="en-US" altLang="zh-TW" sz="4800" b="1" dirty="0" smtClean="0">
-                <a:solidFill>
-                  <a:srgbClr val="002060"/>
+                  <a:srgbClr val="000066"/>
+                </a:solidFill>
+                <a:latin typeface="微軟正黑體" pitchFamily="34" charset="-120"/>
+                <a:ea typeface="微軟正黑體" pitchFamily="34" charset="-120"/>
+              </a:rPr>
+              <a:t>永不變</a:t>
+            </a:r>
+            <a:r>
+              <a:rPr lang="en-US" altLang="zh-TW" sz="4800" b="1" dirty="0">
+                <a:solidFill>
+                  <a:srgbClr val="000066"/>
                 </a:solidFill>
                 <a:latin typeface="微軟正黑體" pitchFamily="34" charset="-120"/>
                 <a:ea typeface="微軟正黑體" pitchFamily="34" charset="-120"/>
@@ -6362,28 +4507,18 @@
               <a:t>  </a:t>
             </a:r>
             <a:r>
-              <a:rPr lang="zh-TW" altLang="en-US" sz="4800" b="1" dirty="0" smtClean="0">
-                <a:solidFill>
-                  <a:srgbClr val="002060"/>
-                </a:solidFill>
-                <a:latin typeface="微軟正黑體" pitchFamily="34" charset="-120"/>
-                <a:ea typeface="微軟正黑體" pitchFamily="34" charset="-120"/>
-              </a:rPr>
-              <a:t>從</a:t>
-            </a:r>
-            <a:r>
               <a:rPr lang="zh-TW" altLang="en-US" sz="4800" b="1" dirty="0">
                 <a:solidFill>
-                  <a:srgbClr val="002060"/>
-                </a:solidFill>
-                <a:latin typeface="微軟正黑體" pitchFamily="34" charset="-120"/>
-                <a:ea typeface="微軟正黑體" pitchFamily="34" charset="-120"/>
-              </a:rPr>
-              <a:t>今直到永遠</a:t>
+                  <a:srgbClr val="000066"/>
+                </a:solidFill>
+                <a:latin typeface="微軟正黑體" pitchFamily="34" charset="-120"/>
+                <a:ea typeface="微軟正黑體" pitchFamily="34" charset="-120"/>
+              </a:rPr>
+              <a:t>從今直到永遠</a:t>
             </a:r>
             <a:endParaRPr lang="en-US" altLang="zh-TW" sz="4800" b="1" dirty="0">
               <a:solidFill>
-                <a:srgbClr val="002060"/>
+                <a:srgbClr val="000066"/>
               </a:solidFill>
               <a:latin typeface="微軟正黑體" pitchFamily="34" charset="-120"/>
               <a:ea typeface="微軟正黑體" pitchFamily="34" charset="-120"/>
@@ -6396,123 +4531,85 @@
             <a:r>
               <a:rPr lang="zh-TW" altLang="en-US" sz="4800" b="1" dirty="0">
                 <a:solidFill>
-                  <a:srgbClr val="002060"/>
-                </a:solidFill>
-                <a:latin typeface="微軟正黑體" pitchFamily="34" charset="-120"/>
-                <a:ea typeface="微軟正黑體" pitchFamily="34" charset="-120"/>
-              </a:rPr>
-              <a:t>深深澆灌我心</a:t>
-            </a:r>
-            <a:r>
-              <a:rPr lang="zh-TW" altLang="en-US" sz="4800" b="1" dirty="0" smtClean="0">
-                <a:solidFill>
-                  <a:srgbClr val="002060"/>
-                </a:solidFill>
-                <a:latin typeface="微軟正黑體" pitchFamily="34" charset="-120"/>
-                <a:ea typeface="微軟正黑體" pitchFamily="34" charset="-120"/>
-              </a:rPr>
-              <a:t>田</a:t>
-            </a:r>
-            <a:endParaRPr lang="en-US" altLang="zh-TW" sz="4800" b="1" dirty="0" smtClean="0">
+                  <a:srgbClr val="000066"/>
+                </a:solidFill>
+                <a:latin typeface="微軟正黑體" pitchFamily="34" charset="-120"/>
+                <a:ea typeface="微軟正黑體" pitchFamily="34" charset="-120"/>
+              </a:rPr>
+              <a:t>深深澆灌我心田</a:t>
+            </a:r>
+            <a:endParaRPr lang="en-US" altLang="zh-TW" sz="4800" b="1" dirty="0">
               <a:solidFill>
-                <a:srgbClr val="002060"/>
+                <a:srgbClr val="000066"/>
               </a:solidFill>
               <a:latin typeface="微軟正黑體" pitchFamily="34" charset="-120"/>
               <a:ea typeface="微軟正黑體" pitchFamily="34" charset="-120"/>
             </a:endParaRPr>
           </a:p>
-          <a:p>
-            <a:pPr marL="0" indent="0" algn="ctr">
-              <a:buNone/>
-            </a:pPr>
-            <a:r>
-              <a:rPr lang="zh-TW" altLang="en-US" sz="4800" b="1" dirty="0">
-                <a:solidFill>
-                  <a:srgbClr val="002060"/>
-                </a:solidFill>
-                <a:latin typeface="微軟正黑體" pitchFamily="34" charset="-120"/>
-                <a:ea typeface="微軟正黑體" pitchFamily="34" charset="-120"/>
-              </a:rPr>
-              <a:t>或天旋或地</a:t>
-            </a:r>
-            <a:r>
-              <a:rPr lang="zh-TW" altLang="en-US" sz="4800" b="1" dirty="0" smtClean="0">
-                <a:solidFill>
-                  <a:srgbClr val="002060"/>
-                </a:solidFill>
-                <a:latin typeface="微軟正黑體" pitchFamily="34" charset="-120"/>
-                <a:ea typeface="微軟正黑體" pitchFamily="34" charset="-120"/>
-              </a:rPr>
-              <a:t>轉</a:t>
-            </a:r>
-            <a:r>
-              <a:rPr lang="en-US" altLang="zh-TW" sz="4800" b="1" dirty="0" smtClean="0">
-                <a:solidFill>
-                  <a:srgbClr val="002060"/>
-                </a:solidFill>
-                <a:latin typeface="微軟正黑體" pitchFamily="34" charset="-120"/>
-                <a:ea typeface="微軟正黑體" pitchFamily="34" charset="-120"/>
-              </a:rPr>
-              <a:t>  </a:t>
-            </a:r>
-            <a:r>
-              <a:rPr lang="zh-TW" altLang="en-US" sz="4800" b="1" dirty="0" smtClean="0">
-                <a:solidFill>
-                  <a:srgbClr val="002060"/>
-                </a:solidFill>
-                <a:latin typeface="微軟正黑體" pitchFamily="34" charset="-120"/>
-                <a:ea typeface="微軟正黑體" pitchFamily="34" charset="-120"/>
-              </a:rPr>
-              <a:t>經</a:t>
-            </a:r>
-            <a:r>
-              <a:rPr lang="zh-TW" altLang="en-US" sz="4800" b="1" dirty="0">
-                <a:solidFill>
-                  <a:srgbClr val="002060"/>
-                </a:solidFill>
-                <a:latin typeface="微軟正黑體" pitchFamily="34" charset="-120"/>
-                <a:ea typeface="微軟正黑體" pitchFamily="34" charset="-120"/>
-              </a:rPr>
-              <a:t>滄海歷桑田</a:t>
-            </a:r>
-            <a:endParaRPr lang="en-US" altLang="zh-TW" sz="4800" b="1" dirty="0">
+        </p:txBody>
+      </p:sp>
+      <p:sp>
+        <p:nvSpPr>
+          <p:cNvPr id="3" name="TextBox 2"/>
+          <p:cNvSpPr txBox="1"/>
+          <p:nvPr/>
+        </p:nvSpPr>
+        <p:spPr>
+          <a:xfrm>
+            <a:off x="0" y="3813889"/>
+            <a:ext cx="9144000" cy="646331"/>
+          </a:xfrm>
+          <a:prstGeom prst="rect">
+            <a:avLst/>
+          </a:prstGeom>
+          <a:noFill/>
+        </p:spPr>
+        <p:txBody>
+          <a:bodyPr wrap="square" rtlCol="0">
+            <a:spAutoFit/>
+          </a:bodyPr>
+          <a:lstStyle/>
+          <a:p>
+            <a:pPr algn="ctr"/>
+            <a:r>
+              <a:rPr lang="en-US" sz="3600" b="1" dirty="0">
+                <a:solidFill>
+                  <a:srgbClr val="000066"/>
+                </a:solidFill>
+                <a:effectLst/>
+                <a:latin typeface="Microsoft JhengHei" panose="020B0604030504040204" pitchFamily="34" charset="-120"/>
+                <a:ea typeface="Microsoft JhengHei" panose="020B0604030504040204" pitchFamily="34" charset="-120"/>
+              </a:rPr>
+              <a:t>( </a:t>
+            </a:r>
+            <a:r>
+              <a:rPr lang="zh-CN" altLang="en-US" sz="3600" b="1" dirty="0" smtClean="0">
+                <a:solidFill>
+                  <a:srgbClr val="000066"/>
+                </a:solidFill>
+                <a:effectLst/>
+                <a:latin typeface="Microsoft JhengHei" panose="020B0604030504040204" pitchFamily="34" charset="-120"/>
+                <a:ea typeface="Microsoft JhengHei" panose="020B0604030504040204" pitchFamily="34" charset="-120"/>
+              </a:rPr>
+              <a:t>副</a:t>
+            </a:r>
+            <a:r>
+              <a:rPr lang="en-US" sz="3600" b="1" dirty="0" smtClean="0">
+                <a:solidFill>
+                  <a:srgbClr val="000066"/>
+                </a:solidFill>
+                <a:effectLst/>
+                <a:latin typeface="Microsoft JhengHei" panose="020B0604030504040204" pitchFamily="34" charset="-120"/>
+                <a:ea typeface="Microsoft JhengHei" panose="020B0604030504040204" pitchFamily="34" charset="-120"/>
+              </a:rPr>
+              <a:t> )</a:t>
+            </a:r>
+            <a:endParaRPr lang="vi-VN" sz="3600" b="1" dirty="0">
               <a:solidFill>
-                <a:srgbClr val="002060"/>
+                <a:srgbClr val="000066"/>
               </a:solidFill>
-              <a:latin typeface="微軟正黑體" pitchFamily="34" charset="-120"/>
-              <a:ea typeface="微軟正黑體" pitchFamily="34" charset="-120"/>
-            </a:endParaRPr>
-          </a:p>
-          <a:p>
-            <a:pPr marL="0" indent="0" algn="ctr">
-              <a:buNone/>
-            </a:pPr>
-            <a:r>
-              <a:rPr lang="zh-TW" altLang="en-US" sz="4800" b="1" dirty="0">
-                <a:solidFill>
-                  <a:srgbClr val="002060"/>
-                </a:solidFill>
-                <a:latin typeface="微軟正黑體" pitchFamily="34" charset="-120"/>
-                <a:ea typeface="微軟正黑體" pitchFamily="34" charset="-120"/>
-              </a:rPr>
-              <a:t>都不能叫我與你愛隔絕</a:t>
-            </a:r>
-            <a:endParaRPr lang="vi-VN" sz="4800" b="1" dirty="0">
-              <a:solidFill>
-                <a:srgbClr val="002060"/>
-              </a:solidFill>
-              <a:ea typeface="微軟正黑體" pitchFamily="34" charset="-120"/>
-            </a:endParaRPr>
-          </a:p>
-          <a:p>
-            <a:pPr marL="0" indent="0" algn="ctr">
-              <a:buNone/>
-            </a:pPr>
-            <a:endParaRPr lang="vi-VN" sz="4800" b="1" dirty="0">
-              <a:solidFill>
-                <a:srgbClr val="002060"/>
-              </a:solidFill>
-              <a:ea typeface="微軟正黑體" pitchFamily="34" charset="-120"/>
+              <a:effectLst/>
+              <a:ea typeface="Microsoft JhengHei" panose="020B0604030504040204" pitchFamily="34" charset="-120"/>
             </a:endParaRPr>
           </a:p>
         </p:txBody>
@@ -6520,20 +4617,13 @@
     </p:spTree>
     <p:extLst>
       <p:ext uri="{BB962C8B-B14F-4D97-AF65-F5344CB8AC3E}">
-        <p14:creationId xmlns:p14="http://schemas.microsoft.com/office/powerpoint/2010/main" xmlns="" val="705494551"/>
+        <p14:creationId xmlns:p14="http://schemas.microsoft.com/office/powerpoint/2010/main" val="836992860"/>
       </p:ext>
     </p:extLst>
   </p:cSld>
   <p:clrMapOvr>
     <a:masterClrMapping/>
   </p:clrMapOvr>
-  <p:timing>
-    <p:tnLst>
-      <p:par>
-        <p:cTn id="1" dur="indefinite" restart="never" nodeType="tmRoot"/>
-      </p:par>
-    </p:tnLst>
-  </p:timing>
 </p:sld>
 </file>
 
@@ -6556,35 +4646,7 @@
       </p:grpSpPr>
       <p:sp>
         <p:nvSpPr>
-          <p:cNvPr id="2" name="標題 1"/>
-          <p:cNvSpPr>
-            <a:spLocks noGrp="1"/>
-          </p:cNvSpPr>
-          <p:nvPr>
-            <p:ph type="title"/>
-          </p:nvPr>
-        </p:nvSpPr>
-        <p:spPr/>
-        <p:txBody>
-          <a:bodyPr/>
-          <a:lstStyle/>
-          <a:p>
-            <a:r>
-              <a:rPr lang="zh-TW" altLang="en-US" b="1" dirty="0">
-                <a:solidFill>
-                  <a:srgbClr val="660033"/>
-                </a:solidFill>
-                <a:latin typeface="微軟正黑體" pitchFamily="34" charset="-120"/>
-                <a:ea typeface="微軟正黑體" pitchFamily="34" charset="-120"/>
-              </a:rPr>
-              <a:t>每一天我需要你</a:t>
-            </a:r>
-          </a:p>
-        </p:txBody>
-      </p:sp>
-      <p:sp>
-        <p:nvSpPr>
-          <p:cNvPr id="3" name="內容版面配置區 2"/>
+          <p:cNvPr id="5" name="內容版面配置區 4"/>
           <p:cNvSpPr>
             <a:spLocks noGrp="1"/>
           </p:cNvSpPr>
@@ -6594,196 +4656,212 @@
         </p:nvSpPr>
         <p:spPr>
           <a:xfrm>
-            <a:off x="0" y="1200151"/>
-            <a:ext cx="9144000" cy="3394472"/>
+            <a:off x="0" y="1563638"/>
+            <a:ext cx="9144000" cy="1803647"/>
           </a:xfrm>
         </p:spPr>
         <p:txBody>
-          <a:bodyPr>
-            <a:noAutofit/>
+          <a:bodyPr anchor="ctr">
+            <a:normAutofit/>
           </a:bodyPr>
           <a:lstStyle/>
           <a:p>
-            <a:pPr algn="ctr">
+            <a:pPr marL="0" indent="0" algn="ctr">
               <a:buNone/>
             </a:pPr>
             <a:r>
-              <a:rPr lang="zh-TW" altLang="en-US" sz="5400" b="1" dirty="0">
-                <a:solidFill>
-                  <a:srgbClr val="660033"/>
-                </a:solidFill>
-                <a:latin typeface="微軟正黑體" pitchFamily="34" charset="-120"/>
-                <a:ea typeface="微軟正黑體" pitchFamily="34" charset="-120"/>
-              </a:rPr>
-              <a:t>讓我坦然無懼來到施恩座</a:t>
-            </a:r>
-            <a:r>
-              <a:rPr lang="zh-TW" altLang="en-US" sz="5400" b="1" dirty="0" smtClean="0">
-                <a:solidFill>
-                  <a:srgbClr val="660033"/>
-                </a:solidFill>
-                <a:latin typeface="微軟正黑體" pitchFamily="34" charset="-120"/>
-                <a:ea typeface="微軟正黑體" pitchFamily="34" charset="-120"/>
-              </a:rPr>
-              <a:t>前</a:t>
-            </a:r>
-            <a:endParaRPr lang="en-US" altLang="zh-TW" sz="5400" b="1" dirty="0" smtClean="0">
+              <a:rPr lang="zh-TW" altLang="en-US" sz="4800" b="1" dirty="0">
+                <a:solidFill>
+                  <a:srgbClr val="000066"/>
+                </a:solidFill>
+                <a:latin typeface="微軟正黑體" pitchFamily="34" charset="-120"/>
+                <a:ea typeface="微軟正黑體" pitchFamily="34" charset="-120"/>
+              </a:rPr>
+              <a:t>或天旋或地轉</a:t>
+            </a:r>
+            <a:r>
+              <a:rPr lang="en-US" altLang="zh-TW" sz="4800" b="1" dirty="0">
+                <a:solidFill>
+                  <a:srgbClr val="000066"/>
+                </a:solidFill>
+                <a:latin typeface="微軟正黑體" pitchFamily="34" charset="-120"/>
+                <a:ea typeface="微軟正黑體" pitchFamily="34" charset="-120"/>
+              </a:rPr>
+              <a:t>  </a:t>
+            </a:r>
+            <a:r>
+              <a:rPr lang="en-US" altLang="zh-TW" sz="4800" b="1" dirty="0" smtClean="0">
+                <a:solidFill>
+                  <a:srgbClr val="000066"/>
+                </a:solidFill>
+                <a:latin typeface="微軟正黑體" pitchFamily="34" charset="-120"/>
+                <a:ea typeface="微軟正黑體" pitchFamily="34" charset="-120"/>
+              </a:rPr>
+              <a:t> </a:t>
+            </a:r>
+            <a:r>
+              <a:rPr lang="zh-TW" altLang="en-US" sz="4800" b="1" dirty="0" smtClean="0">
+                <a:solidFill>
+                  <a:srgbClr val="000066"/>
+                </a:solidFill>
+                <a:latin typeface="微軟正黑體" pitchFamily="34" charset="-120"/>
+                <a:ea typeface="微軟正黑體" pitchFamily="34" charset="-120"/>
+              </a:rPr>
+              <a:t>經</a:t>
+            </a:r>
+            <a:r>
+              <a:rPr lang="zh-TW" altLang="en-US" sz="4800" b="1" dirty="0">
+                <a:solidFill>
+                  <a:srgbClr val="000066"/>
+                </a:solidFill>
+                <a:latin typeface="微軟正黑體" pitchFamily="34" charset="-120"/>
+                <a:ea typeface="微軟正黑體" pitchFamily="34" charset="-120"/>
+              </a:rPr>
+              <a:t>滄海歷桑田</a:t>
+            </a:r>
+            <a:endParaRPr lang="en-US" altLang="zh-TW" sz="4800" b="1" dirty="0">
               <a:solidFill>
-                <a:srgbClr val="660033"/>
+                <a:srgbClr val="000066"/>
               </a:solidFill>
               <a:latin typeface="微軟正黑體" pitchFamily="34" charset="-120"/>
               <a:ea typeface="微軟正黑體" pitchFamily="34" charset="-120"/>
             </a:endParaRPr>
           </a:p>
           <a:p>
-            <a:pPr algn="ctr">
+            <a:pPr marL="0" indent="0" algn="ctr">
               <a:buNone/>
             </a:pPr>
             <a:r>
-              <a:rPr lang="zh-TW" altLang="en-US" sz="5400" b="1" dirty="0" smtClean="0">
-                <a:solidFill>
-                  <a:srgbClr val="660033"/>
-                </a:solidFill>
-                <a:latin typeface="微軟正黑體" pitchFamily="34" charset="-120"/>
-                <a:ea typeface="微軟正黑體" pitchFamily="34" charset="-120"/>
-              </a:rPr>
-              <a:t>用</a:t>
-            </a:r>
-            <a:r>
-              <a:rPr lang="zh-TW" altLang="en-US" sz="5400" b="1" dirty="0">
-                <a:solidFill>
-                  <a:srgbClr val="660033"/>
-                </a:solidFill>
-                <a:latin typeface="微軟正黑體" pitchFamily="34" charset="-120"/>
-                <a:ea typeface="微軟正黑體" pitchFamily="34" charset="-120"/>
-              </a:rPr>
-              <a:t>心靈誠實尋求</a:t>
-            </a:r>
-            <a:r>
-              <a:rPr lang="zh-TW" altLang="en-US" sz="5400" b="1" dirty="0" smtClean="0">
-                <a:solidFill>
-                  <a:srgbClr val="660033"/>
-                </a:solidFill>
-                <a:latin typeface="微軟正黑體" pitchFamily="34" charset="-120"/>
-                <a:ea typeface="微軟正黑體" pitchFamily="34" charset="-120"/>
-              </a:rPr>
-              <a:t>你</a:t>
-            </a:r>
-            <a:endParaRPr lang="en-US" altLang="zh-TW" sz="5400" b="1" dirty="0">
+              <a:rPr lang="zh-TW" altLang="en-US" sz="4800" b="1" dirty="0">
+                <a:solidFill>
+                  <a:srgbClr val="000066"/>
+                </a:solidFill>
+                <a:latin typeface="微軟正黑體" pitchFamily="34" charset="-120"/>
+                <a:ea typeface="微軟正黑體" pitchFamily="34" charset="-120"/>
+              </a:rPr>
+              <a:t>都不能叫我</a:t>
+            </a:r>
+            <a:r>
+              <a:rPr lang="zh-TW" altLang="en-US" sz="4800" b="1" dirty="0" smtClean="0">
+                <a:solidFill>
+                  <a:srgbClr val="000066"/>
+                </a:solidFill>
+                <a:latin typeface="微軟正黑體" pitchFamily="34" charset="-120"/>
+                <a:ea typeface="微軟正黑體" pitchFamily="34" charset="-120"/>
+              </a:rPr>
+              <a:t>與</a:t>
+            </a:r>
+            <a:r>
+              <a:rPr lang="zh-CN" altLang="en-US" sz="4800" b="1" dirty="0">
+                <a:solidFill>
+                  <a:srgbClr val="000066"/>
+                </a:solidFill>
+                <a:latin typeface="微軟正黑體" pitchFamily="34" charset="-120"/>
+                <a:ea typeface="微軟正黑體" pitchFamily="34" charset="-120"/>
+              </a:rPr>
+              <a:t>袮</a:t>
+            </a:r>
+            <a:r>
+              <a:rPr lang="zh-TW" altLang="en-US" sz="4800" b="1" dirty="0" smtClean="0">
+                <a:solidFill>
+                  <a:srgbClr val="000066"/>
+                </a:solidFill>
+                <a:latin typeface="微軟正黑體" pitchFamily="34" charset="-120"/>
+                <a:ea typeface="微軟正黑體" pitchFamily="34" charset="-120"/>
+              </a:rPr>
+              <a:t>愛</a:t>
+            </a:r>
+            <a:r>
+              <a:rPr lang="zh-TW" altLang="en-US" sz="4800" b="1" dirty="0">
+                <a:solidFill>
+                  <a:srgbClr val="000066"/>
+                </a:solidFill>
+                <a:latin typeface="微軟正黑體" pitchFamily="34" charset="-120"/>
+                <a:ea typeface="微軟正黑體" pitchFamily="34" charset="-120"/>
+              </a:rPr>
+              <a:t>隔絕</a:t>
+            </a:r>
+            <a:endParaRPr lang="vi-VN" sz="4800" b="1" dirty="0">
               <a:solidFill>
-                <a:srgbClr val="660033"/>
+                <a:srgbClr val="000066"/>
               </a:solidFill>
-              <a:latin typeface="微軟正黑體" pitchFamily="34" charset="-120"/>
               <a:ea typeface="微軟正黑體" pitchFamily="34" charset="-120"/>
             </a:endParaRPr>
           </a:p>
-          <a:p>
-            <a:pPr algn="ctr">
-              <a:buNone/>
-            </a:pPr>
-            <a:r>
-              <a:rPr lang="zh-TW" altLang="en-US" sz="5400" b="1" dirty="0" smtClean="0">
-                <a:solidFill>
-                  <a:srgbClr val="660033"/>
-                </a:solidFill>
-                <a:latin typeface="微軟正黑體" pitchFamily="34" charset="-120"/>
-                <a:ea typeface="微軟正黑體" pitchFamily="34" charset="-120"/>
-              </a:rPr>
-              <a:t>親愛的</a:t>
-            </a:r>
-            <a:r>
-              <a:rPr lang="zh-TW" altLang="en-US" sz="5400" b="1" dirty="0">
-                <a:solidFill>
-                  <a:srgbClr val="660033"/>
-                </a:solidFill>
-                <a:latin typeface="微軟正黑體" pitchFamily="34" charset="-120"/>
-                <a:ea typeface="微軟正黑體" pitchFamily="34" charset="-120"/>
-              </a:rPr>
-              <a:t>天父我何等地需要</a:t>
-            </a:r>
-            <a:r>
-              <a:rPr lang="zh-TW" altLang="en-US" sz="5400" b="1" dirty="0" smtClean="0">
-                <a:solidFill>
-                  <a:srgbClr val="660033"/>
-                </a:solidFill>
-                <a:latin typeface="微軟正黑體" pitchFamily="34" charset="-120"/>
-                <a:ea typeface="微軟正黑體" pitchFamily="34" charset="-120"/>
-              </a:rPr>
-              <a:t>你</a:t>
-            </a:r>
-            <a:endParaRPr lang="en-US" altLang="zh-TW" sz="5400" b="1" dirty="0" smtClean="0">
+        </p:txBody>
+      </p:sp>
+      <p:sp>
+        <p:nvSpPr>
+          <p:cNvPr id="3" name="TextBox 2"/>
+          <p:cNvSpPr txBox="1"/>
+          <p:nvPr/>
+        </p:nvSpPr>
+        <p:spPr>
+          <a:xfrm>
+            <a:off x="0" y="3813889"/>
+            <a:ext cx="9144000" cy="646331"/>
+          </a:xfrm>
+          <a:prstGeom prst="rect">
+            <a:avLst/>
+          </a:prstGeom>
+          <a:noFill/>
+        </p:spPr>
+        <p:txBody>
+          <a:bodyPr wrap="square" rtlCol="0">
+            <a:spAutoFit/>
+          </a:bodyPr>
+          <a:lstStyle/>
+          <a:p>
+            <a:pPr algn="ctr"/>
+            <a:r>
+              <a:rPr lang="en-US" sz="3600" b="1" dirty="0">
+                <a:solidFill>
+                  <a:srgbClr val="000066"/>
+                </a:solidFill>
+                <a:effectLst/>
+                <a:latin typeface="Microsoft JhengHei" panose="020B0604030504040204" pitchFamily="34" charset="-120"/>
+                <a:ea typeface="Microsoft JhengHei" panose="020B0604030504040204" pitchFamily="34" charset="-120"/>
+              </a:rPr>
+              <a:t>( </a:t>
+            </a:r>
+            <a:r>
+              <a:rPr lang="zh-CN" altLang="en-US" sz="3600" b="1" dirty="0" smtClean="0">
+                <a:solidFill>
+                  <a:srgbClr val="000066"/>
+                </a:solidFill>
+                <a:effectLst/>
+                <a:latin typeface="Microsoft JhengHei" panose="020B0604030504040204" pitchFamily="34" charset="-120"/>
+                <a:ea typeface="Microsoft JhengHei" panose="020B0604030504040204" pitchFamily="34" charset="-120"/>
+              </a:rPr>
+              <a:t>副</a:t>
+            </a:r>
+            <a:r>
+              <a:rPr lang="en-US" sz="3600" b="1" dirty="0" smtClean="0">
+                <a:solidFill>
+                  <a:srgbClr val="000066"/>
+                </a:solidFill>
+                <a:effectLst/>
+                <a:latin typeface="Microsoft JhengHei" panose="020B0604030504040204" pitchFamily="34" charset="-120"/>
+                <a:ea typeface="Microsoft JhengHei" panose="020B0604030504040204" pitchFamily="34" charset="-120"/>
+              </a:rPr>
+              <a:t> )</a:t>
+            </a:r>
+            <a:endParaRPr lang="vi-VN" sz="3600" b="1" dirty="0">
               <a:solidFill>
-                <a:srgbClr val="660033"/>
+                <a:srgbClr val="000066"/>
               </a:solidFill>
-              <a:latin typeface="微軟正黑體" pitchFamily="34" charset="-120"/>
-              <a:ea typeface="微軟正黑體" pitchFamily="34" charset="-120"/>
+              <a:effectLst/>
+              <a:ea typeface="Microsoft JhengHei" panose="020B0604030504040204" pitchFamily="34" charset="-120"/>
             </a:endParaRPr>
           </a:p>
-          <a:p>
-            <a:pPr algn="ctr">
-              <a:buNone/>
-            </a:pPr>
-            <a:r>
-              <a:rPr lang="zh-TW" altLang="en-US" sz="5400" b="1" dirty="0" smtClean="0">
-                <a:solidFill>
-                  <a:srgbClr val="660033"/>
-                </a:solidFill>
-                <a:latin typeface="微軟正黑體" pitchFamily="34" charset="-120"/>
-                <a:ea typeface="微軟正黑體" pitchFamily="34" charset="-120"/>
-              </a:rPr>
-              <a:t>需要</a:t>
-            </a:r>
-            <a:r>
-              <a:rPr lang="zh-TW" altLang="en-US" sz="5400" b="1" dirty="0">
-                <a:solidFill>
-                  <a:srgbClr val="660033"/>
-                </a:solidFill>
-                <a:latin typeface="微軟正黑體" pitchFamily="34" charset="-120"/>
-                <a:ea typeface="微軟正黑體" pitchFamily="34" charset="-120"/>
-              </a:rPr>
-              <a:t>更多你的同</a:t>
-            </a:r>
-            <a:r>
-              <a:rPr lang="zh-TW" altLang="en-US" sz="5400" b="1" dirty="0" smtClean="0">
-                <a:solidFill>
-                  <a:srgbClr val="660033"/>
-                </a:solidFill>
-                <a:latin typeface="微軟正黑體" pitchFamily="34" charset="-120"/>
-                <a:ea typeface="微軟正黑體" pitchFamily="34" charset="-120"/>
-              </a:rPr>
-              <a:t>在  在</a:t>
-            </a:r>
-            <a:r>
-              <a:rPr lang="zh-TW" altLang="en-US" sz="5400" b="1" dirty="0">
-                <a:solidFill>
-                  <a:srgbClr val="660033"/>
-                </a:solidFill>
-                <a:latin typeface="微軟正黑體" pitchFamily="34" charset="-120"/>
-                <a:ea typeface="微軟正黑體" pitchFamily="34" charset="-120"/>
-              </a:rPr>
-              <a:t>我</a:t>
-            </a:r>
-            <a:r>
-              <a:rPr lang="zh-TW" altLang="en-US" sz="5400" b="1" dirty="0" smtClean="0">
-                <a:solidFill>
-                  <a:srgbClr val="660033"/>
-                </a:solidFill>
-                <a:latin typeface="微軟正黑體" pitchFamily="34" charset="-120"/>
-                <a:ea typeface="微軟正黑體" pitchFamily="34" charset="-120"/>
-              </a:rPr>
-              <a:t>生命</a:t>
-            </a:r>
-            <a:endParaRPr lang="zh-TW" altLang="en-US" sz="5400" b="1" dirty="0">
-              <a:solidFill>
-                <a:srgbClr val="660033"/>
-              </a:solidFill>
-              <a:latin typeface="微軟正黑體" pitchFamily="34" charset="-120"/>
-              <a:ea typeface="微軟正黑體" pitchFamily="34" charset="-120"/>
-            </a:endParaRPr>
-          </a:p>
         </p:txBody>
       </p:sp>
     </p:spTree>
+    <p:extLst>
+      <p:ext uri="{BB962C8B-B14F-4D97-AF65-F5344CB8AC3E}">
+        <p14:creationId xmlns:p14="http://schemas.microsoft.com/office/powerpoint/2010/main" val="623494746"/>
+      </p:ext>
+    </p:extLst>
   </p:cSld>
   <p:clrMapOvr>
     <a:masterClrMapping/>

--- a/你愛永不變.pptx
+++ b/你愛永不變.pptx
@@ -114,7 +114,7 @@
   </p:defaultTextStyle>
   <p:extLst>
     <p:ext uri="{EFAFB233-063F-42B5-8137-9DF3F51BA10A}">
-      <p15:sldGuideLst xmlns:p15="http://schemas.microsoft.com/office/powerpoint/2012/main">
+      <p15:sldGuideLst xmlns:p15="http://schemas.microsoft.com/office/powerpoint/2012/main" xmlns="">
         <p15:guide id="1" orient="horz" pos="1620">
           <p15:clr>
             <a:srgbClr val="A4A3A4"/>
@@ -313,7 +313,7 @@
             <a:fld id="{BC4F40AC-92D7-480D-97D1-79286808B11F}" type="datetimeFigureOut">
               <a:rPr lang="zh-TW" altLang="en-US" smtClean="0"/>
               <a:pPr/>
-              <a:t>2022/2/18</a:t>
+              <a:t>2022/7/12</a:t>
             </a:fld>
             <a:endParaRPr lang="zh-TW" altLang="en-US"/>
           </a:p>
@@ -480,7 +480,7 @@
             <a:fld id="{BC4F40AC-92D7-480D-97D1-79286808B11F}" type="datetimeFigureOut">
               <a:rPr lang="zh-TW" altLang="en-US" smtClean="0"/>
               <a:pPr/>
-              <a:t>2022/2/18</a:t>
+              <a:t>2022/7/12</a:t>
             </a:fld>
             <a:endParaRPr lang="zh-TW" altLang="en-US"/>
           </a:p>
@@ -657,7 +657,7 @@
             <a:fld id="{BC4F40AC-92D7-480D-97D1-79286808B11F}" type="datetimeFigureOut">
               <a:rPr lang="zh-TW" altLang="en-US" smtClean="0"/>
               <a:pPr/>
-              <a:t>2022/2/18</a:t>
+              <a:t>2022/7/12</a:t>
             </a:fld>
             <a:endParaRPr lang="zh-TW" altLang="en-US"/>
           </a:p>
@@ -824,7 +824,7 @@
             <a:fld id="{BC4F40AC-92D7-480D-97D1-79286808B11F}" type="datetimeFigureOut">
               <a:rPr lang="zh-TW" altLang="en-US" smtClean="0"/>
               <a:pPr/>
-              <a:t>2022/2/18</a:t>
+              <a:t>2022/7/12</a:t>
             </a:fld>
             <a:endParaRPr lang="zh-TW" altLang="en-US"/>
           </a:p>
@@ -1067,7 +1067,7 @@
             <a:fld id="{BC4F40AC-92D7-480D-97D1-79286808B11F}" type="datetimeFigureOut">
               <a:rPr lang="zh-TW" altLang="en-US" smtClean="0"/>
               <a:pPr/>
-              <a:t>2022/2/18</a:t>
+              <a:t>2022/7/12</a:t>
             </a:fld>
             <a:endParaRPr lang="zh-TW" altLang="en-US"/>
           </a:p>
@@ -1352,7 +1352,7 @@
             <a:fld id="{BC4F40AC-92D7-480D-97D1-79286808B11F}" type="datetimeFigureOut">
               <a:rPr lang="zh-TW" altLang="en-US" smtClean="0"/>
               <a:pPr/>
-              <a:t>2022/2/18</a:t>
+              <a:t>2022/7/12</a:t>
             </a:fld>
             <a:endParaRPr lang="zh-TW" altLang="en-US"/>
           </a:p>
@@ -1771,7 +1771,7 @@
             <a:fld id="{BC4F40AC-92D7-480D-97D1-79286808B11F}" type="datetimeFigureOut">
               <a:rPr lang="zh-TW" altLang="en-US" smtClean="0"/>
               <a:pPr/>
-              <a:t>2022/2/18</a:t>
+              <a:t>2022/7/12</a:t>
             </a:fld>
             <a:endParaRPr lang="zh-TW" altLang="en-US"/>
           </a:p>
@@ -1886,7 +1886,7 @@
             <a:fld id="{BC4F40AC-92D7-480D-97D1-79286808B11F}" type="datetimeFigureOut">
               <a:rPr lang="zh-TW" altLang="en-US" smtClean="0"/>
               <a:pPr/>
-              <a:t>2022/2/18</a:t>
+              <a:t>2022/7/12</a:t>
             </a:fld>
             <a:endParaRPr lang="zh-TW" altLang="en-US"/>
           </a:p>
@@ -1978,7 +1978,7 @@
             <a:fld id="{BC4F40AC-92D7-480D-97D1-79286808B11F}" type="datetimeFigureOut">
               <a:rPr lang="zh-TW" altLang="en-US" smtClean="0"/>
               <a:pPr/>
-              <a:t>2022/2/18</a:t>
+              <a:t>2022/7/12</a:t>
             </a:fld>
             <a:endParaRPr lang="zh-TW" altLang="en-US"/>
           </a:p>
@@ -2252,7 +2252,7 @@
             <a:fld id="{BC4F40AC-92D7-480D-97D1-79286808B11F}" type="datetimeFigureOut">
               <a:rPr lang="zh-TW" altLang="en-US" smtClean="0"/>
               <a:pPr/>
-              <a:t>2022/2/18</a:t>
+              <a:t>2022/7/12</a:t>
             </a:fld>
             <a:endParaRPr lang="zh-TW" altLang="en-US"/>
           </a:p>
@@ -2506,7 +2506,7 @@
             <a:fld id="{BC4F40AC-92D7-480D-97D1-79286808B11F}" type="datetimeFigureOut">
               <a:rPr lang="zh-TW" altLang="en-US" smtClean="0"/>
               <a:pPr/>
-              <a:t>2022/2/18</a:t>
+              <a:t>2022/7/12</a:t>
             </a:fld>
             <a:endParaRPr lang="zh-TW" altLang="en-US"/>
           </a:p>
@@ -2721,7 +2721,7 @@
             <a:fld id="{BC4F40AC-92D7-480D-97D1-79286808B11F}" type="datetimeFigureOut">
               <a:rPr lang="zh-TW" altLang="en-US" smtClean="0"/>
               <a:pPr/>
-              <a:t>2022/2/18</a:t>
+              <a:t>2022/7/12</a:t>
             </a:fld>
             <a:endParaRPr lang="zh-TW" altLang="en-US"/>
           </a:p>
@@ -3168,7 +3168,7 @@
     </p:spTree>
     <p:extLst>
       <p:ext uri="{BB962C8B-B14F-4D97-AF65-F5344CB8AC3E}">
-        <p14:creationId xmlns:p14="http://schemas.microsoft.com/office/powerpoint/2010/main" val="1857657311"/>
+        <p14:creationId xmlns:p14="http://schemas.microsoft.com/office/powerpoint/2010/main" xmlns="" val="1857657311"/>
       </p:ext>
     </p:extLst>
   </p:cSld>
@@ -3352,7 +3352,7 @@
     </p:spTree>
     <p:extLst>
       <p:ext uri="{BB962C8B-B14F-4D97-AF65-F5344CB8AC3E}">
-        <p14:creationId xmlns:p14="http://schemas.microsoft.com/office/powerpoint/2010/main" val="4012161464"/>
+        <p14:creationId xmlns:p14="http://schemas.microsoft.com/office/powerpoint/2010/main" xmlns="" val="4012161464"/>
       </p:ext>
     </p:extLst>
   </p:cSld>
@@ -3594,7 +3594,7 @@
     </p:spTree>
     <p:extLst>
       <p:ext uri="{BB962C8B-B14F-4D97-AF65-F5344CB8AC3E}">
-        <p14:creationId xmlns:p14="http://schemas.microsoft.com/office/powerpoint/2010/main" val="2747191964"/>
+        <p14:creationId xmlns:p14="http://schemas.microsoft.com/office/powerpoint/2010/main" xmlns="" val="2747191964"/>
       </p:ext>
     </p:extLst>
   </p:cSld>
@@ -3797,7 +3797,7 @@
     </p:spTree>
     <p:extLst>
       <p:ext uri="{BB962C8B-B14F-4D97-AF65-F5344CB8AC3E}">
-        <p14:creationId xmlns:p14="http://schemas.microsoft.com/office/powerpoint/2010/main" val="712877131"/>
+        <p14:creationId xmlns:p14="http://schemas.microsoft.com/office/powerpoint/2010/main" xmlns="" val="712877131"/>
       </p:ext>
     </p:extLst>
   </p:cSld>
@@ -3999,7 +3999,7 @@
     </p:spTree>
     <p:extLst>
       <p:ext uri="{BB962C8B-B14F-4D97-AF65-F5344CB8AC3E}">
-        <p14:creationId xmlns:p14="http://schemas.microsoft.com/office/powerpoint/2010/main" val="696977571"/>
+        <p14:creationId xmlns:p14="http://schemas.microsoft.com/office/powerpoint/2010/main" xmlns="" val="696977571"/>
       </p:ext>
     </p:extLst>
   </p:cSld>
@@ -4222,7 +4222,7 @@
     </p:spTree>
     <p:extLst>
       <p:ext uri="{BB962C8B-B14F-4D97-AF65-F5344CB8AC3E}">
-        <p14:creationId xmlns:p14="http://schemas.microsoft.com/office/powerpoint/2010/main" val="3865357722"/>
+        <p14:creationId xmlns:p14="http://schemas.microsoft.com/office/powerpoint/2010/main" xmlns="" val="3865357722"/>
       </p:ext>
     </p:extLst>
   </p:cSld>
@@ -4404,7 +4404,7 @@
     </p:spTree>
     <p:extLst>
       <p:ext uri="{BB962C8B-B14F-4D97-AF65-F5344CB8AC3E}">
-        <p14:creationId xmlns:p14="http://schemas.microsoft.com/office/powerpoint/2010/main" val="4085174059"/>
+        <p14:creationId xmlns:p14="http://schemas.microsoft.com/office/powerpoint/2010/main" xmlns="" val="4085174059"/>
       </p:ext>
     </p:extLst>
   </p:cSld>
@@ -4617,7 +4617,7 @@
     </p:spTree>
     <p:extLst>
       <p:ext uri="{BB962C8B-B14F-4D97-AF65-F5344CB8AC3E}">
-        <p14:creationId xmlns:p14="http://schemas.microsoft.com/office/powerpoint/2010/main" val="836992860"/>
+        <p14:creationId xmlns:p14="http://schemas.microsoft.com/office/powerpoint/2010/main" xmlns="" val="836992860"/>
       </p:ext>
     </p:extLst>
   </p:cSld>
@@ -4859,7 +4859,7 @@
     </p:spTree>
     <p:extLst>
       <p:ext uri="{BB962C8B-B14F-4D97-AF65-F5344CB8AC3E}">
-        <p14:creationId xmlns:p14="http://schemas.microsoft.com/office/powerpoint/2010/main" val="623494746"/>
+        <p14:creationId xmlns:p14="http://schemas.microsoft.com/office/powerpoint/2010/main" xmlns="" val="623494746"/>
       </p:ext>
     </p:extLst>
   </p:cSld>

--- a/你愛永不變.pptx
+++ b/你愛永不變.pptx
@@ -114,7 +114,7 @@
   </p:defaultTextStyle>
   <p:extLst>
     <p:ext uri="{EFAFB233-063F-42B5-8137-9DF3F51BA10A}">
-      <p15:sldGuideLst xmlns:p15="http://schemas.microsoft.com/office/powerpoint/2012/main" xmlns="">
+      <p15:sldGuideLst xmlns:p15="http://schemas.microsoft.com/office/powerpoint/2012/main">
         <p15:guide id="1" orient="horz" pos="1620">
           <p15:clr>
             <a:srgbClr val="A4A3A4"/>
@@ -313,7 +313,7 @@
             <a:fld id="{BC4F40AC-92D7-480D-97D1-79286808B11F}" type="datetimeFigureOut">
               <a:rPr lang="zh-TW" altLang="en-US" smtClean="0"/>
               <a:pPr/>
-              <a:t>2022/7/12</a:t>
+              <a:t>2023/6/3</a:t>
             </a:fld>
             <a:endParaRPr lang="zh-TW" altLang="en-US"/>
           </a:p>
@@ -480,7 +480,7 @@
             <a:fld id="{BC4F40AC-92D7-480D-97D1-79286808B11F}" type="datetimeFigureOut">
               <a:rPr lang="zh-TW" altLang="en-US" smtClean="0"/>
               <a:pPr/>
-              <a:t>2022/7/12</a:t>
+              <a:t>2023/6/3</a:t>
             </a:fld>
             <a:endParaRPr lang="zh-TW" altLang="en-US"/>
           </a:p>
@@ -657,7 +657,7 @@
             <a:fld id="{BC4F40AC-92D7-480D-97D1-79286808B11F}" type="datetimeFigureOut">
               <a:rPr lang="zh-TW" altLang="en-US" smtClean="0"/>
               <a:pPr/>
-              <a:t>2022/7/12</a:t>
+              <a:t>2023/6/3</a:t>
             </a:fld>
             <a:endParaRPr lang="zh-TW" altLang="en-US"/>
           </a:p>
@@ -824,7 +824,7 @@
             <a:fld id="{BC4F40AC-92D7-480D-97D1-79286808B11F}" type="datetimeFigureOut">
               <a:rPr lang="zh-TW" altLang="en-US" smtClean="0"/>
               <a:pPr/>
-              <a:t>2022/7/12</a:t>
+              <a:t>2023/6/3</a:t>
             </a:fld>
             <a:endParaRPr lang="zh-TW" altLang="en-US"/>
           </a:p>
@@ -1067,7 +1067,7 @@
             <a:fld id="{BC4F40AC-92D7-480D-97D1-79286808B11F}" type="datetimeFigureOut">
               <a:rPr lang="zh-TW" altLang="en-US" smtClean="0"/>
               <a:pPr/>
-              <a:t>2022/7/12</a:t>
+              <a:t>2023/6/3</a:t>
             </a:fld>
             <a:endParaRPr lang="zh-TW" altLang="en-US"/>
           </a:p>
@@ -1352,7 +1352,7 @@
             <a:fld id="{BC4F40AC-92D7-480D-97D1-79286808B11F}" type="datetimeFigureOut">
               <a:rPr lang="zh-TW" altLang="en-US" smtClean="0"/>
               <a:pPr/>
-              <a:t>2022/7/12</a:t>
+              <a:t>2023/6/3</a:t>
             </a:fld>
             <a:endParaRPr lang="zh-TW" altLang="en-US"/>
           </a:p>
@@ -1771,7 +1771,7 @@
             <a:fld id="{BC4F40AC-92D7-480D-97D1-79286808B11F}" type="datetimeFigureOut">
               <a:rPr lang="zh-TW" altLang="en-US" smtClean="0"/>
               <a:pPr/>
-              <a:t>2022/7/12</a:t>
+              <a:t>2023/6/3</a:t>
             </a:fld>
             <a:endParaRPr lang="zh-TW" altLang="en-US"/>
           </a:p>
@@ -1886,7 +1886,7 @@
             <a:fld id="{BC4F40AC-92D7-480D-97D1-79286808B11F}" type="datetimeFigureOut">
               <a:rPr lang="zh-TW" altLang="en-US" smtClean="0"/>
               <a:pPr/>
-              <a:t>2022/7/12</a:t>
+              <a:t>2023/6/3</a:t>
             </a:fld>
             <a:endParaRPr lang="zh-TW" altLang="en-US"/>
           </a:p>
@@ -1978,7 +1978,7 @@
             <a:fld id="{BC4F40AC-92D7-480D-97D1-79286808B11F}" type="datetimeFigureOut">
               <a:rPr lang="zh-TW" altLang="en-US" smtClean="0"/>
               <a:pPr/>
-              <a:t>2022/7/12</a:t>
+              <a:t>2023/6/3</a:t>
             </a:fld>
             <a:endParaRPr lang="zh-TW" altLang="en-US"/>
           </a:p>
@@ -2252,7 +2252,7 @@
             <a:fld id="{BC4F40AC-92D7-480D-97D1-79286808B11F}" type="datetimeFigureOut">
               <a:rPr lang="zh-TW" altLang="en-US" smtClean="0"/>
               <a:pPr/>
-              <a:t>2022/7/12</a:t>
+              <a:t>2023/6/3</a:t>
             </a:fld>
             <a:endParaRPr lang="zh-TW" altLang="en-US"/>
           </a:p>
@@ -2506,7 +2506,7 @@
             <a:fld id="{BC4F40AC-92D7-480D-97D1-79286808B11F}" type="datetimeFigureOut">
               <a:rPr lang="zh-TW" altLang="en-US" smtClean="0"/>
               <a:pPr/>
-              <a:t>2022/7/12</a:t>
+              <a:t>2023/6/3</a:t>
             </a:fld>
             <a:endParaRPr lang="zh-TW" altLang="en-US"/>
           </a:p>
@@ -2721,7 +2721,7 @@
             <a:fld id="{BC4F40AC-92D7-480D-97D1-79286808B11F}" type="datetimeFigureOut">
               <a:rPr lang="zh-TW" altLang="en-US" smtClean="0"/>
               <a:pPr/>
-              <a:t>2022/7/12</a:t>
+              <a:t>2023/6/3</a:t>
             </a:fld>
             <a:endParaRPr lang="zh-TW" altLang="en-US"/>
           </a:p>
@@ -3129,7 +3129,24 @@
                 <a:latin typeface="微軟正黑體" pitchFamily="34" charset="-120"/>
                 <a:ea typeface="微軟正黑體" pitchFamily="34" charset="-120"/>
               </a:rPr>
-              <a:t>袮愛</a:t>
+              <a:t>祢</a:t>
+            </a:r>
+            <a:r>
+              <a:rPr lang="zh-CN" altLang="en-US" sz="5400" b="1" i="1" dirty="0">
+                <a:solidFill>
+                  <a:srgbClr val="000066"/>
+                </a:solidFill>
+                <a:effectLst>
+                  <a:outerShdw blurRad="38100" dist="38100" dir="2700000" algn="tl">
+                    <a:srgbClr val="000000">
+                      <a:alpha val="43137"/>
+                    </a:srgbClr>
+                  </a:outerShdw>
+                </a:effectLst>
+                <a:latin typeface="微軟正黑體" pitchFamily="34" charset="-120"/>
+                <a:ea typeface="微軟正黑體" pitchFamily="34" charset="-120"/>
+              </a:rPr>
+              <a:t>愛</a:t>
             </a:r>
             <a:r>
               <a:rPr lang="zh-CN" altLang="en-US" sz="5400" b="1" i="1" dirty="0">
@@ -3168,7 +3185,7 @@
     </p:spTree>
     <p:extLst>
       <p:ext uri="{BB962C8B-B14F-4D97-AF65-F5344CB8AC3E}">
-        <p14:creationId xmlns:p14="http://schemas.microsoft.com/office/powerpoint/2010/main" xmlns="" val="1857657311"/>
+        <p14:creationId xmlns:p14="http://schemas.microsoft.com/office/powerpoint/2010/main" val="1857657311"/>
       </p:ext>
     </p:extLst>
   </p:cSld>
@@ -3221,17 +3238,17 @@
               <a:buNone/>
             </a:pPr>
             <a:r>
-              <a:rPr lang="zh-CN" altLang="en-US" sz="4800" b="1" dirty="0" smtClean="0">
-                <a:solidFill>
-                  <a:srgbClr val="000066"/>
-                </a:solidFill>
-                <a:latin typeface="微軟正黑體" pitchFamily="34" charset="-120"/>
-                <a:ea typeface="微軟正黑體" pitchFamily="34" charset="-120"/>
-              </a:rPr>
-              <a:t>袮</a:t>
-            </a:r>
-            <a:r>
-              <a:rPr lang="zh-TW" altLang="en-US" sz="4800" b="1" dirty="0" smtClean="0">
+              <a:rPr lang="zh-CN" altLang="en-US" sz="4800" b="1" dirty="0">
+                <a:solidFill>
+                  <a:srgbClr val="000066"/>
+                </a:solidFill>
+                <a:latin typeface="微軟正黑體" pitchFamily="34" charset="-120"/>
+                <a:ea typeface="微軟正黑體" pitchFamily="34" charset="-120"/>
+              </a:rPr>
+              <a:t>祢</a:t>
+            </a:r>
+            <a:r>
+              <a:rPr lang="zh-TW" altLang="en-US" sz="4800" b="1" dirty="0">
                 <a:solidFill>
                   <a:srgbClr val="000066"/>
                 </a:solidFill>
@@ -3248,7 +3265,17 @@
                 <a:latin typeface="微軟正黑體" pitchFamily="34" charset="-120"/>
                 <a:ea typeface="微軟正黑體" pitchFamily="34" charset="-120"/>
               </a:rPr>
-              <a:t>出寶血   洗淨我污穢</a:t>
+              <a:t>出</a:t>
+            </a:r>
+            <a:r>
+              <a:rPr lang="zh-TW" altLang="en-US" sz="4800" b="1" dirty="0">
+                <a:solidFill>
+                  <a:srgbClr val="000066"/>
+                </a:solidFill>
+                <a:latin typeface="微軟正黑體" pitchFamily="34" charset="-120"/>
+                <a:ea typeface="微軟正黑體" pitchFamily="34" charset="-120"/>
+              </a:rPr>
+              <a:t>寶血   洗淨我污穢</a:t>
             </a:r>
             <a:endParaRPr lang="en-US" altLang="zh-TW" sz="4800" b="1" dirty="0">
               <a:solidFill>
@@ -3292,7 +3319,7 @@
         <p:spPr>
           <a:xfrm>
             <a:off x="0" y="3813889"/>
-            <a:ext cx="9144000" cy="646331"/>
+            <a:ext cx="9144000" cy="584775"/>
           </a:xfrm>
           <a:prstGeom prst="rect">
             <a:avLst/>
@@ -3307,7 +3334,7 @@
           <a:p>
             <a:pPr algn="ctr"/>
             <a:r>
-              <a:rPr lang="en-US" sz="3600" b="1" dirty="0">
+              <a:rPr lang="en-US" sz="3200" b="1" dirty="0">
                 <a:solidFill>
                   <a:srgbClr val="000066"/>
                 </a:solidFill>
@@ -3318,7 +3345,7 @@
               <a:t>( </a:t>
             </a:r>
             <a:r>
-              <a:rPr lang="zh-CN" altLang="en-US" sz="3600" b="1" dirty="0" smtClean="0">
+              <a:rPr lang="zh-CN" altLang="en-US" sz="3200" b="1" dirty="0" smtClean="0">
                 <a:solidFill>
                   <a:srgbClr val="000066"/>
                 </a:solidFill>
@@ -3329,7 +3356,7 @@
               <a:t>正</a:t>
             </a:r>
             <a:r>
-              <a:rPr lang="en-US" sz="3600" b="1" dirty="0" smtClean="0">
+              <a:rPr lang="en-US" sz="3200" b="1" dirty="0" smtClean="0">
                 <a:solidFill>
                   <a:srgbClr val="000066"/>
                 </a:solidFill>
@@ -3339,7 +3366,7 @@
               </a:rPr>
               <a:t> 1 )</a:t>
             </a:r>
-            <a:endParaRPr lang="vi-VN" sz="3600" b="1" dirty="0">
+            <a:endParaRPr lang="vi-VN" sz="3200" b="1" dirty="0">
               <a:solidFill>
                 <a:srgbClr val="000066"/>
               </a:solidFill>
@@ -3352,7 +3379,7 @@
     </p:spTree>
     <p:extLst>
       <p:ext uri="{BB962C8B-B14F-4D97-AF65-F5344CB8AC3E}">
-        <p14:creationId xmlns:p14="http://schemas.microsoft.com/office/powerpoint/2010/main" xmlns="" val="4012161464"/>
+        <p14:creationId xmlns:p14="http://schemas.microsoft.com/office/powerpoint/2010/main" val="4012161464"/>
       </p:ext>
     </p:extLst>
   </p:cSld>
@@ -3412,7 +3439,7 @@
                 <a:latin typeface="微軟正黑體" pitchFamily="34" charset="-120"/>
                 <a:ea typeface="微軟正黑體" pitchFamily="34" charset="-120"/>
               </a:rPr>
-              <a:t>袮</a:t>
+              <a:t>祢</a:t>
             </a:r>
             <a:r>
               <a:rPr lang="zh-TW" altLang="en-US" sz="4800" b="1" dirty="0" smtClean="0">
@@ -3494,7 +3521,7 @@
                 <a:latin typeface="微軟正黑體" pitchFamily="34" charset="-120"/>
                 <a:ea typeface="微軟正黑體" pitchFamily="34" charset="-120"/>
               </a:rPr>
-              <a:t>袮</a:t>
+              <a:t>祢</a:t>
             </a:r>
             <a:r>
               <a:rPr lang="zh-TW" altLang="en-US" sz="4800" b="1" dirty="0" smtClean="0">
@@ -3534,7 +3561,7 @@
         <p:spPr>
           <a:xfrm>
             <a:off x="0" y="3813889"/>
-            <a:ext cx="9144000" cy="646331"/>
+            <a:ext cx="9144000" cy="584775"/>
           </a:xfrm>
           <a:prstGeom prst="rect">
             <a:avLst/>
@@ -3549,43 +3576,40 @@
           <a:p>
             <a:pPr algn="ctr"/>
             <a:r>
-              <a:rPr lang="en-US" sz="3600" b="1" dirty="0">
-                <a:solidFill>
-                  <a:srgbClr val="000066"/>
-                </a:solidFill>
-                <a:effectLst/>
+              <a:rPr lang="en-US" sz="3200" b="1" dirty="0">
+                <a:solidFill>
+                  <a:srgbClr val="000066"/>
+                </a:solidFill>
                 <a:latin typeface="Microsoft JhengHei" panose="020B0604030504040204" pitchFamily="34" charset="-120"/>
                 <a:ea typeface="Microsoft JhengHei" panose="020B0604030504040204" pitchFamily="34" charset="-120"/>
               </a:rPr>
               <a:t>( </a:t>
             </a:r>
             <a:r>
-              <a:rPr lang="zh-CN" altLang="en-US" sz="3600" b="1" dirty="0" smtClean="0">
-                <a:solidFill>
-                  <a:srgbClr val="000066"/>
-                </a:solidFill>
-                <a:effectLst/>
+              <a:rPr lang="zh-CN" altLang="en-US" sz="3200" b="1" dirty="0">
+                <a:solidFill>
+                  <a:srgbClr val="000066"/>
+                </a:solidFill>
                 <a:latin typeface="Microsoft JhengHei" panose="020B0604030504040204" pitchFamily="34" charset="-120"/>
                 <a:ea typeface="Microsoft JhengHei" panose="020B0604030504040204" pitchFamily="34" charset="-120"/>
               </a:rPr>
               <a:t>正</a:t>
             </a:r>
             <a:r>
-              <a:rPr lang="en-US" sz="3600" b="1" dirty="0" smtClean="0">
-                <a:solidFill>
-                  <a:srgbClr val="000066"/>
-                </a:solidFill>
-                <a:effectLst/>
+              <a:rPr lang="en-US" sz="3200" b="1" dirty="0">
+                <a:solidFill>
+                  <a:srgbClr val="000066"/>
+                </a:solidFill>
                 <a:latin typeface="Microsoft JhengHei" panose="020B0604030504040204" pitchFamily="34" charset="-120"/>
                 <a:ea typeface="Microsoft JhengHei" panose="020B0604030504040204" pitchFamily="34" charset="-120"/>
               </a:rPr>
               <a:t> 1 )</a:t>
             </a:r>
-            <a:endParaRPr lang="vi-VN" sz="3600" b="1" dirty="0">
+            <a:endParaRPr lang="vi-VN" sz="3200" b="1" dirty="0">
               <a:solidFill>
                 <a:srgbClr val="000066"/>
               </a:solidFill>
-              <a:effectLst/>
+              <a:latin typeface="Microsoft JhengHei" panose="020B0604030504040204" pitchFamily="34" charset="-120"/>
               <a:ea typeface="Microsoft JhengHei" panose="020B0604030504040204" pitchFamily="34" charset="-120"/>
             </a:endParaRPr>
           </a:p>
@@ -3594,7 +3618,7 @@
     </p:spTree>
     <p:extLst>
       <p:ext uri="{BB962C8B-B14F-4D97-AF65-F5344CB8AC3E}">
-        <p14:creationId xmlns:p14="http://schemas.microsoft.com/office/powerpoint/2010/main" xmlns="" val="2747191964"/>
+        <p14:creationId xmlns:p14="http://schemas.microsoft.com/office/powerpoint/2010/main" val="2747191964"/>
       </p:ext>
     </p:extLst>
   </p:cSld>
@@ -3664,7 +3688,7 @@
                 <a:latin typeface="微軟正黑體" pitchFamily="34" charset="-120"/>
                 <a:ea typeface="微軟正黑體" pitchFamily="34" charset="-120"/>
               </a:rPr>
-              <a:t>會   </a:t>
+              <a:t>會  </a:t>
             </a:r>
             <a:r>
               <a:rPr lang="zh-CN" altLang="en-US" sz="4800" b="1" dirty="0" smtClean="0">
@@ -3674,7 +3698,7 @@
                 <a:latin typeface="微軟正黑體" pitchFamily="34" charset="-120"/>
                 <a:ea typeface="微軟正黑體" pitchFamily="34" charset="-120"/>
               </a:rPr>
-              <a:t>袮</a:t>
+              <a:t>祢</a:t>
             </a:r>
             <a:r>
               <a:rPr lang="zh-TW" altLang="en-US" sz="4800" b="1" dirty="0" smtClean="0">
@@ -3737,7 +3761,7 @@
         <p:spPr>
           <a:xfrm>
             <a:off x="0" y="3813889"/>
-            <a:ext cx="9144000" cy="646331"/>
+            <a:ext cx="9144000" cy="584775"/>
           </a:xfrm>
           <a:prstGeom prst="rect">
             <a:avLst/>
@@ -3752,43 +3776,40 @@
           <a:p>
             <a:pPr algn="ctr"/>
             <a:r>
-              <a:rPr lang="en-US" sz="3600" b="1" dirty="0">
-                <a:solidFill>
-                  <a:srgbClr val="000066"/>
-                </a:solidFill>
-                <a:effectLst/>
+              <a:rPr lang="en-US" sz="3200" b="1" dirty="0">
+                <a:solidFill>
+                  <a:srgbClr val="000066"/>
+                </a:solidFill>
                 <a:latin typeface="Microsoft JhengHei" panose="020B0604030504040204" pitchFamily="34" charset="-120"/>
                 <a:ea typeface="Microsoft JhengHei" panose="020B0604030504040204" pitchFamily="34" charset="-120"/>
               </a:rPr>
               <a:t>( </a:t>
             </a:r>
             <a:r>
-              <a:rPr lang="zh-CN" altLang="en-US" sz="3600" b="1" dirty="0" smtClean="0">
-                <a:solidFill>
-                  <a:srgbClr val="000066"/>
-                </a:solidFill>
-                <a:effectLst/>
+              <a:rPr lang="zh-CN" altLang="en-US" sz="3200" b="1" dirty="0">
+                <a:solidFill>
+                  <a:srgbClr val="000066"/>
+                </a:solidFill>
                 <a:latin typeface="Microsoft JhengHei" panose="020B0604030504040204" pitchFamily="34" charset="-120"/>
                 <a:ea typeface="Microsoft JhengHei" panose="020B0604030504040204" pitchFamily="34" charset="-120"/>
               </a:rPr>
               <a:t>正</a:t>
             </a:r>
             <a:r>
-              <a:rPr lang="en-US" sz="3600" b="1" dirty="0" smtClean="0">
-                <a:solidFill>
-                  <a:srgbClr val="000066"/>
-                </a:solidFill>
-                <a:effectLst/>
+              <a:rPr lang="en-US" sz="3200" b="1" dirty="0">
+                <a:solidFill>
+                  <a:srgbClr val="000066"/>
+                </a:solidFill>
                 <a:latin typeface="Microsoft JhengHei" panose="020B0604030504040204" pitchFamily="34" charset="-120"/>
                 <a:ea typeface="Microsoft JhengHei" panose="020B0604030504040204" pitchFamily="34" charset="-120"/>
               </a:rPr>
               <a:t> 2 )</a:t>
             </a:r>
-            <a:endParaRPr lang="vi-VN" sz="3600" b="1" dirty="0">
+            <a:endParaRPr lang="vi-VN" sz="3200" b="1" dirty="0">
               <a:solidFill>
                 <a:srgbClr val="000066"/>
               </a:solidFill>
-              <a:effectLst/>
+              <a:latin typeface="Microsoft JhengHei" panose="020B0604030504040204" pitchFamily="34" charset="-120"/>
               <a:ea typeface="Microsoft JhengHei" panose="020B0604030504040204" pitchFamily="34" charset="-120"/>
             </a:endParaRPr>
           </a:p>
@@ -3797,7 +3818,7 @@
     </p:spTree>
     <p:extLst>
       <p:ext uri="{BB962C8B-B14F-4D97-AF65-F5344CB8AC3E}">
-        <p14:creationId xmlns:p14="http://schemas.microsoft.com/office/powerpoint/2010/main" xmlns="" val="712877131"/>
+        <p14:creationId xmlns:p14="http://schemas.microsoft.com/office/powerpoint/2010/main" val="712877131"/>
       </p:ext>
     </p:extLst>
   </p:cSld>
@@ -3939,7 +3960,7 @@
         <p:spPr>
           <a:xfrm>
             <a:off x="0" y="3813889"/>
-            <a:ext cx="9144000" cy="646331"/>
+            <a:ext cx="9144000" cy="584775"/>
           </a:xfrm>
           <a:prstGeom prst="rect">
             <a:avLst/>
@@ -3954,43 +3975,40 @@
           <a:p>
             <a:pPr algn="ctr"/>
             <a:r>
-              <a:rPr lang="en-US" sz="3600" b="1" dirty="0">
-                <a:solidFill>
-                  <a:srgbClr val="000066"/>
-                </a:solidFill>
-                <a:effectLst/>
+              <a:rPr lang="en-US" sz="3200" b="1" dirty="0">
+                <a:solidFill>
+                  <a:srgbClr val="000066"/>
+                </a:solidFill>
                 <a:latin typeface="Microsoft JhengHei" panose="020B0604030504040204" pitchFamily="34" charset="-120"/>
                 <a:ea typeface="Microsoft JhengHei" panose="020B0604030504040204" pitchFamily="34" charset="-120"/>
               </a:rPr>
               <a:t>( </a:t>
             </a:r>
             <a:r>
-              <a:rPr lang="zh-CN" altLang="en-US" sz="3600" b="1" dirty="0" smtClean="0">
-                <a:solidFill>
-                  <a:srgbClr val="000066"/>
-                </a:solidFill>
-                <a:effectLst/>
+              <a:rPr lang="zh-CN" altLang="en-US" sz="3200" b="1" dirty="0">
+                <a:solidFill>
+                  <a:srgbClr val="000066"/>
+                </a:solidFill>
                 <a:latin typeface="Microsoft JhengHei" panose="020B0604030504040204" pitchFamily="34" charset="-120"/>
                 <a:ea typeface="Microsoft JhengHei" panose="020B0604030504040204" pitchFamily="34" charset="-120"/>
               </a:rPr>
               <a:t>正</a:t>
             </a:r>
             <a:r>
-              <a:rPr lang="en-US" sz="3600" b="1" dirty="0" smtClean="0">
-                <a:solidFill>
-                  <a:srgbClr val="000066"/>
-                </a:solidFill>
-                <a:effectLst/>
+              <a:rPr lang="en-US" sz="3200" b="1" dirty="0">
+                <a:solidFill>
+                  <a:srgbClr val="000066"/>
+                </a:solidFill>
                 <a:latin typeface="Microsoft JhengHei" panose="020B0604030504040204" pitchFamily="34" charset="-120"/>
                 <a:ea typeface="Microsoft JhengHei" panose="020B0604030504040204" pitchFamily="34" charset="-120"/>
               </a:rPr>
               <a:t> 2 )</a:t>
             </a:r>
-            <a:endParaRPr lang="vi-VN" sz="3600" b="1" dirty="0">
+            <a:endParaRPr lang="vi-VN" sz="3200" b="1" dirty="0">
               <a:solidFill>
                 <a:srgbClr val="000066"/>
               </a:solidFill>
-              <a:effectLst/>
+              <a:latin typeface="Microsoft JhengHei" panose="020B0604030504040204" pitchFamily="34" charset="-120"/>
               <a:ea typeface="Microsoft JhengHei" panose="020B0604030504040204" pitchFamily="34" charset="-120"/>
             </a:endParaRPr>
           </a:p>
@@ -3999,7 +4017,7 @@
     </p:spTree>
     <p:extLst>
       <p:ext uri="{BB962C8B-B14F-4D97-AF65-F5344CB8AC3E}">
-        <p14:creationId xmlns:p14="http://schemas.microsoft.com/office/powerpoint/2010/main" xmlns="" val="696977571"/>
+        <p14:creationId xmlns:p14="http://schemas.microsoft.com/office/powerpoint/2010/main" val="696977571"/>
       </p:ext>
     </p:extLst>
   </p:cSld>
@@ -4052,16 +4070,6 @@
               <a:buNone/>
             </a:pPr>
             <a:r>
-              <a:rPr lang="zh-TW" altLang="en-US" sz="4800" b="1" dirty="0">
-                <a:solidFill>
-                  <a:srgbClr val="000066"/>
-                </a:solidFill>
-                <a:latin typeface="微軟正黑體" pitchFamily="34" charset="-120"/>
-                <a:ea typeface="微軟正黑體" pitchFamily="34" charset="-120"/>
-              </a:rPr>
-              <a:t>哦 </a:t>
-            </a:r>
-            <a:r>
               <a:rPr lang="zh-TW" altLang="en-US" sz="4800" b="1" dirty="0" smtClean="0">
                 <a:solidFill>
                   <a:srgbClr val="000066"/>
@@ -4069,7 +4077,7 @@
                 <a:latin typeface="微軟正黑體" pitchFamily="34" charset="-120"/>
                 <a:ea typeface="微軟正黑體" pitchFamily="34" charset="-120"/>
               </a:rPr>
-              <a:t> </a:t>
+              <a:t>哦  </a:t>
             </a:r>
             <a:r>
               <a:rPr lang="zh-CN" altLang="en-US" sz="4800" b="1" dirty="0" smtClean="0">
@@ -4079,7 +4087,7 @@
                 <a:latin typeface="微軟正黑體" pitchFamily="34" charset="-120"/>
                 <a:ea typeface="微軟正黑體" pitchFamily="34" charset="-120"/>
               </a:rPr>
-              <a:t>袮</a:t>
+              <a:t>祢</a:t>
             </a:r>
             <a:r>
               <a:rPr lang="zh-TW" altLang="en-US" sz="4800" b="1" dirty="0" smtClean="0">
@@ -4162,7 +4170,7 @@
         <p:spPr>
           <a:xfrm>
             <a:off x="0" y="3813889"/>
-            <a:ext cx="9144000" cy="646331"/>
+            <a:ext cx="9144000" cy="584775"/>
           </a:xfrm>
           <a:prstGeom prst="rect">
             <a:avLst/>
@@ -4177,43 +4185,40 @@
           <a:p>
             <a:pPr algn="ctr"/>
             <a:r>
-              <a:rPr lang="en-US" sz="3600" b="1" dirty="0">
-                <a:solidFill>
-                  <a:srgbClr val="000066"/>
-                </a:solidFill>
-                <a:effectLst/>
+              <a:rPr lang="en-US" sz="3200" b="1" dirty="0">
+                <a:solidFill>
+                  <a:srgbClr val="000066"/>
+                </a:solidFill>
                 <a:latin typeface="Microsoft JhengHei" panose="020B0604030504040204" pitchFamily="34" charset="-120"/>
                 <a:ea typeface="Microsoft JhengHei" panose="020B0604030504040204" pitchFamily="34" charset="-120"/>
               </a:rPr>
               <a:t>( </a:t>
             </a:r>
             <a:r>
-              <a:rPr lang="zh-CN" altLang="en-US" sz="3600" b="1" dirty="0" smtClean="0">
-                <a:solidFill>
-                  <a:srgbClr val="000066"/>
-                </a:solidFill>
-                <a:effectLst/>
+              <a:rPr lang="zh-CN" altLang="en-US" sz="3200" b="1" dirty="0">
+                <a:solidFill>
+                  <a:srgbClr val="000066"/>
+                </a:solidFill>
                 <a:latin typeface="Microsoft JhengHei" panose="020B0604030504040204" pitchFamily="34" charset="-120"/>
                 <a:ea typeface="Microsoft JhengHei" panose="020B0604030504040204" pitchFamily="34" charset="-120"/>
               </a:rPr>
               <a:t>副</a:t>
             </a:r>
             <a:r>
-              <a:rPr lang="en-US" sz="3600" b="1" dirty="0" smtClean="0">
-                <a:solidFill>
-                  <a:srgbClr val="000066"/>
-                </a:solidFill>
-                <a:effectLst/>
+              <a:rPr lang="en-US" sz="3200" b="1" dirty="0">
+                <a:solidFill>
+                  <a:srgbClr val="000066"/>
+                </a:solidFill>
                 <a:latin typeface="Microsoft JhengHei" panose="020B0604030504040204" pitchFamily="34" charset="-120"/>
                 <a:ea typeface="Microsoft JhengHei" panose="020B0604030504040204" pitchFamily="34" charset="-120"/>
               </a:rPr>
               <a:t> )</a:t>
             </a:r>
-            <a:endParaRPr lang="vi-VN" sz="3600" b="1" dirty="0">
+            <a:endParaRPr lang="vi-VN" sz="3200" b="1" dirty="0">
               <a:solidFill>
                 <a:srgbClr val="000066"/>
               </a:solidFill>
-              <a:effectLst/>
+              <a:latin typeface="Microsoft JhengHei" panose="020B0604030504040204" pitchFamily="34" charset="-120"/>
               <a:ea typeface="Microsoft JhengHei" panose="020B0604030504040204" pitchFamily="34" charset="-120"/>
             </a:endParaRPr>
           </a:p>
@@ -4222,7 +4227,7 @@
     </p:spTree>
     <p:extLst>
       <p:ext uri="{BB962C8B-B14F-4D97-AF65-F5344CB8AC3E}">
-        <p14:creationId xmlns:p14="http://schemas.microsoft.com/office/powerpoint/2010/main" xmlns="" val="3865357722"/>
+        <p14:creationId xmlns:p14="http://schemas.microsoft.com/office/powerpoint/2010/main" val="3865357722"/>
       </p:ext>
     </p:extLst>
   </p:cSld>
@@ -4344,7 +4349,7 @@
         <p:spPr>
           <a:xfrm>
             <a:off x="0" y="3813889"/>
-            <a:ext cx="9144000" cy="646331"/>
+            <a:ext cx="9144000" cy="584775"/>
           </a:xfrm>
           <a:prstGeom prst="rect">
             <a:avLst/>
@@ -4359,43 +4364,40 @@
           <a:p>
             <a:pPr algn="ctr"/>
             <a:r>
-              <a:rPr lang="en-US" sz="3600" b="1" dirty="0">
-                <a:solidFill>
-                  <a:srgbClr val="000066"/>
-                </a:solidFill>
-                <a:effectLst/>
+              <a:rPr lang="en-US" sz="3200" b="1" dirty="0">
+                <a:solidFill>
+                  <a:srgbClr val="000066"/>
+                </a:solidFill>
                 <a:latin typeface="Microsoft JhengHei" panose="020B0604030504040204" pitchFamily="34" charset="-120"/>
                 <a:ea typeface="Microsoft JhengHei" panose="020B0604030504040204" pitchFamily="34" charset="-120"/>
               </a:rPr>
               <a:t>( </a:t>
             </a:r>
             <a:r>
-              <a:rPr lang="zh-CN" altLang="en-US" sz="3600" b="1" dirty="0" smtClean="0">
-                <a:solidFill>
-                  <a:srgbClr val="000066"/>
-                </a:solidFill>
-                <a:effectLst/>
+              <a:rPr lang="zh-CN" altLang="en-US" sz="3200" b="1" dirty="0">
+                <a:solidFill>
+                  <a:srgbClr val="000066"/>
+                </a:solidFill>
                 <a:latin typeface="Microsoft JhengHei" panose="020B0604030504040204" pitchFamily="34" charset="-120"/>
                 <a:ea typeface="Microsoft JhengHei" panose="020B0604030504040204" pitchFamily="34" charset="-120"/>
               </a:rPr>
               <a:t>副</a:t>
             </a:r>
             <a:r>
-              <a:rPr lang="en-US" sz="3600" b="1" dirty="0" smtClean="0">
-                <a:solidFill>
-                  <a:srgbClr val="000066"/>
-                </a:solidFill>
-                <a:effectLst/>
+              <a:rPr lang="en-US" sz="3200" b="1" dirty="0">
+                <a:solidFill>
+                  <a:srgbClr val="000066"/>
+                </a:solidFill>
                 <a:latin typeface="Microsoft JhengHei" panose="020B0604030504040204" pitchFamily="34" charset="-120"/>
                 <a:ea typeface="Microsoft JhengHei" panose="020B0604030504040204" pitchFamily="34" charset="-120"/>
               </a:rPr>
               <a:t> )</a:t>
             </a:r>
-            <a:endParaRPr lang="vi-VN" sz="3600" b="1" dirty="0">
+            <a:endParaRPr lang="vi-VN" sz="3200" b="1" dirty="0">
               <a:solidFill>
                 <a:srgbClr val="000066"/>
               </a:solidFill>
-              <a:effectLst/>
+              <a:latin typeface="Microsoft JhengHei" panose="020B0604030504040204" pitchFamily="34" charset="-120"/>
               <a:ea typeface="Microsoft JhengHei" panose="020B0604030504040204" pitchFamily="34" charset="-120"/>
             </a:endParaRPr>
           </a:p>
@@ -4404,7 +4406,7 @@
     </p:spTree>
     <p:extLst>
       <p:ext uri="{BB962C8B-B14F-4D97-AF65-F5344CB8AC3E}">
-        <p14:creationId xmlns:p14="http://schemas.microsoft.com/office/powerpoint/2010/main" xmlns="" val="4085174059"/>
+        <p14:creationId xmlns:p14="http://schemas.microsoft.com/office/powerpoint/2010/main" val="4085174059"/>
       </p:ext>
     </p:extLst>
   </p:cSld>
@@ -4474,7 +4476,7 @@
                 <a:latin typeface="微軟正黑體" pitchFamily="34" charset="-120"/>
                 <a:ea typeface="微軟正黑體" pitchFamily="34" charset="-120"/>
               </a:rPr>
-              <a:t>袮</a:t>
+              <a:t>祢</a:t>
             </a:r>
             <a:r>
               <a:rPr lang="zh-TW" altLang="en-US" sz="4800" b="1" dirty="0" smtClean="0">
@@ -4557,7 +4559,7 @@
         <p:spPr>
           <a:xfrm>
             <a:off x="0" y="3813889"/>
-            <a:ext cx="9144000" cy="646331"/>
+            <a:ext cx="9144000" cy="584775"/>
           </a:xfrm>
           <a:prstGeom prst="rect">
             <a:avLst/>
@@ -4572,43 +4574,40 @@
           <a:p>
             <a:pPr algn="ctr"/>
             <a:r>
-              <a:rPr lang="en-US" sz="3600" b="1" dirty="0">
-                <a:solidFill>
-                  <a:srgbClr val="000066"/>
-                </a:solidFill>
-                <a:effectLst/>
+              <a:rPr lang="en-US" sz="3200" b="1" dirty="0">
+                <a:solidFill>
+                  <a:srgbClr val="000066"/>
+                </a:solidFill>
                 <a:latin typeface="Microsoft JhengHei" panose="020B0604030504040204" pitchFamily="34" charset="-120"/>
                 <a:ea typeface="Microsoft JhengHei" panose="020B0604030504040204" pitchFamily="34" charset="-120"/>
               </a:rPr>
               <a:t>( </a:t>
             </a:r>
             <a:r>
-              <a:rPr lang="zh-CN" altLang="en-US" sz="3600" b="1" dirty="0" smtClean="0">
-                <a:solidFill>
-                  <a:srgbClr val="000066"/>
-                </a:solidFill>
-                <a:effectLst/>
+              <a:rPr lang="zh-CN" altLang="en-US" sz="3200" b="1" dirty="0">
+                <a:solidFill>
+                  <a:srgbClr val="000066"/>
+                </a:solidFill>
                 <a:latin typeface="Microsoft JhengHei" panose="020B0604030504040204" pitchFamily="34" charset="-120"/>
                 <a:ea typeface="Microsoft JhengHei" panose="020B0604030504040204" pitchFamily="34" charset="-120"/>
               </a:rPr>
               <a:t>副</a:t>
             </a:r>
             <a:r>
-              <a:rPr lang="en-US" sz="3600" b="1" dirty="0" smtClean="0">
-                <a:solidFill>
-                  <a:srgbClr val="000066"/>
-                </a:solidFill>
-                <a:effectLst/>
+              <a:rPr lang="en-US" sz="3200" b="1" dirty="0">
+                <a:solidFill>
+                  <a:srgbClr val="000066"/>
+                </a:solidFill>
                 <a:latin typeface="Microsoft JhengHei" panose="020B0604030504040204" pitchFamily="34" charset="-120"/>
                 <a:ea typeface="Microsoft JhengHei" panose="020B0604030504040204" pitchFamily="34" charset="-120"/>
               </a:rPr>
               <a:t> )</a:t>
             </a:r>
-            <a:endParaRPr lang="vi-VN" sz="3600" b="1" dirty="0">
+            <a:endParaRPr lang="vi-VN" sz="3200" b="1" dirty="0">
               <a:solidFill>
                 <a:srgbClr val="000066"/>
               </a:solidFill>
-              <a:effectLst/>
+              <a:latin typeface="Microsoft JhengHei" panose="020B0604030504040204" pitchFamily="34" charset="-120"/>
               <a:ea typeface="Microsoft JhengHei" panose="020B0604030504040204" pitchFamily="34" charset="-120"/>
             </a:endParaRPr>
           </a:p>
@@ -4617,7 +4616,7 @@
     </p:spTree>
     <p:extLst>
       <p:ext uri="{BB962C8B-B14F-4D97-AF65-F5344CB8AC3E}">
-        <p14:creationId xmlns:p14="http://schemas.microsoft.com/office/powerpoint/2010/main" xmlns="" val="836992860"/>
+        <p14:creationId xmlns:p14="http://schemas.microsoft.com/office/powerpoint/2010/main" val="836992860"/>
       </p:ext>
     </p:extLst>
   </p:cSld>
@@ -4759,7 +4758,7 @@
                 <a:latin typeface="微軟正黑體" pitchFamily="34" charset="-120"/>
                 <a:ea typeface="微軟正黑體" pitchFamily="34" charset="-120"/>
               </a:rPr>
-              <a:t>袮</a:t>
+              <a:t>祢</a:t>
             </a:r>
             <a:r>
               <a:rPr lang="zh-TW" altLang="en-US" sz="4800" b="1" dirty="0" smtClean="0">
@@ -4799,7 +4798,7 @@
         <p:spPr>
           <a:xfrm>
             <a:off x="0" y="3813889"/>
-            <a:ext cx="9144000" cy="646331"/>
+            <a:ext cx="9144000" cy="584775"/>
           </a:xfrm>
           <a:prstGeom prst="rect">
             <a:avLst/>
@@ -4814,43 +4813,40 @@
           <a:p>
             <a:pPr algn="ctr"/>
             <a:r>
-              <a:rPr lang="en-US" sz="3600" b="1" dirty="0">
-                <a:solidFill>
-                  <a:srgbClr val="000066"/>
-                </a:solidFill>
-                <a:effectLst/>
+              <a:rPr lang="en-US" sz="3200" b="1" dirty="0">
+                <a:solidFill>
+                  <a:srgbClr val="000066"/>
+                </a:solidFill>
                 <a:latin typeface="Microsoft JhengHei" panose="020B0604030504040204" pitchFamily="34" charset="-120"/>
                 <a:ea typeface="Microsoft JhengHei" panose="020B0604030504040204" pitchFamily="34" charset="-120"/>
               </a:rPr>
               <a:t>( </a:t>
             </a:r>
             <a:r>
-              <a:rPr lang="zh-CN" altLang="en-US" sz="3600" b="1" dirty="0" smtClean="0">
-                <a:solidFill>
-                  <a:srgbClr val="000066"/>
-                </a:solidFill>
-                <a:effectLst/>
+              <a:rPr lang="zh-CN" altLang="en-US" sz="3200" b="1" dirty="0">
+                <a:solidFill>
+                  <a:srgbClr val="000066"/>
+                </a:solidFill>
                 <a:latin typeface="Microsoft JhengHei" panose="020B0604030504040204" pitchFamily="34" charset="-120"/>
                 <a:ea typeface="Microsoft JhengHei" panose="020B0604030504040204" pitchFamily="34" charset="-120"/>
               </a:rPr>
               <a:t>副</a:t>
             </a:r>
             <a:r>
-              <a:rPr lang="en-US" sz="3600" b="1" dirty="0" smtClean="0">
-                <a:solidFill>
-                  <a:srgbClr val="000066"/>
-                </a:solidFill>
-                <a:effectLst/>
+              <a:rPr lang="en-US" sz="3200" b="1" dirty="0">
+                <a:solidFill>
+                  <a:srgbClr val="000066"/>
+                </a:solidFill>
                 <a:latin typeface="Microsoft JhengHei" panose="020B0604030504040204" pitchFamily="34" charset="-120"/>
                 <a:ea typeface="Microsoft JhengHei" panose="020B0604030504040204" pitchFamily="34" charset="-120"/>
               </a:rPr>
               <a:t> )</a:t>
             </a:r>
-            <a:endParaRPr lang="vi-VN" sz="3600" b="1" dirty="0">
+            <a:endParaRPr lang="vi-VN" sz="3200" b="1" dirty="0">
               <a:solidFill>
                 <a:srgbClr val="000066"/>
               </a:solidFill>
-              <a:effectLst/>
+              <a:latin typeface="Microsoft JhengHei" panose="020B0604030504040204" pitchFamily="34" charset="-120"/>
               <a:ea typeface="Microsoft JhengHei" panose="020B0604030504040204" pitchFamily="34" charset="-120"/>
             </a:endParaRPr>
           </a:p>
@@ -4859,7 +4855,7 @@
     </p:spTree>
     <p:extLst>
       <p:ext uri="{BB962C8B-B14F-4D97-AF65-F5344CB8AC3E}">
-        <p14:creationId xmlns:p14="http://schemas.microsoft.com/office/powerpoint/2010/main" xmlns="" val="623494746"/>
+        <p14:creationId xmlns:p14="http://schemas.microsoft.com/office/powerpoint/2010/main" val="623494746"/>
       </p:ext>
     </p:extLst>
   </p:cSld>
